--- a/reports/Fall-2017-Poster.pptx
+++ b/reports/Fall-2017-Poster.pptx
@@ -4100,8 +4100,8 @@
         </p:nvSpPr>
         <p:spPr bwMode="auto">
           <a:xfrm>
-            <a:off x="551811" y="5431124"/>
-            <a:ext cx="14007415" cy="1092741"/>
+            <a:off x="551811" y="5498464"/>
+            <a:ext cx="14405159" cy="960698"/>
           </a:xfrm>
           <a:prstGeom prst="rect">
             <a:avLst/>
@@ -4132,7 +4132,9 @@
           </a:effectLst>
         </p:spPr>
         <p:txBody>
-          <a:bodyPr wrap="none" lIns="152956" tIns="76479" rIns="152956" bIns="76479" anchor="ctr"/>
+          <a:bodyPr wrap="square" lIns="152956" tIns="76479" rIns="152956" bIns="76479" anchor="ctr">
+            <a:spAutoFit/>
+          </a:bodyPr>
           <a:lstStyle/>
           <a:p>
             <a:pPr marL="796653" indent="-796653" defTabSz="5244629">
@@ -4171,8 +4173,8 @@
         </p:nvSpPr>
         <p:spPr bwMode="auto">
           <a:xfrm>
-            <a:off x="551811" y="12160851"/>
-            <a:ext cx="13889136" cy="1032949"/>
+            <a:off x="551810" y="11124027"/>
+            <a:ext cx="14405159" cy="960698"/>
           </a:xfrm>
           <a:prstGeom prst="rect">
             <a:avLst/>
@@ -4203,7 +4205,9 @@
           </a:effectLst>
         </p:spPr>
         <p:txBody>
-          <a:bodyPr wrap="none" lIns="152956" tIns="76479" rIns="152956" bIns="76479" anchor="ctr"/>
+          <a:bodyPr wrap="square" lIns="152956" tIns="76479" rIns="152956" bIns="76479" anchor="ctr">
+            <a:spAutoFit/>
+          </a:bodyPr>
           <a:lstStyle/>
           <a:p>
             <a:pPr defTabSz="5244629"/>
@@ -4340,8 +4344,8 @@
         </p:nvSpPr>
         <p:spPr bwMode="auto">
           <a:xfrm>
-            <a:off x="453916" y="18871992"/>
-            <a:ext cx="13889136" cy="1032949"/>
+            <a:off x="527899" y="16883263"/>
+            <a:ext cx="14429069" cy="960698"/>
           </a:xfrm>
           <a:prstGeom prst="rect">
             <a:avLst/>
@@ -4372,7 +4376,9 @@
           </a:effectLst>
         </p:spPr>
         <p:txBody>
-          <a:bodyPr wrap="none" lIns="152956" tIns="76479" rIns="152956" bIns="76479" anchor="ctr"/>
+          <a:bodyPr wrap="square" lIns="152956" tIns="76479" rIns="152956" bIns="76479" anchor="ctr">
+            <a:spAutoFit/>
+          </a:bodyPr>
           <a:lstStyle/>
           <a:p>
             <a:pPr defTabSz="5244629"/>
@@ -4419,8 +4425,8 @@
         </p:nvSpPr>
         <p:spPr bwMode="auto">
           <a:xfrm>
-            <a:off x="16018784" y="5490916"/>
-            <a:ext cx="13889136" cy="1032949"/>
+            <a:off x="15502760" y="5495417"/>
+            <a:ext cx="14405159" cy="1028038"/>
           </a:xfrm>
           <a:prstGeom prst="rect">
             <a:avLst/>
@@ -4498,8 +4504,8 @@
         </p:nvSpPr>
         <p:spPr bwMode="auto">
           <a:xfrm>
-            <a:off x="16018784" y="13372325"/>
-            <a:ext cx="13889136" cy="1032949"/>
+            <a:off x="15502758" y="16883263"/>
+            <a:ext cx="14405159" cy="960698"/>
           </a:xfrm>
           <a:prstGeom prst="rect">
             <a:avLst/>
@@ -4530,32 +4536,20 @@
           </a:effectLst>
         </p:spPr>
         <p:txBody>
-          <a:bodyPr wrap="none" lIns="152956" tIns="76479" rIns="152956" bIns="76479" anchor="ctr"/>
+          <a:bodyPr wrap="square" lIns="152956" tIns="76479" rIns="152956" bIns="76479" anchor="ctr">
+            <a:spAutoFit/>
+          </a:bodyPr>
           <a:lstStyle/>
           <a:p>
             <a:pPr defTabSz="5244629"/>
             <a:r>
-              <a:rPr lang="en-US" sz="5239" smtClean="0">
+              <a:rPr lang="en-US" sz="5239" dirty="0" smtClean="0">
                 <a:solidFill>
                   <a:schemeClr val="bg1"/>
                 </a:solidFill>
                 <a:sym typeface="Symbol" pitchFamily="18" charset="2"/>
               </a:rPr>
-              <a:t></a:t>
-            </a:r>
-            <a:r>
-              <a:rPr lang="en-US" sz="5239" smtClean="0"/>
-              <a:t> </a:t>
-            </a:r>
-            <a:r>
-              <a:rPr lang="en-US" sz="5239" smtClean="0">
-                <a:solidFill>
-                  <a:schemeClr val="bg1"/>
-                </a:solidFill>
-                <a:latin typeface="Arial"/>
-                <a:cs typeface="Arial"/>
-              </a:rPr>
-              <a:t>Egalitarian SMPTI</a:t>
+              <a:t>Optimization Variants</a:t>
             </a:r>
             <a:endParaRPr lang="en-US" sz="5239" dirty="0">
               <a:solidFill>
@@ -4569,7 +4563,7 @@
       </p:sp>
       <p:sp>
         <p:nvSpPr>
-          <p:cNvPr id="62" name="Rectangle 7"/>
+          <p:cNvPr id="64" name="Rectangle 7"/>
           <p:cNvSpPr>
             <a:spLocks noChangeArrowheads="1"/>
           </p:cNvSpPr>
@@ -4577,8 +4571,8 @@
         </p:nvSpPr>
         <p:spPr bwMode="auto">
           <a:xfrm>
-            <a:off x="15934209" y="17839043"/>
-            <a:ext cx="13889136" cy="1032949"/>
+            <a:off x="15502759" y="30279374"/>
+            <a:ext cx="14320583" cy="960698"/>
           </a:xfrm>
           <a:prstGeom prst="rect">
             <a:avLst/>
@@ -4609,7 +4603,9 @@
           </a:effectLst>
         </p:spPr>
         <p:txBody>
-          <a:bodyPr wrap="none" lIns="152956" tIns="76479" rIns="152956" bIns="76479" anchor="ctr"/>
+          <a:bodyPr wrap="square" lIns="152956" tIns="76479" rIns="152956" bIns="76479" anchor="ctr">
+            <a:spAutoFit/>
+          </a:bodyPr>
           <a:lstStyle/>
           <a:p>
             <a:pPr defTabSz="5244629"/>
@@ -4627,14 +4623,14 @@
               <a:t> </a:t>
             </a:r>
             <a:r>
-              <a:rPr lang="en-US" sz="5239" smtClean="0">
+              <a:rPr lang="en-US" sz="5239" dirty="0" smtClean="0">
                 <a:solidFill>
                   <a:schemeClr val="bg1"/>
                 </a:solidFill>
                 <a:latin typeface="Arial"/>
                 <a:cs typeface="Arial"/>
               </a:rPr>
-              <a:t>Sex Equal SMPTI</a:t>
+              <a:t>Conclusions</a:t>
             </a:r>
             <a:endParaRPr lang="en-US" sz="5239" dirty="0">
               <a:solidFill>
@@ -4648,7 +4644,7 @@
       </p:sp>
       <p:sp>
         <p:nvSpPr>
-          <p:cNvPr id="63" name="Rectangle 7"/>
+          <p:cNvPr id="65" name="Rectangle 7"/>
           <p:cNvSpPr>
             <a:spLocks noChangeArrowheads="1"/>
           </p:cNvSpPr>
@@ -4656,8 +4652,8 @@
         </p:nvSpPr>
         <p:spPr bwMode="auto">
           <a:xfrm>
-            <a:off x="16018784" y="22305761"/>
-            <a:ext cx="13889136" cy="1032949"/>
+            <a:off x="551810" y="37595011"/>
+            <a:ext cx="29356107" cy="960698"/>
           </a:xfrm>
           <a:prstGeom prst="rect">
             <a:avLst/>
@@ -4688,175 +4684,9 @@
           </a:effectLst>
         </p:spPr>
         <p:txBody>
-          <a:bodyPr wrap="none" lIns="152956" tIns="76479" rIns="152956" bIns="76479" anchor="ctr"/>
-          <a:lstStyle/>
-          <a:p>
-            <a:pPr defTabSz="5244629"/>
-            <a:r>
-              <a:rPr lang="en-US" sz="5239" dirty="0" smtClean="0">
-                <a:solidFill>
-                  <a:schemeClr val="bg1"/>
-                </a:solidFill>
-                <a:sym typeface="Symbol" pitchFamily="18" charset="2"/>
-              </a:rPr>
-              <a:t></a:t>
-            </a:r>
-            <a:r>
-              <a:rPr lang="en-US" sz="5239" dirty="0" smtClean="0"/>
-              <a:t> </a:t>
-            </a:r>
-            <a:r>
-              <a:rPr lang="en-US" sz="5239" smtClean="0">
-                <a:solidFill>
-                  <a:schemeClr val="bg1"/>
-                </a:solidFill>
-                <a:latin typeface="Arial"/>
-                <a:cs typeface="Arial"/>
-              </a:rPr>
-              <a:t>Minimum Regret </a:t>
-            </a:r>
-            <a:r>
-              <a:rPr lang="en-US" sz="5239" smtClean="0">
-                <a:solidFill>
-                  <a:schemeClr val="bg1"/>
-                </a:solidFill>
-                <a:latin typeface="Arial"/>
-                <a:cs typeface="Arial"/>
-              </a:rPr>
-              <a:t>SMPTI</a:t>
-            </a:r>
-            <a:endParaRPr lang="en-US" sz="5239" dirty="0">
-              <a:solidFill>
-                <a:schemeClr val="bg1"/>
-              </a:solidFill>
-              <a:latin typeface="Arial"/>
-              <a:cs typeface="Arial"/>
-            </a:endParaRPr>
-          </a:p>
-        </p:txBody>
-      </p:sp>
-      <p:sp>
-        <p:nvSpPr>
-          <p:cNvPr id="64" name="Rectangle 7"/>
-          <p:cNvSpPr>
-            <a:spLocks noChangeArrowheads="1"/>
-          </p:cNvSpPr>
-          <p:nvPr/>
-        </p:nvSpPr>
-        <p:spPr bwMode="auto">
-          <a:xfrm>
-            <a:off x="15934209" y="26772479"/>
-            <a:ext cx="13889136" cy="1032949"/>
-          </a:xfrm>
-          <a:prstGeom prst="rect">
-            <a:avLst/>
-          </a:prstGeom>
-          <a:gradFill>
-            <a:gsLst>
-              <a:gs pos="5000">
-                <a:schemeClr val="accent6">
-                  <a:lumMod val="75000"/>
-                </a:schemeClr>
-              </a:gs>
-              <a:gs pos="100000">
-                <a:schemeClr val="accent5">
-                  <a:lumMod val="60000"/>
-                  <a:lumOff val="40000"/>
-                </a:schemeClr>
-              </a:gs>
-            </a:gsLst>
-            <a:lin ang="0" scaled="1"/>
-          </a:gradFill>
-          <a:ln>
-            <a:noFill/>
-          </a:ln>
-          <a:effectLst>
-            <a:outerShdw dist="107763" dir="2700000" algn="ctr" rotWithShape="0">
-              <a:schemeClr val="bg2"/>
-            </a:outerShdw>
-          </a:effectLst>
-        </p:spPr>
-        <p:txBody>
-          <a:bodyPr wrap="none" lIns="152956" tIns="76479" rIns="152956" bIns="76479" anchor="ctr"/>
-          <a:lstStyle/>
-          <a:p>
-            <a:pPr defTabSz="5244629"/>
-            <a:r>
-              <a:rPr lang="en-US" sz="5239" dirty="0" smtClean="0">
-                <a:solidFill>
-                  <a:schemeClr val="bg1"/>
-                </a:solidFill>
-                <a:sym typeface="Symbol" pitchFamily="18" charset="2"/>
-              </a:rPr>
-              <a:t></a:t>
-            </a:r>
-            <a:r>
-              <a:rPr lang="en-US" sz="5239" dirty="0" smtClean="0"/>
-              <a:t> </a:t>
-            </a:r>
-            <a:r>
-              <a:rPr lang="en-US" sz="5239" dirty="0" smtClean="0">
-                <a:solidFill>
-                  <a:schemeClr val="bg1"/>
-                </a:solidFill>
-                <a:latin typeface="Arial"/>
-                <a:cs typeface="Arial"/>
-              </a:rPr>
-              <a:t>Conclusions</a:t>
-            </a:r>
-            <a:endParaRPr lang="en-US" sz="5239" dirty="0">
-              <a:solidFill>
-                <a:schemeClr val="bg1"/>
-              </a:solidFill>
-              <a:latin typeface="Arial"/>
-              <a:cs typeface="Arial"/>
-            </a:endParaRPr>
-          </a:p>
-        </p:txBody>
-      </p:sp>
-      <p:sp>
-        <p:nvSpPr>
-          <p:cNvPr id="65" name="Rectangle 7"/>
-          <p:cNvSpPr>
-            <a:spLocks noChangeArrowheads="1"/>
-          </p:cNvSpPr>
-          <p:nvPr/>
-        </p:nvSpPr>
-        <p:spPr bwMode="auto">
-          <a:xfrm>
-            <a:off x="15934209" y="35705915"/>
-            <a:ext cx="13889136" cy="1032949"/>
-          </a:xfrm>
-          <a:prstGeom prst="rect">
-            <a:avLst/>
-          </a:prstGeom>
-          <a:gradFill>
-            <a:gsLst>
-              <a:gs pos="5000">
-                <a:schemeClr val="accent6">
-                  <a:lumMod val="75000"/>
-                </a:schemeClr>
-              </a:gs>
-              <a:gs pos="100000">
-                <a:schemeClr val="accent5">
-                  <a:lumMod val="60000"/>
-                  <a:lumOff val="40000"/>
-                </a:schemeClr>
-              </a:gs>
-            </a:gsLst>
-            <a:lin ang="0" scaled="1"/>
-          </a:gradFill>
-          <a:ln>
-            <a:noFill/>
-          </a:ln>
-          <a:effectLst>
-            <a:outerShdw dist="107763" dir="2700000" algn="ctr" rotWithShape="0">
-              <a:schemeClr val="bg2"/>
-            </a:outerShdw>
-          </a:effectLst>
-        </p:spPr>
-        <p:txBody>
-          <a:bodyPr wrap="none" lIns="152956" tIns="76479" rIns="152956" bIns="76479" anchor="ctr"/>
+          <a:bodyPr wrap="square" lIns="152956" tIns="76479" rIns="152956" bIns="76479" anchor="ctr">
+            <a:spAutoFit/>
+          </a:bodyPr>
           <a:lstStyle/>
           <a:p>
             <a:pPr defTabSz="5244629"/>
@@ -4893,6 +4723,1926 @@
           </a:p>
         </p:txBody>
       </p:sp>
+      <p:sp>
+        <p:nvSpPr>
+          <p:cNvPr id="2" name="TextBox 1"/>
+          <p:cNvSpPr txBox="1"/>
+          <p:nvPr/>
+        </p:nvSpPr>
+        <p:spPr>
+          <a:xfrm>
+            <a:off x="15502758" y="31388547"/>
+            <a:ext cx="14320584" cy="6001643"/>
+          </a:xfrm>
+          <a:prstGeom prst="rect">
+            <a:avLst/>
+          </a:prstGeom>
+          <a:noFill/>
+        </p:spPr>
+        <p:txBody>
+          <a:bodyPr wrap="square" rtlCol="0">
+            <a:spAutoFit/>
+          </a:bodyPr>
+          <a:lstStyle/>
+          <a:p>
+            <a:pPr algn="just"/>
+            <a:r>
+              <a:rPr lang="en-US" sz="4800" dirty="0" smtClean="0"/>
+              <a:t>Our </a:t>
+            </a:r>
+            <a:r>
+              <a:rPr lang="en-US" sz="4800" dirty="0"/>
+              <a:t>main focus was on how matching as a real life problem can be interpreted and represented as a mathematical </a:t>
+            </a:r>
+            <a:r>
+              <a:rPr lang="en-US" sz="4800" dirty="0" smtClean="0"/>
+              <a:t>question. For this purpose, we </a:t>
+            </a:r>
+            <a:r>
+              <a:rPr lang="en-US" sz="4800" dirty="0"/>
+              <a:t>have designed programs to solve and </a:t>
+            </a:r>
+            <a:r>
+              <a:rPr lang="en-US" sz="4800" dirty="0" smtClean="0"/>
+              <a:t>optimize </a:t>
+            </a:r>
+            <a:r>
+              <a:rPr lang="en-US" sz="4800" dirty="0"/>
+              <a:t>variants of stable marriage problem with respect to equality of individuals and sexes</a:t>
+            </a:r>
+            <a:r>
+              <a:rPr lang="en-US" sz="4800" dirty="0" smtClean="0"/>
+              <a:t>.</a:t>
+            </a:r>
+          </a:p>
+          <a:p>
+            <a:pPr algn="just"/>
+            <a:r>
+              <a:rPr lang="en-US" sz="4800" dirty="0" smtClean="0"/>
+              <a:t>Our </a:t>
+            </a:r>
+            <a:r>
+              <a:rPr lang="en-US" sz="4800" dirty="0"/>
+              <a:t>work will be continued in Spring ’18 and </a:t>
+            </a:r>
+            <a:r>
+              <a:rPr lang="en-US" sz="4800" dirty="0" smtClean="0"/>
+              <a:t>we plan </a:t>
+            </a:r>
+            <a:r>
+              <a:rPr lang="en-US" sz="4800" dirty="0"/>
+              <a:t>to solve more real life </a:t>
+            </a:r>
+            <a:r>
+              <a:rPr lang="en-US" sz="4800" dirty="0" smtClean="0"/>
+              <a:t>problems in the future.</a:t>
+            </a:r>
+            <a:endParaRPr lang="en-US" sz="4800" dirty="0"/>
+          </a:p>
+        </p:txBody>
+      </p:sp>
+      <p:sp>
+        <p:nvSpPr>
+          <p:cNvPr id="3" name="TextBox 2"/>
+          <p:cNvSpPr txBox="1"/>
+          <p:nvPr/>
+        </p:nvSpPr>
+        <p:spPr>
+          <a:xfrm>
+            <a:off x="551810" y="38704184"/>
+            <a:ext cx="29380018" cy="4185761"/>
+          </a:xfrm>
+          <a:prstGeom prst="rect">
+            <a:avLst/>
+          </a:prstGeom>
+          <a:noFill/>
+        </p:spPr>
+        <p:txBody>
+          <a:bodyPr wrap="square" rtlCol="0">
+            <a:spAutoFit/>
+          </a:bodyPr>
+          <a:lstStyle/>
+          <a:p>
+            <a:pPr marL="742950" indent="-742950" algn="just">
+              <a:buFont typeface="+mj-lt"/>
+              <a:buAutoNum type="arabicPeriod"/>
+            </a:pPr>
+            <a:r>
+              <a:rPr lang="en-US" sz="3800" dirty="0" smtClean="0"/>
+              <a:t>Gale</a:t>
+            </a:r>
+            <a:r>
+              <a:rPr lang="en-US" sz="3800" dirty="0"/>
+              <a:t>, D., &amp; Shapley, L. (1962). </a:t>
+            </a:r>
+            <a:r>
+              <a:rPr lang="en-US" sz="3800" i="1" dirty="0"/>
+              <a:t>College Admissions and the </a:t>
+            </a:r>
+            <a:r>
+              <a:rPr lang="en-US" sz="3800" i="1" dirty="0" smtClean="0"/>
+              <a:t>Stability </a:t>
+            </a:r>
+            <a:r>
+              <a:rPr lang="en-US" sz="3800" i="1" dirty="0"/>
+              <a:t>of Marriage.</a:t>
+            </a:r>
+            <a:r>
+              <a:rPr lang="en-US" sz="3800" dirty="0"/>
+              <a:t> </a:t>
+            </a:r>
+            <a:r>
+              <a:rPr lang="en-US" sz="3800" dirty="0" smtClean="0"/>
+              <a:t>The </a:t>
+            </a:r>
+            <a:r>
+              <a:rPr lang="en-US" sz="3800" dirty="0"/>
+              <a:t>American Mathematical Monthly, 69(1), 9-15.</a:t>
+            </a:r>
+          </a:p>
+          <a:p>
+            <a:pPr marL="742950" indent="-742950" algn="just">
+              <a:buFont typeface="+mj-lt"/>
+              <a:buAutoNum type="arabicPeriod"/>
+            </a:pPr>
+            <a:r>
+              <a:rPr lang="en-US" sz="3800" dirty="0" err="1" smtClean="0"/>
+              <a:t>Gelfond</a:t>
+            </a:r>
+            <a:r>
+              <a:rPr lang="en-US" sz="3800" dirty="0"/>
+              <a:t>, M., &amp; </a:t>
+            </a:r>
+            <a:r>
+              <a:rPr lang="en-US" sz="3800" dirty="0" err="1"/>
+              <a:t>Lifschitz</a:t>
+            </a:r>
+            <a:r>
+              <a:rPr lang="en-US" sz="3800" dirty="0"/>
+              <a:t>, V. (1988). </a:t>
+            </a:r>
+            <a:r>
+              <a:rPr lang="en-US" sz="3800" i="1" dirty="0"/>
+              <a:t>The stable model semantics for logic </a:t>
+            </a:r>
+            <a:r>
+              <a:rPr lang="en-US" sz="3800" i="1" dirty="0" smtClean="0"/>
+              <a:t>programming</a:t>
+            </a:r>
+            <a:r>
+              <a:rPr lang="en-US" sz="3800" i="1" dirty="0"/>
+              <a:t>. </a:t>
+            </a:r>
+            <a:r>
+              <a:rPr lang="en-US" sz="3800" dirty="0"/>
+              <a:t> In Proceedings of International Logic Programming </a:t>
+            </a:r>
+            <a:r>
+              <a:rPr lang="en-US" sz="3800" dirty="0" smtClean="0"/>
+              <a:t>Conference and </a:t>
+            </a:r>
+            <a:r>
+              <a:rPr lang="en-US" sz="3800" dirty="0"/>
+              <a:t>Symposium, pp. 1070-1080.</a:t>
+            </a:r>
+          </a:p>
+          <a:p>
+            <a:pPr marL="742950" indent="-742950" algn="just">
+              <a:buFont typeface="+mj-lt"/>
+              <a:buAutoNum type="arabicPeriod"/>
+            </a:pPr>
+            <a:r>
+              <a:rPr lang="en-US" sz="3800" dirty="0" err="1" smtClean="0"/>
+              <a:t>Gebser</a:t>
+            </a:r>
+            <a:r>
+              <a:rPr lang="en-US" sz="3800" dirty="0"/>
+              <a:t>, M., Kaminski, R., Kaufmann, B., &amp; Schaub, T. (2014). </a:t>
+            </a:r>
+            <a:r>
+              <a:rPr lang="en-US" sz="3800" i="1" dirty="0" err="1"/>
+              <a:t>Clingo</a:t>
+            </a:r>
+            <a:r>
+              <a:rPr lang="en-US" sz="3800" i="1" dirty="0"/>
+              <a:t> </a:t>
+            </a:r>
+            <a:r>
+              <a:rPr lang="en-US" sz="3800" i="1" dirty="0" smtClean="0"/>
+              <a:t>= ASP </a:t>
+            </a:r>
+            <a:r>
+              <a:rPr lang="en-US" sz="3800" i="1" dirty="0"/>
+              <a:t>+ Control: Preliminary Report. </a:t>
+            </a:r>
+            <a:r>
+              <a:rPr lang="en-US" sz="3800" dirty="0"/>
+              <a:t> In proceedings of the 2014 </a:t>
+            </a:r>
+            <a:r>
+              <a:rPr lang="en-US" sz="3800" dirty="0" smtClean="0"/>
+              <a:t>Technical Communications </a:t>
+            </a:r>
+            <a:r>
+              <a:rPr lang="en-US" sz="3800" dirty="0"/>
+              <a:t>of the Thirtieth International Conference on Logic </a:t>
+            </a:r>
+            <a:r>
+              <a:rPr lang="en-US" sz="3800" dirty="0" smtClean="0"/>
+              <a:t>Programming</a:t>
+            </a:r>
+            <a:r>
+              <a:rPr lang="en-US" sz="3800" dirty="0"/>
+              <a:t>, 14(4-5).</a:t>
+            </a:r>
+          </a:p>
+          <a:p>
+            <a:pPr marL="742950" indent="-742950" algn="just">
+              <a:buFont typeface="+mj-lt"/>
+              <a:buAutoNum type="arabicPeriod"/>
+            </a:pPr>
+            <a:r>
+              <a:rPr lang="en-US" sz="3800" dirty="0" smtClean="0"/>
+              <a:t>Giannakopoulos</a:t>
+            </a:r>
+            <a:r>
+              <a:rPr lang="en-US" sz="3800" dirty="0"/>
+              <a:t>, I., </a:t>
+            </a:r>
+            <a:r>
+              <a:rPr lang="en-US" sz="3800" dirty="0" err="1"/>
+              <a:t>Karras</a:t>
+            </a:r>
+            <a:r>
+              <a:rPr lang="en-US" sz="3800" dirty="0"/>
+              <a:t>, P., </a:t>
+            </a:r>
+            <a:r>
+              <a:rPr lang="en-US" sz="3800" dirty="0" err="1"/>
+              <a:t>Tsoumakos</a:t>
+            </a:r>
+            <a:r>
+              <a:rPr lang="en-US" sz="3800" dirty="0"/>
+              <a:t>, D., Doka, K., &amp; </a:t>
+            </a:r>
+            <a:r>
+              <a:rPr lang="en-US" sz="3800" dirty="0" err="1"/>
+              <a:t>Koziris</a:t>
+            </a:r>
+            <a:r>
+              <a:rPr lang="en-US" sz="3800" dirty="0"/>
+              <a:t>, N</a:t>
+            </a:r>
+            <a:r>
+              <a:rPr lang="en-US" sz="3800" dirty="0" smtClean="0"/>
+              <a:t>. (</a:t>
+            </a:r>
+            <a:r>
+              <a:rPr lang="en-US" sz="3800" dirty="0"/>
+              <a:t>2015). </a:t>
+            </a:r>
+            <a:r>
+              <a:rPr lang="en-US" sz="3800" i="1" dirty="0"/>
+              <a:t>An Equitable Solution to the Stable Marriage Problem. </a:t>
+            </a:r>
+            <a:r>
+              <a:rPr lang="en-US" sz="3800" dirty="0"/>
+              <a:t> In </a:t>
+            </a:r>
+            <a:r>
+              <a:rPr lang="en-US" sz="3800" dirty="0" smtClean="0"/>
+              <a:t>Proceedings </a:t>
+            </a:r>
+            <a:r>
+              <a:rPr lang="en-US" sz="3800" dirty="0"/>
+              <a:t>of the 2015 IEEE 27th International Conference on Tools with </a:t>
+            </a:r>
+            <a:r>
+              <a:rPr lang="en-US" sz="3800" dirty="0" err="1" smtClean="0"/>
+              <a:t>Articial</a:t>
+            </a:r>
+            <a:r>
+              <a:rPr lang="en-US" sz="3800" dirty="0" smtClean="0"/>
+              <a:t> Intelligence</a:t>
+            </a:r>
+            <a:r>
+              <a:rPr lang="en-US" sz="3800" dirty="0"/>
+              <a:t>, pp. 989-996</a:t>
+            </a:r>
+            <a:r>
+              <a:rPr lang="en-US" sz="3800" dirty="0" smtClean="0"/>
+              <a:t>.</a:t>
+            </a:r>
+            <a:endParaRPr lang="en-US" sz="3800" dirty="0"/>
+          </a:p>
+        </p:txBody>
+      </p:sp>
+      <p:sp>
+        <p:nvSpPr>
+          <p:cNvPr id="4" name="Rectangle 3"/>
+          <p:cNvSpPr/>
+          <p:nvPr/>
+        </p:nvSpPr>
+        <p:spPr>
+          <a:xfrm>
+            <a:off x="551810" y="6539479"/>
+            <a:ext cx="14405158" cy="4524315"/>
+          </a:xfrm>
+          <a:prstGeom prst="rect">
+            <a:avLst/>
+          </a:prstGeom>
+        </p:spPr>
+        <p:txBody>
+          <a:bodyPr wrap="square">
+            <a:spAutoFit/>
+          </a:bodyPr>
+          <a:lstStyle/>
+          <a:p>
+            <a:pPr algn="just"/>
+            <a:r>
+              <a:rPr lang="en-US" sz="4800" dirty="0" smtClean="0">
+                <a:solidFill>
+                  <a:srgbClr val="222222"/>
+                </a:solidFill>
+                <a:latin typeface="arial" charset="0"/>
+              </a:rPr>
+              <a:t>Matching </a:t>
+            </a:r>
+            <a:r>
+              <a:rPr lang="en-US" sz="4800" dirty="0">
+                <a:solidFill>
+                  <a:srgbClr val="222222"/>
+                </a:solidFill>
+                <a:latin typeface="arial" charset="0"/>
+              </a:rPr>
+              <a:t>is a daily process for most individuals, </a:t>
+            </a:r>
+            <a:r>
+              <a:rPr lang="en-US" sz="4800" dirty="0" smtClean="0">
+                <a:solidFill>
+                  <a:srgbClr val="222222"/>
+                </a:solidFill>
+                <a:latin typeface="arial" charset="0"/>
+              </a:rPr>
+              <a:t>institutions, and </a:t>
+            </a:r>
+            <a:r>
+              <a:rPr lang="en-US" sz="4800" dirty="0">
+                <a:solidFill>
+                  <a:srgbClr val="222222"/>
+                </a:solidFill>
+                <a:latin typeface="arial" charset="0"/>
+              </a:rPr>
+              <a:t>within the last </a:t>
+            </a:r>
+            <a:r>
+              <a:rPr lang="en-US" sz="4800" dirty="0" smtClean="0">
+                <a:solidFill>
+                  <a:srgbClr val="222222"/>
+                </a:solidFill>
+                <a:latin typeface="arial" charset="0"/>
+              </a:rPr>
+              <a:t>century, robots</a:t>
+            </a:r>
+            <a:r>
+              <a:rPr lang="en-US" sz="4800" dirty="0">
+                <a:solidFill>
+                  <a:srgbClr val="222222"/>
+                </a:solidFill>
+                <a:latin typeface="arial" charset="0"/>
+              </a:rPr>
+              <a:t>. We match all sort of objects and individuals with other objects and individuals to </a:t>
+            </a:r>
+            <a:r>
+              <a:rPr lang="en-US" sz="4800" dirty="0" smtClean="0">
+                <a:solidFill>
+                  <a:srgbClr val="222222"/>
+                </a:solidFill>
+                <a:latin typeface="arial" charset="0"/>
+              </a:rPr>
+              <a:t>find answers </a:t>
+            </a:r>
+            <a:r>
+              <a:rPr lang="en-US" sz="4800" dirty="0">
+                <a:solidFill>
+                  <a:srgbClr val="222222"/>
+                </a:solidFill>
+                <a:latin typeface="arial" charset="0"/>
+              </a:rPr>
+              <a:t>for questions such as “who gets </a:t>
+            </a:r>
+            <a:r>
+              <a:rPr lang="en-US" sz="4800" dirty="0" smtClean="0">
+                <a:solidFill>
+                  <a:srgbClr val="222222"/>
+                </a:solidFill>
+                <a:latin typeface="arial" charset="0"/>
+              </a:rPr>
+              <a:t>what”, “who </a:t>
+            </a:r>
+            <a:r>
+              <a:rPr lang="en-US" sz="4800" dirty="0">
+                <a:solidFill>
+                  <a:srgbClr val="222222"/>
+                </a:solidFill>
+                <a:latin typeface="arial" charset="0"/>
+              </a:rPr>
+              <a:t>works </a:t>
+            </a:r>
+            <a:r>
+              <a:rPr lang="en-US" sz="4800" dirty="0" smtClean="0">
+                <a:solidFill>
+                  <a:srgbClr val="222222"/>
+                </a:solidFill>
+                <a:latin typeface="arial" charset="0"/>
+              </a:rPr>
+              <a:t>where” or  “who </a:t>
+            </a:r>
+            <a:r>
+              <a:rPr lang="en-US" sz="4800" dirty="0">
+                <a:solidFill>
+                  <a:srgbClr val="222222"/>
+                </a:solidFill>
+                <a:latin typeface="arial" charset="0"/>
+              </a:rPr>
+              <a:t>goes to which school</a:t>
+            </a:r>
+            <a:r>
+              <a:rPr lang="en-US" sz="4800" dirty="0" smtClean="0">
+                <a:solidFill>
+                  <a:srgbClr val="222222"/>
+                </a:solidFill>
+                <a:latin typeface="arial" charset="0"/>
+              </a:rPr>
+              <a:t>”.</a:t>
+            </a:r>
+            <a:endParaRPr lang="en-US" sz="4800" dirty="0">
+              <a:solidFill>
+                <a:srgbClr val="222222"/>
+              </a:solidFill>
+              <a:latin typeface="arial" charset="0"/>
+            </a:endParaRPr>
+          </a:p>
+        </p:txBody>
+      </p:sp>
+      <p:sp>
+        <p:nvSpPr>
+          <p:cNvPr id="5" name="Rectangle 4"/>
+          <p:cNvSpPr/>
+          <p:nvPr/>
+        </p:nvSpPr>
+        <p:spPr>
+          <a:xfrm>
+            <a:off x="551810" y="12210473"/>
+            <a:ext cx="14405158" cy="4524315"/>
+          </a:xfrm>
+          <a:prstGeom prst="rect">
+            <a:avLst/>
+          </a:prstGeom>
+        </p:spPr>
+        <p:txBody>
+          <a:bodyPr wrap="square">
+            <a:spAutoFit/>
+          </a:bodyPr>
+          <a:lstStyle/>
+          <a:p>
+            <a:pPr algn="just"/>
+            <a:r>
+              <a:rPr lang="en-US" sz="4800" dirty="0">
+                <a:solidFill>
+                  <a:srgbClr val="222222"/>
+                </a:solidFill>
+                <a:latin typeface="arial" charset="0"/>
+              </a:rPr>
+              <a:t>To </a:t>
+            </a:r>
+            <a:r>
+              <a:rPr lang="en-US" sz="4800" dirty="0" smtClean="0">
+                <a:solidFill>
+                  <a:srgbClr val="222222"/>
+                </a:solidFill>
+                <a:latin typeface="arial" charset="0"/>
+              </a:rPr>
+              <a:t>come </a:t>
+            </a:r>
+            <a:r>
+              <a:rPr lang="en-US" sz="4800" dirty="0">
+                <a:solidFill>
+                  <a:srgbClr val="222222"/>
+                </a:solidFill>
+                <a:latin typeface="arial" charset="0"/>
+              </a:rPr>
+              <a:t>up with an alternative method </a:t>
+            </a:r>
+            <a:r>
+              <a:rPr lang="en-US" sz="4800" dirty="0" smtClean="0">
+                <a:solidFill>
+                  <a:srgbClr val="222222"/>
+                </a:solidFill>
+                <a:latin typeface="arial" charset="0"/>
+              </a:rPr>
+              <a:t>to matching problems, we have used </a:t>
+            </a:r>
+            <a:r>
+              <a:rPr lang="en-US" sz="4800" dirty="0">
+                <a:solidFill>
+                  <a:srgbClr val="222222"/>
+                </a:solidFill>
+                <a:latin typeface="arial" charset="0"/>
+              </a:rPr>
+              <a:t>artificial intelligence methods </a:t>
+            </a:r>
+            <a:r>
+              <a:rPr lang="en-US" sz="4800" dirty="0" smtClean="0">
+                <a:solidFill>
+                  <a:srgbClr val="222222"/>
+                </a:solidFill>
+                <a:latin typeface="arial" charset="0"/>
+              </a:rPr>
+              <a:t>on matching problems, for </a:t>
+            </a:r>
+            <a:r>
+              <a:rPr lang="en-US" sz="4800" dirty="0">
+                <a:solidFill>
+                  <a:srgbClr val="222222"/>
+                </a:solidFill>
+                <a:latin typeface="arial" charset="0"/>
+              </a:rPr>
+              <a:t>the first time in </a:t>
+            </a:r>
+            <a:r>
+              <a:rPr lang="en-US" sz="4800" dirty="0" smtClean="0">
+                <a:solidFill>
+                  <a:srgbClr val="222222"/>
+                </a:solidFill>
+                <a:latin typeface="arial" charset="0"/>
+              </a:rPr>
+              <a:t>the literature as we are aware of. In this project, we have studied one </a:t>
+            </a:r>
+            <a:r>
+              <a:rPr lang="en-US" sz="4800" dirty="0">
+                <a:solidFill>
+                  <a:srgbClr val="222222"/>
+                </a:solidFill>
+                <a:latin typeface="arial" charset="0"/>
+              </a:rPr>
+              <a:t>of the most famous matching </a:t>
+            </a:r>
+            <a:r>
+              <a:rPr lang="en-US" sz="4800" dirty="0" smtClean="0">
+                <a:solidFill>
+                  <a:srgbClr val="222222"/>
+                </a:solidFill>
+                <a:latin typeface="arial" charset="0"/>
+              </a:rPr>
+              <a:t>problems, the stable </a:t>
+            </a:r>
+            <a:r>
+              <a:rPr lang="en-US" sz="4800" dirty="0">
+                <a:solidFill>
+                  <a:srgbClr val="222222"/>
+                </a:solidFill>
+                <a:latin typeface="arial" charset="0"/>
+              </a:rPr>
+              <a:t>marriage </a:t>
+            </a:r>
+            <a:r>
+              <a:rPr lang="en-US" sz="4800" dirty="0" smtClean="0">
+                <a:solidFill>
+                  <a:srgbClr val="222222"/>
+                </a:solidFill>
+                <a:latin typeface="arial" charset="0"/>
+              </a:rPr>
+              <a:t>problem.</a:t>
+            </a:r>
+            <a:endParaRPr lang="en-US" sz="4800" dirty="0">
+              <a:solidFill>
+                <a:srgbClr val="222222"/>
+              </a:solidFill>
+              <a:latin typeface="arial" charset="0"/>
+            </a:endParaRPr>
+          </a:p>
+        </p:txBody>
+      </p:sp>
+      <mc:AlternateContent xmlns:mc="http://schemas.openxmlformats.org/markup-compatibility/2006" xmlns:a14="http://schemas.microsoft.com/office/drawing/2010/main">
+        <mc:Choice Requires="a14">
+          <p:sp>
+            <p:nvSpPr>
+              <p:cNvPr id="6" name="TextBox 5"/>
+              <p:cNvSpPr txBox="1"/>
+              <p:nvPr/>
+            </p:nvSpPr>
+            <p:spPr>
+              <a:xfrm>
+                <a:off x="551811" y="17975661"/>
+                <a:ext cx="14405158" cy="9694962"/>
+              </a:xfrm>
+              <a:prstGeom prst="rect">
+                <a:avLst/>
+              </a:prstGeom>
+              <a:noFill/>
+            </p:spPr>
+            <p:txBody>
+              <a:bodyPr wrap="square" rtlCol="0">
+                <a:spAutoFit/>
+              </a:bodyPr>
+              <a:lstStyle/>
+              <a:p>
+                <a:pPr algn="just"/>
+                <a:r>
+                  <a:rPr lang="en-US" sz="4800" dirty="0" smtClean="0"/>
+                  <a:t>Stable </a:t>
+                </a:r>
+                <a:r>
+                  <a:rPr lang="en-US" sz="4800" dirty="0"/>
+                  <a:t>marriage </a:t>
+                </a:r>
+                <a:r>
+                  <a:rPr lang="en-US" sz="4800" dirty="0" smtClean="0"/>
+                  <a:t>problem (SMP) is one of the earliest and the most famous problem in matching theory. </a:t>
+                </a:r>
+                <a:r>
+                  <a:rPr lang="en-US" sz="4800" dirty="0"/>
+                  <a:t> </a:t>
+                </a:r>
+                <a:r>
+                  <a:rPr lang="en-US" sz="4800" dirty="0" smtClean="0"/>
+                  <a:t>In SMP, the objective is to find stable marriages given a list of </a:t>
+                </a:r>
+                <a14:m>
+                  <m:oMath xmlns:m="http://schemas.openxmlformats.org/officeDocument/2006/math">
+                    <m:r>
+                      <a:rPr lang="tr-TR" sz="4800" b="0" i="1" smtClean="0">
+                        <a:latin typeface="Cambria Math" charset="0"/>
+                      </a:rPr>
+                      <m:t>𝑛</m:t>
+                    </m:r>
+                    <m:r>
+                      <a:rPr lang="tr-TR" sz="4800" b="0" i="1" smtClean="0">
+                        <a:latin typeface="Cambria Math" charset="0"/>
+                      </a:rPr>
+                      <m:t> </m:t>
+                    </m:r>
+                  </m:oMath>
+                </a14:m>
+                <a:r>
+                  <a:rPr lang="en-US" sz="4800" dirty="0" smtClean="0"/>
+                  <a:t>men and </a:t>
+                </a:r>
+                <a14:m>
+                  <m:oMath xmlns:m="http://schemas.openxmlformats.org/officeDocument/2006/math">
+                    <m:r>
+                      <a:rPr lang="tr-TR" sz="4800" i="1">
+                        <a:latin typeface="Cambria Math" charset="0"/>
+                      </a:rPr>
+                      <m:t>𝑛</m:t>
+                    </m:r>
+                    <m:r>
+                      <a:rPr lang="tr-TR" sz="4800" i="1">
+                        <a:latin typeface="Cambria Math" charset="0"/>
+                      </a:rPr>
+                      <m:t> </m:t>
+                    </m:r>
+                    <m:r>
+                      <a:rPr lang="tr-TR" sz="4800" b="0" i="0" smtClean="0">
+                        <a:latin typeface="Cambria Math" charset="0"/>
+                      </a:rPr>
+                      <m:t> </m:t>
+                    </m:r>
+                  </m:oMath>
+                </a14:m>
+                <a:r>
+                  <a:rPr lang="en-US" sz="4800" dirty="0" smtClean="0"/>
+                  <a:t>women with the complete preference lists of each men and women. </a:t>
+                </a:r>
+              </a:p>
+              <a:p>
+                <a:pPr algn="just"/>
+                <a:r>
+                  <a:rPr lang="en-US" sz="4800" dirty="0" smtClean="0"/>
+                  <a:t>In SMP, a marriage </a:t>
+                </a:r>
+                <a:r>
+                  <a:rPr lang="en-US" sz="4800" dirty="0"/>
+                  <a:t>is stable if and only if there is no</a:t>
+                </a:r>
+              </a:p>
+              <a:p>
+                <a:pPr algn="just"/>
+                <a:r>
+                  <a:rPr lang="en-US" sz="4800" dirty="0"/>
+                  <a:t>blocking pair. A blocking pair is </a:t>
+                </a:r>
+                <a:r>
+                  <a:rPr lang="en-US" sz="4800" dirty="0" smtClean="0"/>
+                  <a:t>defined as a </a:t>
+                </a:r>
+                <a:r>
+                  <a:rPr lang="en-US" sz="4800" dirty="0"/>
+                  <a:t>pair of man and woman that are not </a:t>
+                </a:r>
+                <a:r>
+                  <a:rPr lang="en-US" sz="4800" dirty="0" smtClean="0"/>
+                  <a:t>married together</a:t>
+                </a:r>
+                <a:r>
+                  <a:rPr lang="en-US" sz="4800" dirty="0"/>
+                  <a:t>, but they both prefer each other to their spouses. In case there </a:t>
+                </a:r>
+                <a:r>
+                  <a:rPr lang="en-US" sz="4800" dirty="0" smtClean="0"/>
+                  <a:t>exists a </a:t>
+                </a:r>
+                <a:r>
+                  <a:rPr lang="en-US" sz="4800" dirty="0"/>
+                  <a:t>blocking pair, this pair of man and woman would divorce from their </a:t>
+                </a:r>
+                <a:r>
+                  <a:rPr lang="en-US" sz="4800" dirty="0" smtClean="0"/>
+                  <a:t>spouses to </a:t>
+                </a:r>
+                <a:r>
+                  <a:rPr lang="en-US" sz="4800" dirty="0"/>
+                  <a:t>marry with each other, therefore the matching wouldn't be stable</a:t>
+                </a:r>
+                <a:r>
+                  <a:rPr lang="en-US" sz="4800" dirty="0" smtClean="0"/>
+                  <a:t>.</a:t>
+                </a:r>
+                <a:endParaRPr lang="en-US" sz="4800" dirty="0"/>
+              </a:p>
+            </p:txBody>
+          </p:sp>
+        </mc:Choice>
+        <mc:Fallback xmlns="">
+          <p:sp>
+            <p:nvSpPr>
+              <p:cNvPr id="6" name="TextBox 5"/>
+              <p:cNvSpPr txBox="1">
+                <a:spLocks noRot="1" noChangeAspect="1" noMove="1" noResize="1" noEditPoints="1" noAdjustHandles="1" noChangeArrowheads="1" noChangeShapeType="1" noTextEdit="1"/>
+              </p:cNvSpPr>
+              <p:nvPr/>
+            </p:nvSpPr>
+            <p:spPr>
+              <a:xfrm>
+                <a:off x="551811" y="17975661"/>
+                <a:ext cx="14405158" cy="9694962"/>
+              </a:xfrm>
+              <a:prstGeom prst="rect">
+                <a:avLst/>
+              </a:prstGeom>
+              <a:blipFill rotWithShape="0">
+                <a:blip r:embed="rId3"/>
+                <a:stretch>
+                  <a:fillRect l="-1947" t="-1509" r="-1904" b="-2327"/>
+                </a:stretch>
+              </a:blipFill>
+            </p:spPr>
+            <p:txBody>
+              <a:bodyPr/>
+              <a:lstStyle/>
+              <a:p>
+                <a:r>
+                  <a:rPr lang="en-US">
+                    <a:noFill/>
+                  </a:rPr>
+                  <a:t> </a:t>
+                </a:r>
+              </a:p>
+            </p:txBody>
+          </p:sp>
+        </mc:Fallback>
+      </mc:AlternateContent>
+      <p:pic>
+        <p:nvPicPr>
+          <p:cNvPr id="10" name="Picture 9"/>
+          <p:cNvPicPr>
+            <a:picLocks noChangeAspect="1"/>
+          </p:cNvPicPr>
+          <p:nvPr/>
+        </p:nvPicPr>
+        <p:blipFill>
+          <a:blip r:embed="rId4">
+            <a:extLst>
+              <a:ext uri="{28A0092B-C50C-407E-A947-70E740481C1C}">
+                <a14:useLocalDpi xmlns:a14="http://schemas.microsoft.com/office/drawing/2010/main" val="0"/>
+              </a:ext>
+            </a:extLst>
+          </a:blip>
+          <a:stretch>
+            <a:fillRect/>
+          </a:stretch>
+        </p:blipFill>
+        <p:spPr>
+          <a:xfrm>
+            <a:off x="551810" y="28083777"/>
+            <a:ext cx="14400844" cy="8086628"/>
+          </a:xfrm>
+          <a:prstGeom prst="rect">
+            <a:avLst/>
+          </a:prstGeom>
+        </p:spPr>
+      </p:pic>
+      <p:sp>
+        <p:nvSpPr>
+          <p:cNvPr id="11" name="TextBox 10"/>
+          <p:cNvSpPr txBox="1"/>
+          <p:nvPr/>
+        </p:nvSpPr>
+        <p:spPr>
+          <a:xfrm>
+            <a:off x="551810" y="36574080"/>
+            <a:ext cx="14400844" cy="677108"/>
+          </a:xfrm>
+          <a:prstGeom prst="rect">
+            <a:avLst/>
+          </a:prstGeom>
+          <a:noFill/>
+        </p:spPr>
+        <p:txBody>
+          <a:bodyPr wrap="square" rtlCol="0">
+            <a:spAutoFit/>
+          </a:bodyPr>
+          <a:lstStyle/>
+          <a:p>
+            <a:pPr algn="ctr"/>
+            <a:r>
+              <a:rPr lang="en-US" sz="3600" dirty="0"/>
+              <a:t>Source: https://</a:t>
+            </a:r>
+            <a:r>
+              <a:rPr lang="en-US" sz="3800" dirty="0" err="1"/>
+              <a:t>www.youtube.com</a:t>
+            </a:r>
+            <a:r>
+              <a:rPr lang="en-US" sz="3800" dirty="0"/>
+              <a:t>/</a:t>
+            </a:r>
+            <a:r>
+              <a:rPr lang="en-US" sz="3800" dirty="0" err="1"/>
+              <a:t>watch?v</a:t>
+            </a:r>
+            <a:r>
+              <a:rPr lang="en-US" sz="3800" dirty="0"/>
+              <a:t>=Dm7OQr53xKY</a:t>
+            </a:r>
+          </a:p>
+        </p:txBody>
+      </p:sp>
+      <mc:AlternateContent xmlns:mc="http://schemas.openxmlformats.org/markup-compatibility/2006" xmlns:a14="http://schemas.microsoft.com/office/drawing/2010/main">
+        <mc:Choice Requires="a14">
+          <p:sp>
+            <p:nvSpPr>
+              <p:cNvPr id="12" name="TextBox 11"/>
+              <p:cNvSpPr txBox="1"/>
+              <p:nvPr/>
+            </p:nvSpPr>
+            <p:spPr>
+              <a:xfrm>
+                <a:off x="15502759" y="6533431"/>
+                <a:ext cx="14320584" cy="10433625"/>
+              </a:xfrm>
+              <a:prstGeom prst="rect">
+                <a:avLst/>
+              </a:prstGeom>
+              <a:noFill/>
+            </p:spPr>
+            <p:txBody>
+              <a:bodyPr wrap="square" rtlCol="0">
+                <a:spAutoFit/>
+              </a:bodyPr>
+              <a:lstStyle/>
+              <a:p>
+                <a:pPr algn="just"/>
+                <a:r>
+                  <a:rPr lang="en-US" sz="4800" dirty="0" smtClean="0"/>
+                  <a:t>Stable marriage </a:t>
+                </a:r>
+                <a:r>
+                  <a:rPr lang="en-US" sz="4800" dirty="0"/>
+                  <a:t>problem with unacceptability and ties (SMPTI) is a </a:t>
+                </a:r>
+                <a:r>
+                  <a:rPr lang="en-US" sz="4800" dirty="0" smtClean="0"/>
+                  <a:t>variant of </a:t>
+                </a:r>
+                <a:r>
+                  <a:rPr lang="en-US" sz="4800" dirty="0"/>
+                  <a:t>the stable </a:t>
+                </a:r>
+                <a:r>
+                  <a:rPr lang="en-US" sz="4800" dirty="0" smtClean="0"/>
+                  <a:t>marriage problem </a:t>
+                </a:r>
+                <a:r>
+                  <a:rPr lang="en-US" sz="4800" dirty="0"/>
+                  <a:t>with a few </a:t>
+                </a:r>
+                <a:r>
+                  <a:rPr lang="en-US" sz="4800" dirty="0" smtClean="0"/>
+                  <a:t>differences. On </a:t>
+                </a:r>
+                <a:r>
+                  <a:rPr lang="en-US" sz="4800" dirty="0"/>
+                  <a:t>the contrary to an SMP instance </a:t>
+                </a:r>
+                <a:r>
+                  <a:rPr lang="en-US" sz="4800" dirty="0" smtClean="0"/>
+                  <a:t>consisting of </a:t>
+                </a:r>
+                <a14:m>
+                  <m:oMath xmlns:m="http://schemas.openxmlformats.org/officeDocument/2006/math">
+                    <m:r>
+                      <a:rPr lang="tr-TR" sz="4800" b="0" i="1" smtClean="0">
+                        <a:latin typeface="Cambria Math" charset="0"/>
+                      </a:rPr>
+                      <m:t>𝑛</m:t>
+                    </m:r>
+                  </m:oMath>
+                </a14:m>
+                <a:r>
+                  <a:rPr lang="en-US" sz="4800" dirty="0"/>
+                  <a:t> men and </a:t>
+                </a:r>
+                <a14:m>
+                  <m:oMath xmlns:m="http://schemas.openxmlformats.org/officeDocument/2006/math">
+                    <m:r>
+                      <a:rPr lang="tr-TR" sz="4800" i="1">
+                        <a:latin typeface="Cambria Math" charset="0"/>
+                      </a:rPr>
+                      <m:t>𝑛</m:t>
+                    </m:r>
+                    <m:r>
+                      <a:rPr lang="tr-TR" sz="4800" i="1">
+                        <a:latin typeface="Cambria Math" charset="0"/>
+                      </a:rPr>
+                      <m:t> </m:t>
+                    </m:r>
+                  </m:oMath>
+                </a14:m>
+                <a:r>
+                  <a:rPr lang="en-US" sz="4800" dirty="0" smtClean="0"/>
+                  <a:t> </a:t>
+                </a:r>
+                <a:r>
+                  <a:rPr lang="en-US" sz="4800" dirty="0"/>
+                  <a:t>women, </a:t>
+                </a:r>
+                <a:r>
+                  <a:rPr lang="en-US" sz="4800" dirty="0" smtClean="0"/>
+                  <a:t>SMPTI can </a:t>
+                </a:r>
+                <a:r>
+                  <a:rPr lang="en-US" sz="4800" dirty="0"/>
+                  <a:t>have </a:t>
+                </a:r>
+                <a:r>
+                  <a:rPr lang="en-US" sz="4800" dirty="0" smtClean="0"/>
+                  <a:t>different </a:t>
+                </a:r>
+                <a:r>
+                  <a:rPr lang="en-US" sz="4800" dirty="0"/>
+                  <a:t>numbers of men and women. In addition to that, in </a:t>
+                </a:r>
+                <a:r>
+                  <a:rPr lang="en-US" sz="4800" dirty="0" smtClean="0"/>
+                  <a:t>SMPTI, preferences </a:t>
+                </a:r>
+                <a:r>
+                  <a:rPr lang="en-US" sz="4800" dirty="0"/>
+                  <a:t>of men and women do not have to be complete and may include </a:t>
+                </a:r>
+                <a:r>
+                  <a:rPr lang="en-US" sz="4800" dirty="0" smtClean="0"/>
+                  <a:t>ties. As </a:t>
+                </a:r>
+                <a:r>
+                  <a:rPr lang="en-US" sz="4800" dirty="0"/>
+                  <a:t>a result of </a:t>
+                </a:r>
+                <a:r>
+                  <a:rPr lang="en-US" sz="4800" dirty="0" smtClean="0"/>
+                  <a:t>this change, </a:t>
+                </a:r>
+                <a:r>
+                  <a:rPr lang="en-US" sz="4800" dirty="0"/>
+                  <a:t>in SMPTI, </a:t>
+                </a:r>
+                <a:r>
+                  <a:rPr lang="en-US" sz="4800" dirty="0" smtClean="0"/>
+                  <a:t>men </a:t>
+                </a:r>
+                <a:r>
+                  <a:rPr lang="en-US" sz="4800" dirty="0"/>
+                  <a:t>and </a:t>
+                </a:r>
+                <a:r>
+                  <a:rPr lang="en-US" sz="4800" dirty="0" smtClean="0"/>
+                  <a:t>women may </a:t>
+                </a:r>
+                <a:r>
+                  <a:rPr lang="en-US" sz="4800" dirty="0"/>
+                  <a:t>be </a:t>
+                </a:r>
+                <a:r>
+                  <a:rPr lang="en-US" sz="4800" dirty="0" smtClean="0"/>
+                  <a:t>single.</a:t>
+                </a:r>
+                <a:endParaRPr lang="en-US" sz="4800" dirty="0"/>
+              </a:p>
+              <a:p>
+                <a:pPr algn="just"/>
+                <a:r>
+                  <a:rPr lang="en-US" sz="4800" dirty="0" smtClean="0"/>
+                  <a:t>In SMPTI, a pair of man and woman are said to form </a:t>
+                </a:r>
+                <a:r>
+                  <a:rPr lang="en-US" sz="4800" dirty="0"/>
+                  <a:t>a blocking pair </a:t>
+                </a:r>
+                <a:r>
+                  <a:rPr lang="en-US" sz="4800" dirty="0" smtClean="0"/>
+                  <a:t>they are not married and each of them is either single and finds the other one acceptable, or  married and prefers the other one to his/her actual partner.</a:t>
+                </a:r>
+                <a:endParaRPr lang="en-US" sz="4800" dirty="0"/>
+              </a:p>
+            </p:txBody>
+          </p:sp>
+        </mc:Choice>
+        <mc:Fallback xmlns="">
+          <p:sp>
+            <p:nvSpPr>
+              <p:cNvPr id="12" name="TextBox 11"/>
+              <p:cNvSpPr txBox="1">
+                <a:spLocks noRot="1" noChangeAspect="1" noMove="1" noResize="1" noEditPoints="1" noAdjustHandles="1" noChangeArrowheads="1" noChangeShapeType="1" noTextEdit="1"/>
+              </p:cNvSpPr>
+              <p:nvPr/>
+            </p:nvSpPr>
+            <p:spPr>
+              <a:xfrm>
+                <a:off x="15502759" y="6533431"/>
+                <a:ext cx="14320584" cy="10433625"/>
+              </a:xfrm>
+              <a:prstGeom prst="rect">
+                <a:avLst/>
+              </a:prstGeom>
+              <a:blipFill rotWithShape="0">
+                <a:blip r:embed="rId5"/>
+                <a:stretch>
+                  <a:fillRect l="-1916" t="-1403" r="-1958" b="-2104"/>
+                </a:stretch>
+              </a:blipFill>
+            </p:spPr>
+            <p:txBody>
+              <a:bodyPr/>
+              <a:lstStyle/>
+              <a:p>
+                <a:r>
+                  <a:rPr lang="en-US">
+                    <a:noFill/>
+                  </a:rPr>
+                  <a:t> </a:t>
+                </a:r>
+              </a:p>
+            </p:txBody>
+          </p:sp>
+        </mc:Fallback>
+      </mc:AlternateContent>
+      <mc:AlternateContent xmlns:mc="http://schemas.openxmlformats.org/markup-compatibility/2006">
+        <mc:Choice xmlns:a14="http://schemas.microsoft.com/office/drawing/2010/main" Requires="a14">
+          <p:sp>
+            <p:nvSpPr>
+              <p:cNvPr id="13" name="TextBox 12"/>
+              <p:cNvSpPr txBox="1"/>
+              <p:nvPr/>
+            </p:nvSpPr>
+            <p:spPr>
+              <a:xfrm>
+                <a:off x="15498443" y="17972921"/>
+                <a:ext cx="14324900" cy="11990398"/>
+              </a:xfrm>
+              <a:prstGeom prst="rect">
+                <a:avLst/>
+              </a:prstGeom>
+              <a:noFill/>
+            </p:spPr>
+            <p:txBody>
+              <a:bodyPr wrap="square" rtlCol="0">
+                <a:spAutoFit/>
+              </a:bodyPr>
+              <a:lstStyle/>
+              <a:p>
+                <a:pPr algn="just"/>
+                <a:r>
+                  <a:rPr lang="en-US" sz="4800" dirty="0" smtClean="0"/>
+                  <a:t>Optimization is making the most effective use of a situation or resource. While solving SMP, </a:t>
+                </a:r>
+                <a:r>
+                  <a:rPr lang="en-US" sz="4800" dirty="0"/>
+                  <a:t>we </a:t>
+                </a:r>
+                <a:r>
+                  <a:rPr lang="en-US" sz="4800" dirty="0" smtClean="0"/>
+                  <a:t>have used </a:t>
+                </a:r>
+                <a:r>
+                  <a:rPr lang="en-US" sz="4800" dirty="0"/>
+                  <a:t>optimization to get the </a:t>
+                </a:r>
+                <a:r>
+                  <a:rPr lang="en-US" sz="4800" dirty="0" smtClean="0"/>
+                  <a:t>most effective answer set among all stable marriages. In this optimization process, we have used 3 different cost function.</a:t>
+                </a:r>
+              </a:p>
+              <a:p>
+                <a:pPr algn="just"/>
+                <a:r>
+                  <a:rPr lang="en-US" sz="4800" dirty="0" smtClean="0"/>
+                  <a:t>Let us define </a:t>
+                </a:r>
+                <a14:m>
+                  <m:oMath xmlns:m="http://schemas.openxmlformats.org/officeDocument/2006/math">
+                    <m:sSub>
+                      <m:sSubPr>
+                        <m:ctrlPr>
+                          <a:rPr lang="en-US" sz="4800" b="0" i="1" smtClean="0">
+                            <a:latin typeface="Cambria Math" charset="0"/>
+                          </a:rPr>
+                        </m:ctrlPr>
+                      </m:sSubPr>
+                      <m:e>
+                        <m:r>
+                          <a:rPr lang="tr-TR" sz="4800" b="0" i="1" smtClean="0">
+                            <a:latin typeface="Cambria Math" charset="0"/>
+                          </a:rPr>
+                          <m:t>𝐶</m:t>
+                        </m:r>
+                      </m:e>
+                      <m:sub>
+                        <m:r>
+                          <a:rPr lang="tr-TR" sz="4800" b="0" i="1" smtClean="0">
+                            <a:latin typeface="Cambria Math" charset="0"/>
+                          </a:rPr>
+                          <m:t>𝑖</m:t>
+                        </m:r>
+                      </m:sub>
+                    </m:sSub>
+                    <m:r>
+                      <a:rPr lang="tr-TR" sz="4800" b="0" i="1" smtClean="0">
+                        <a:latin typeface="Cambria Math" charset="0"/>
+                      </a:rPr>
+                      <m:t>(</m:t>
+                    </m:r>
+                    <m:r>
+                      <a:rPr lang="tr-TR" sz="4800" b="0" i="1" smtClean="0">
+                        <a:latin typeface="Cambria Math" charset="0"/>
+                      </a:rPr>
+                      <m:t>𝑆</m:t>
+                    </m:r>
+                    <m:r>
+                      <a:rPr lang="tr-TR" sz="4800" b="0" i="1" smtClean="0">
+                        <a:latin typeface="Cambria Math" charset="0"/>
+                      </a:rPr>
+                      <m:t>)=</m:t>
+                    </m:r>
+                    <m:r>
+                      <a:rPr lang="tr-TR" sz="4800" b="0" i="1" smtClean="0">
+                        <a:latin typeface="Cambria Math" charset="0"/>
+                      </a:rPr>
+                      <m:t>𝑘</m:t>
+                    </m:r>
+                  </m:oMath>
+                </a14:m>
+                <a:r>
+                  <a:rPr lang="en-US" sz="4800" dirty="0" smtClean="0"/>
+                  <a:t> when agent </a:t>
+                </a:r>
+                <a14:m>
+                  <m:oMath xmlns:m="http://schemas.openxmlformats.org/officeDocument/2006/math">
+                    <m:r>
+                      <a:rPr lang="tr-TR" sz="4800" b="0" i="1" smtClean="0">
+                        <a:latin typeface="Cambria Math" charset="0"/>
+                      </a:rPr>
+                      <m:t>𝑖</m:t>
+                    </m:r>
+                  </m:oMath>
+                </a14:m>
+                <a:r>
+                  <a:rPr lang="en-US" sz="4800" dirty="0" smtClean="0"/>
+                  <a:t> is matched with his/her </a:t>
+                </a:r>
+                <a14:m>
+                  <m:oMath xmlns:m="http://schemas.openxmlformats.org/officeDocument/2006/math">
+                    <m:sSup>
+                      <m:sSupPr>
+                        <m:ctrlPr>
+                          <a:rPr lang="en-US" sz="4800" i="1" smtClean="0">
+                            <a:latin typeface="Cambria Math" charset="0"/>
+                          </a:rPr>
+                        </m:ctrlPr>
+                      </m:sSupPr>
+                      <m:e>
+                        <m:r>
+                          <a:rPr lang="tr-TR" sz="4800" b="0" i="1" smtClean="0">
+                            <a:latin typeface="Cambria Math" charset="0"/>
+                          </a:rPr>
+                          <m:t>𝑘</m:t>
+                        </m:r>
+                      </m:e>
+                      <m:sup>
+                        <m:r>
+                          <a:rPr lang="tr-TR" sz="4800" b="0" i="1" smtClean="0">
+                            <a:latin typeface="Cambria Math" charset="0"/>
+                          </a:rPr>
+                          <m:t>𝑡h</m:t>
+                        </m:r>
+                      </m:sup>
+                    </m:sSup>
+                  </m:oMath>
+                </a14:m>
+                <a:r>
+                  <a:rPr lang="en-US" sz="4800" dirty="0" smtClean="0"/>
+                  <a:t> preference in the stable marriage </a:t>
+                </a:r>
+                <a14:m>
+                  <m:oMath xmlns:m="http://schemas.openxmlformats.org/officeDocument/2006/math">
+                    <m:r>
+                      <a:rPr lang="tr-TR" sz="4800" b="0" i="1" smtClean="0">
+                        <a:latin typeface="Cambria Math" charset="0"/>
+                      </a:rPr>
+                      <m:t>𝑆</m:t>
+                    </m:r>
+                  </m:oMath>
+                </a14:m>
+                <a:r>
+                  <a:rPr lang="en-US" sz="4800" dirty="0" smtClean="0"/>
+                  <a:t>.</a:t>
+                </a:r>
+              </a:p>
+              <a:p>
+                <a:pPr algn="just"/>
+                <a:r>
+                  <a:rPr lang="en-US" sz="4800" dirty="0" smtClean="0"/>
+                  <a:t>Egalitarian SMPTI minimizes the cost function</a:t>
+                </a:r>
+              </a:p>
+              <a:p>
+                <a:pPr algn="just"/>
+                <a14:m>
+                  <m:oMathPara xmlns:m="http://schemas.openxmlformats.org/officeDocument/2006/math">
+                    <m:oMathParaPr>
+                      <m:jc m:val="centerGroup"/>
+                    </m:oMathParaPr>
+                    <m:oMath xmlns:m="http://schemas.openxmlformats.org/officeDocument/2006/math">
+                      <m:r>
+                        <a:rPr lang="tr-TR" sz="4800" b="0" i="1" smtClean="0">
+                          <a:latin typeface="Cambria Math" charset="0"/>
+                        </a:rPr>
+                        <m:t>𝐶</m:t>
+                      </m:r>
+                      <m:d>
+                        <m:dPr>
+                          <m:ctrlPr>
+                            <a:rPr lang="tr-TR" sz="4800" b="0" i="1" smtClean="0">
+                              <a:latin typeface="Cambria Math" charset="0"/>
+                            </a:rPr>
+                          </m:ctrlPr>
+                        </m:dPr>
+                        <m:e>
+                          <m:r>
+                            <a:rPr lang="tr-TR" sz="4800" b="0" i="1" smtClean="0">
+                              <a:latin typeface="Cambria Math" charset="0"/>
+                            </a:rPr>
+                            <m:t>𝑆</m:t>
+                          </m:r>
+                        </m:e>
+                      </m:d>
+                      <m:r>
+                        <a:rPr lang="tr-TR" sz="4800" b="0" i="1" smtClean="0">
+                          <a:latin typeface="Cambria Math" charset="0"/>
+                        </a:rPr>
+                        <m:t>= </m:t>
+                      </m:r>
+                      <m:d>
+                        <m:dPr>
+                          <m:begChr m:val="|"/>
+                          <m:endChr m:val="|"/>
+                          <m:ctrlPr>
+                            <a:rPr lang="hr-HR" sz="4800" b="0" i="1" smtClean="0">
+                              <a:latin typeface="Cambria Math" charset="0"/>
+                            </a:rPr>
+                          </m:ctrlPr>
+                        </m:dPr>
+                        <m:e>
+                          <m:nary>
+                            <m:naryPr>
+                              <m:chr m:val="∑"/>
+                              <m:supHide m:val="on"/>
+                              <m:ctrlPr>
+                                <a:rPr lang="hr-HR" sz="4800" b="0" i="1" smtClean="0">
+                                  <a:latin typeface="Cambria Math" charset="0"/>
+                                </a:rPr>
+                              </m:ctrlPr>
+                            </m:naryPr>
+                            <m:sub>
+                              <m:r>
+                                <m:rPr>
+                                  <m:brk m:alnAt="7"/>
+                                </m:rPr>
+                                <a:rPr lang="tr-TR" sz="4800" b="0" i="1" smtClean="0">
+                                  <a:latin typeface="Cambria Math" charset="0"/>
+                                </a:rPr>
+                                <m:t>𝑖</m:t>
+                              </m:r>
+                              <m:r>
+                                <a:rPr lang="tr-TR" sz="4800" b="0" i="1" smtClean="0">
+                                  <a:latin typeface="Cambria Math" charset="0"/>
+                                </a:rPr>
+                                <m:t> ∈</m:t>
+                              </m:r>
+                              <m:r>
+                                <a:rPr lang="tr-TR" sz="4800" b="0" i="1" smtClean="0">
+                                  <a:latin typeface="Cambria Math" charset="0"/>
+                                  <a:ea typeface="Cambria Math" charset="0"/>
+                                  <a:cs typeface="Cambria Math" charset="0"/>
+                                </a:rPr>
+                                <m:t>𝑀</m:t>
+                              </m:r>
+                            </m:sub>
+                            <m:sup/>
+                            <m:e>
+                              <m:sSub>
+                                <m:sSubPr>
+                                  <m:ctrlPr>
+                                    <a:rPr lang="en-US" sz="4800" b="0" i="1" smtClean="0">
+                                      <a:latin typeface="Cambria Math" charset="0"/>
+                                    </a:rPr>
+                                  </m:ctrlPr>
+                                </m:sSubPr>
+                                <m:e>
+                                  <m:r>
+                                    <a:rPr lang="tr-TR" sz="4800" b="0" i="1" smtClean="0">
+                                      <a:latin typeface="Cambria Math" charset="0"/>
+                                    </a:rPr>
+                                    <m:t>𝐶</m:t>
+                                  </m:r>
+                                </m:e>
+                                <m:sub>
+                                  <m:r>
+                                    <a:rPr lang="tr-TR" sz="4800" b="0" i="1" smtClean="0">
+                                      <a:latin typeface="Cambria Math" charset="0"/>
+                                    </a:rPr>
+                                    <m:t>𝑖</m:t>
+                                  </m:r>
+                                </m:sub>
+                              </m:sSub>
+                              <m:d>
+                                <m:dPr>
+                                  <m:ctrlPr>
+                                    <a:rPr lang="tr-TR" sz="4800" b="0" i="1" smtClean="0">
+                                      <a:latin typeface="Cambria Math" charset="0"/>
+                                    </a:rPr>
+                                  </m:ctrlPr>
+                                </m:dPr>
+                                <m:e>
+                                  <m:r>
+                                    <a:rPr lang="tr-TR" sz="4800" b="0" i="1" smtClean="0">
+                                      <a:latin typeface="Cambria Math" charset="0"/>
+                                    </a:rPr>
+                                    <m:t>𝑆</m:t>
+                                  </m:r>
+                                </m:e>
+                              </m:d>
+                              <m:r>
+                                <a:rPr lang="tr-TR" sz="4800" b="0" i="1" smtClean="0">
+                                  <a:latin typeface="Cambria Math" charset="0"/>
+                                </a:rPr>
+                                <m:t>− </m:t>
+                              </m:r>
+                              <m:nary>
+                                <m:naryPr>
+                                  <m:chr m:val="∑"/>
+                                  <m:supHide m:val="on"/>
+                                  <m:ctrlPr>
+                                    <a:rPr lang="tr-TR" sz="4800" b="0" i="1" smtClean="0">
+                                      <a:latin typeface="Cambria Math" charset="0"/>
+                                    </a:rPr>
+                                  </m:ctrlPr>
+                                </m:naryPr>
+                                <m:sub>
+                                  <m:r>
+                                    <m:rPr>
+                                      <m:brk m:alnAt="7"/>
+                                    </m:rPr>
+                                    <a:rPr lang="tr-TR" sz="4800" b="0" i="1" smtClean="0">
+                                      <a:latin typeface="Cambria Math" charset="0"/>
+                                    </a:rPr>
+                                    <m:t>𝑖</m:t>
+                                  </m:r>
+                                  <m:r>
+                                    <a:rPr lang="tr-TR" sz="4800" b="0" i="1" smtClean="0">
+                                      <a:latin typeface="Cambria Math" charset="0"/>
+                                    </a:rPr>
+                                    <m:t> ∈</m:t>
+                                  </m:r>
+                                  <m:r>
+                                    <a:rPr lang="tr-TR" sz="4800" b="0" i="1" smtClean="0">
+                                      <a:latin typeface="Cambria Math" charset="0"/>
+                                      <a:ea typeface="Cambria Math" charset="0"/>
+                                      <a:cs typeface="Cambria Math" charset="0"/>
+                                    </a:rPr>
+                                    <m:t>𝑊</m:t>
+                                  </m:r>
+                                </m:sub>
+                                <m:sup/>
+                                <m:e>
+                                  <m:sSub>
+                                    <m:sSubPr>
+                                      <m:ctrlPr>
+                                        <a:rPr lang="en-US" sz="4800" b="0" i="1" smtClean="0">
+                                          <a:latin typeface="Cambria Math" charset="0"/>
+                                        </a:rPr>
+                                      </m:ctrlPr>
+                                    </m:sSubPr>
+                                    <m:e>
+                                      <m:r>
+                                        <a:rPr lang="tr-TR" sz="4800" b="0" i="1" smtClean="0">
+                                          <a:latin typeface="Cambria Math" charset="0"/>
+                                        </a:rPr>
+                                        <m:t>𝐶</m:t>
+                                      </m:r>
+                                    </m:e>
+                                    <m:sub>
+                                      <m:r>
+                                        <a:rPr lang="tr-TR" sz="4800" b="0" i="1" smtClean="0">
+                                          <a:latin typeface="Cambria Math" charset="0"/>
+                                        </a:rPr>
+                                        <m:t>𝑖</m:t>
+                                      </m:r>
+                                    </m:sub>
+                                  </m:sSub>
+                                  <m:r>
+                                    <a:rPr lang="tr-TR" sz="4800" b="0" i="1" smtClean="0">
+                                      <a:latin typeface="Cambria Math" charset="0"/>
+                                    </a:rPr>
+                                    <m:t>(</m:t>
+                                  </m:r>
+                                  <m:r>
+                                    <a:rPr lang="tr-TR" sz="4800" b="0" i="1" smtClean="0">
+                                      <a:latin typeface="Cambria Math" charset="0"/>
+                                    </a:rPr>
+                                    <m:t>𝑆</m:t>
+                                  </m:r>
+                                  <m:r>
+                                    <a:rPr lang="tr-TR" sz="4800" b="0" i="1" smtClean="0">
+                                      <a:latin typeface="Cambria Math" charset="0"/>
+                                    </a:rPr>
+                                    <m:t>)</m:t>
+                                  </m:r>
+                                </m:e>
+                              </m:nary>
+                            </m:e>
+                          </m:nary>
+                        </m:e>
+                      </m:d>
+                    </m:oMath>
+                  </m:oMathPara>
+                </a14:m>
+                <a:endParaRPr lang="en-US" sz="4800" dirty="0" smtClean="0"/>
+              </a:p>
+              <a:p>
+                <a:pPr algn="just"/>
+                <a:r>
+                  <a:rPr lang="en-US" sz="4800" dirty="0" smtClean="0"/>
+                  <a:t>Sex equal SMPTI minimizes the cost function</a:t>
+                </a:r>
+              </a:p>
+              <a:p>
+                <a:pPr algn="just"/>
+                <a14:m>
+                  <m:oMathPara xmlns:m="http://schemas.openxmlformats.org/officeDocument/2006/math">
+                    <m:oMathParaPr>
+                      <m:jc m:val="centerGroup"/>
+                    </m:oMathParaPr>
+                    <m:oMath xmlns:m="http://schemas.openxmlformats.org/officeDocument/2006/math">
+                      <m:r>
+                        <a:rPr lang="tr-TR" sz="4800" i="1" smtClean="0">
+                          <a:latin typeface="Cambria Math" charset="0"/>
+                        </a:rPr>
+                        <m:t>𝐶</m:t>
+                      </m:r>
+                      <m:d>
+                        <m:dPr>
+                          <m:ctrlPr>
+                            <a:rPr lang="tr-TR" sz="4800" i="1">
+                              <a:latin typeface="Cambria Math" charset="0"/>
+                            </a:rPr>
+                          </m:ctrlPr>
+                        </m:dPr>
+                        <m:e>
+                          <m:r>
+                            <a:rPr lang="tr-TR" sz="4800" i="1">
+                              <a:latin typeface="Cambria Math" charset="0"/>
+                            </a:rPr>
+                            <m:t>𝑆</m:t>
+                          </m:r>
+                        </m:e>
+                      </m:d>
+                      <m:r>
+                        <a:rPr lang="tr-TR" sz="4800" b="0" i="1" smtClean="0">
+                          <a:latin typeface="Cambria Math" charset="0"/>
+                        </a:rPr>
+                        <m:t>= </m:t>
+                      </m:r>
+                      <m:nary>
+                        <m:naryPr>
+                          <m:chr m:val="∑"/>
+                          <m:supHide m:val="on"/>
+                          <m:ctrlPr>
+                            <a:rPr lang="tr-TR" sz="4800" b="0" i="1" smtClean="0">
+                              <a:latin typeface="Cambria Math" charset="0"/>
+                            </a:rPr>
+                          </m:ctrlPr>
+                        </m:naryPr>
+                        <m:sub>
+                          <m:r>
+                            <m:rPr>
+                              <m:brk m:alnAt="7"/>
+                            </m:rPr>
+                            <a:rPr lang="tr-TR" sz="4800" b="0" i="1" smtClean="0">
+                              <a:latin typeface="Cambria Math" charset="0"/>
+                            </a:rPr>
+                            <m:t>𝑖</m:t>
+                          </m:r>
+                          <m:r>
+                            <a:rPr lang="tr-TR" sz="4800" b="0" i="1" smtClean="0">
+                              <a:latin typeface="Cambria Math" charset="0"/>
+                            </a:rPr>
+                            <m:t> ∈</m:t>
+                          </m:r>
+                          <m:r>
+                            <a:rPr lang="tr-TR" sz="4800" b="0" i="1" smtClean="0">
+                              <a:latin typeface="Cambria Math" charset="0"/>
+                              <a:ea typeface="Cambria Math" charset="0"/>
+                              <a:cs typeface="Cambria Math" charset="0"/>
+                            </a:rPr>
+                            <m:t>𝑀</m:t>
+                          </m:r>
+                        </m:sub>
+                        <m:sup/>
+                        <m:e>
+                          <m:sSub>
+                            <m:sSubPr>
+                              <m:ctrlPr>
+                                <a:rPr lang="en-US" sz="4800" b="0" i="1" smtClean="0">
+                                  <a:latin typeface="Cambria Math" charset="0"/>
+                                </a:rPr>
+                              </m:ctrlPr>
+                            </m:sSubPr>
+                            <m:e>
+                              <m:r>
+                                <a:rPr lang="tr-TR" sz="4800" b="0" i="1" smtClean="0">
+                                  <a:latin typeface="Cambria Math" charset="0"/>
+                                </a:rPr>
+                                <m:t>𝐶</m:t>
+                              </m:r>
+                            </m:e>
+                            <m:sub>
+                              <m:r>
+                                <a:rPr lang="tr-TR" sz="4800" b="0" i="1" smtClean="0">
+                                  <a:latin typeface="Cambria Math" charset="0"/>
+                                </a:rPr>
+                                <m:t>𝑖</m:t>
+                              </m:r>
+                            </m:sub>
+                          </m:sSub>
+                          <m:r>
+                            <a:rPr lang="tr-TR" sz="4800" b="0" i="1" smtClean="0">
+                              <a:latin typeface="Cambria Math" charset="0"/>
+                            </a:rPr>
+                            <m:t>(</m:t>
+                          </m:r>
+                          <m:r>
+                            <a:rPr lang="tr-TR" sz="4800" b="0" i="1" smtClean="0">
+                              <a:latin typeface="Cambria Math" charset="0"/>
+                            </a:rPr>
+                            <m:t>𝑆</m:t>
+                          </m:r>
+                          <m:r>
+                            <a:rPr lang="tr-TR" sz="4800" b="0" i="1" smtClean="0">
+                              <a:latin typeface="Cambria Math" charset="0"/>
+                            </a:rPr>
+                            <m:t>)</m:t>
+                          </m:r>
+                        </m:e>
+                      </m:nary>
+                      <m:r>
+                        <a:rPr lang="tr-TR" sz="4800" b="0" i="1" smtClean="0">
+                          <a:latin typeface="Cambria Math" charset="0"/>
+                        </a:rPr>
+                        <m:t>+ </m:t>
+                      </m:r>
+                      <m:nary>
+                        <m:naryPr>
+                          <m:chr m:val="∑"/>
+                          <m:supHide m:val="on"/>
+                          <m:ctrlPr>
+                            <a:rPr lang="tr-TR" sz="4800" b="0" i="1" smtClean="0">
+                              <a:latin typeface="Cambria Math" charset="0"/>
+                            </a:rPr>
+                          </m:ctrlPr>
+                        </m:naryPr>
+                        <m:sub>
+                          <m:r>
+                            <m:rPr>
+                              <m:brk m:alnAt="7"/>
+                            </m:rPr>
+                            <a:rPr lang="tr-TR" sz="4800" b="0" i="1" smtClean="0">
+                              <a:latin typeface="Cambria Math" charset="0"/>
+                            </a:rPr>
+                            <m:t>𝑖</m:t>
+                          </m:r>
+                          <m:r>
+                            <a:rPr lang="tr-TR" sz="4800" b="0" i="1" smtClean="0">
+                              <a:latin typeface="Cambria Math" charset="0"/>
+                            </a:rPr>
+                            <m:t> ∈</m:t>
+                          </m:r>
+                          <m:r>
+                            <a:rPr lang="tr-TR" sz="4800" b="0" i="1" smtClean="0">
+                              <a:latin typeface="Cambria Math" charset="0"/>
+                              <a:ea typeface="Cambria Math" charset="0"/>
+                              <a:cs typeface="Cambria Math" charset="0"/>
+                            </a:rPr>
+                            <m:t>𝑊</m:t>
+                          </m:r>
+                        </m:sub>
+                        <m:sup/>
+                        <m:e>
+                          <m:sSub>
+                            <m:sSubPr>
+                              <m:ctrlPr>
+                                <a:rPr lang="en-US" sz="4800" b="0" i="1" smtClean="0">
+                                  <a:latin typeface="Cambria Math" charset="0"/>
+                                </a:rPr>
+                              </m:ctrlPr>
+                            </m:sSubPr>
+                            <m:e>
+                              <m:r>
+                                <a:rPr lang="tr-TR" sz="4800" b="0" i="1" smtClean="0">
+                                  <a:latin typeface="Cambria Math" charset="0"/>
+                                </a:rPr>
+                                <m:t>𝐶</m:t>
+                              </m:r>
+                            </m:e>
+                            <m:sub>
+                              <m:r>
+                                <a:rPr lang="tr-TR" sz="4800" b="0" i="1" smtClean="0">
+                                  <a:latin typeface="Cambria Math" charset="0"/>
+                                </a:rPr>
+                                <m:t>𝑖</m:t>
+                              </m:r>
+                            </m:sub>
+                          </m:sSub>
+                          <m:r>
+                            <a:rPr lang="en-US" sz="4800" b="0" i="1" smtClean="0">
+                              <a:latin typeface="Cambria Math" charset="0"/>
+                            </a:rPr>
+                            <m:t> </m:t>
+                          </m:r>
+                          <m:r>
+                            <a:rPr lang="tr-TR" sz="4800" b="0" i="1" smtClean="0">
+                              <a:latin typeface="Cambria Math" charset="0"/>
+                            </a:rPr>
+                            <m:t>(</m:t>
+                          </m:r>
+                          <m:r>
+                            <a:rPr lang="tr-TR" sz="4800" b="0" i="1" smtClean="0">
+                              <a:latin typeface="Cambria Math" charset="0"/>
+                            </a:rPr>
+                            <m:t>𝑆</m:t>
+                          </m:r>
+                          <m:r>
+                            <a:rPr lang="tr-TR" sz="4800" b="0" i="1" smtClean="0">
+                              <a:latin typeface="Cambria Math" charset="0"/>
+                            </a:rPr>
+                            <m:t>)</m:t>
+                          </m:r>
+                        </m:e>
+                      </m:nary>
+                      <m:r>
+                        <a:rPr lang="tr-TR" sz="4800" b="0" i="1" smtClean="0">
+                          <a:latin typeface="Cambria Math" charset="0"/>
+                        </a:rPr>
+                        <m:t> </m:t>
+                      </m:r>
+                    </m:oMath>
+                  </m:oMathPara>
+                </a14:m>
+                <a:endParaRPr lang="en-US" sz="4800" dirty="0"/>
+              </a:p>
+              <a:p>
+                <a:pPr algn="just"/>
+                <a:r>
+                  <a:rPr lang="en-US" sz="4800" dirty="0" smtClean="0"/>
+                  <a:t>Minimum regret SMPTI minimizes the cost function</a:t>
+                </a:r>
+              </a:p>
+              <a:p>
+                <a:pPr algn="just"/>
+                <a14:m>
+                  <m:oMathPara xmlns:m="http://schemas.openxmlformats.org/officeDocument/2006/math">
+                    <m:oMathParaPr>
+                      <m:jc m:val="centerGroup"/>
+                    </m:oMathParaPr>
+                    <m:oMath xmlns:m="http://schemas.openxmlformats.org/officeDocument/2006/math">
+                      <m:r>
+                        <a:rPr lang="tr-TR" sz="4800" b="0" i="1" smtClean="0">
+                          <a:latin typeface="Cambria Math" charset="0"/>
+                        </a:rPr>
+                        <m:t>𝐶</m:t>
+                      </m:r>
+                      <m:d>
+                        <m:dPr>
+                          <m:ctrlPr>
+                            <a:rPr lang="tr-TR" sz="4800" b="0" i="1" smtClean="0">
+                              <a:latin typeface="Cambria Math" charset="0"/>
+                            </a:rPr>
+                          </m:ctrlPr>
+                        </m:dPr>
+                        <m:e>
+                          <m:r>
+                            <a:rPr lang="tr-TR" sz="4800" b="0" i="1" smtClean="0">
+                              <a:latin typeface="Cambria Math" charset="0"/>
+                            </a:rPr>
+                            <m:t>𝑆</m:t>
+                          </m:r>
+                        </m:e>
+                      </m:d>
+                      <m:r>
+                        <a:rPr lang="tr-TR" sz="4800" b="0" i="1" smtClean="0">
+                          <a:latin typeface="Cambria Math" charset="0"/>
+                        </a:rPr>
+                        <m:t>=</m:t>
+                      </m:r>
+                      <m:r>
+                        <a:rPr lang="tr-TR" sz="4800" b="0" i="1" smtClean="0">
+                          <a:latin typeface="Cambria Math" charset="0"/>
+                        </a:rPr>
+                        <m:t>𝑚𝑎𝑥</m:t>
+                      </m:r>
+                      <m:sSub>
+                        <m:sSubPr>
+                          <m:ctrlPr>
+                            <a:rPr lang="en-US" sz="4800" b="0" i="1" smtClean="0">
+                              <a:latin typeface="Cambria Math" charset="0"/>
+                            </a:rPr>
+                          </m:ctrlPr>
+                        </m:sSubPr>
+                        <m:e>
+                          <m:d>
+                            <m:dPr>
+                              <m:begChr m:val="{"/>
+                              <m:endChr m:val="}"/>
+                              <m:ctrlPr>
+                                <a:rPr lang="en-US" sz="4800" b="0" i="1" smtClean="0">
+                                  <a:latin typeface="Cambria Math" charset="0"/>
+                                </a:rPr>
+                              </m:ctrlPr>
+                            </m:dPr>
+                            <m:e>
+                              <m:sSub>
+                                <m:sSubPr>
+                                  <m:ctrlPr>
+                                    <a:rPr lang="en-US" sz="4800" b="0" i="1" smtClean="0">
+                                      <a:latin typeface="Cambria Math" charset="0"/>
+                                    </a:rPr>
+                                  </m:ctrlPr>
+                                </m:sSubPr>
+                                <m:e>
+                                  <m:r>
+                                    <a:rPr lang="tr-TR" sz="4800" b="0" i="1" smtClean="0">
+                                      <a:latin typeface="Cambria Math" charset="0"/>
+                                    </a:rPr>
+                                    <m:t>𝐶</m:t>
+                                  </m:r>
+                                </m:e>
+                                <m:sub>
+                                  <m:r>
+                                    <a:rPr lang="tr-TR" sz="4800" b="0" i="1" smtClean="0">
+                                      <a:latin typeface="Cambria Math" charset="0"/>
+                                    </a:rPr>
+                                    <m:t>𝑖</m:t>
+                                  </m:r>
+                                </m:sub>
+                              </m:sSub>
+                              <m:r>
+                                <a:rPr lang="tr-TR" sz="4800" b="0" i="1" smtClean="0">
+                                  <a:latin typeface="Cambria Math" charset="0"/>
+                                </a:rPr>
+                                <m:t>(</m:t>
+                              </m:r>
+                              <m:r>
+                                <a:rPr lang="tr-TR" sz="4800" b="0" i="1" smtClean="0">
+                                  <a:latin typeface="Cambria Math" charset="0"/>
+                                </a:rPr>
+                                <m:t>𝑆</m:t>
+                              </m:r>
+                              <m:r>
+                                <a:rPr lang="tr-TR" sz="4800" b="0" i="1" smtClean="0">
+                                  <a:latin typeface="Cambria Math" charset="0"/>
+                                </a:rPr>
+                                <m:t>)</m:t>
+                              </m:r>
+                            </m:e>
+                          </m:d>
+                        </m:e>
+                        <m:sub>
+                          <m:r>
+                            <a:rPr lang="tr-TR" sz="4800" b="0" i="1" smtClean="0">
+                              <a:latin typeface="Cambria Math" charset="0"/>
+                            </a:rPr>
+                            <m:t>𝑖</m:t>
+                          </m:r>
+                          <m:r>
+                            <a:rPr lang="tr-TR" sz="4800" b="0" i="1" smtClean="0">
+                              <a:latin typeface="Cambria Math" charset="0"/>
+                            </a:rPr>
+                            <m:t> ∈</m:t>
+                          </m:r>
+                          <m:r>
+                            <a:rPr lang="tr-TR" sz="4800" b="0" i="1" smtClean="0">
+                              <a:latin typeface="Cambria Math" charset="0"/>
+                              <a:ea typeface="Cambria Math" charset="0"/>
+                              <a:cs typeface="Cambria Math" charset="0"/>
+                            </a:rPr>
+                            <m:t>𝑀</m:t>
+                          </m:r>
+                          <m:r>
+                            <a:rPr lang="tr-TR" sz="4800" b="0" i="1" smtClean="0">
+                              <a:latin typeface="Cambria Math" charset="0"/>
+                              <a:ea typeface="Cambria Math" charset="0"/>
+                              <a:cs typeface="Cambria Math" charset="0"/>
+                            </a:rPr>
+                            <m:t>∪</m:t>
+                          </m:r>
+                          <m:r>
+                            <a:rPr lang="tr-TR" sz="4800" b="0" i="1" smtClean="0">
+                              <a:latin typeface="Cambria Math" charset="0"/>
+                              <a:ea typeface="Cambria Math" charset="0"/>
+                              <a:cs typeface="Cambria Math" charset="0"/>
+                            </a:rPr>
+                            <m:t>𝑊</m:t>
+                          </m:r>
+                        </m:sub>
+                      </m:sSub>
+                    </m:oMath>
+                  </m:oMathPara>
+                </a14:m>
+                <a:endParaRPr lang="en-US" sz="4800" dirty="0"/>
+              </a:p>
+            </p:txBody>
+          </p:sp>
+        </mc:Choice>
+        <mc:Fallback>
+          <p:sp>
+            <p:nvSpPr>
+              <p:cNvPr id="13" name="TextBox 12"/>
+              <p:cNvSpPr txBox="1">
+                <a:spLocks noRot="1" noChangeAspect="1" noMove="1" noResize="1" noEditPoints="1" noAdjustHandles="1" noChangeArrowheads="1" noChangeShapeType="1" noTextEdit="1"/>
+              </p:cNvSpPr>
+              <p:nvPr/>
+            </p:nvSpPr>
+            <p:spPr>
+              <a:xfrm>
+                <a:off x="15498443" y="17972921"/>
+                <a:ext cx="14324900" cy="11990398"/>
+              </a:xfrm>
+              <a:prstGeom prst="rect">
+                <a:avLst/>
+              </a:prstGeom>
+              <a:blipFill rotWithShape="0">
+                <a:blip r:embed="rId6"/>
+                <a:stretch>
+                  <a:fillRect l="-1915" t="-1220" r="-1957"/>
+                </a:stretch>
+              </a:blipFill>
+            </p:spPr>
+            <p:txBody>
+              <a:bodyPr/>
+              <a:lstStyle/>
+              <a:p>
+                <a:r>
+                  <a:rPr lang="en-US">
+                    <a:noFill/>
+                  </a:rPr>
+                  <a:t> </a:t>
+                </a:r>
+              </a:p>
+            </p:txBody>
+          </p:sp>
+        </mc:Fallback>
+      </mc:AlternateContent>
     </p:spTree>
   </p:cSld>
   <p:clrMapOvr>

--- a/reports/Fall-2017-Poster.pptx
+++ b/reports/Fall-2017-Poster.pptx
@@ -2848,14 +2848,14 @@
           <a:effectLst/>
           <a:extLst>
             <a:ext uri="{909E8E84-426E-40dd-AFC4-6F175D3DCCD1}">
-              <a14:hiddenFill xmlns="" xmlns:a14="http://schemas.microsoft.com/office/drawing/2010/main">
+              <a14:hiddenFill xmlns:a14="http://schemas.microsoft.com/office/drawing/2010/main" xmlns="">
                 <a:solidFill>
                   <a:schemeClr val="accent1"/>
                 </a:solidFill>
               </a14:hiddenFill>
             </a:ext>
             <a:ext uri="{91240B29-F687-4f45-9708-019B960494DF}">
-              <a14:hiddenLine xmlns="" xmlns:a14="http://schemas.microsoft.com/office/drawing/2010/main" w="9525">
+              <a14:hiddenLine xmlns:a14="http://schemas.microsoft.com/office/drawing/2010/main" xmlns="" w="9525">
                 <a:solidFill>
                   <a:schemeClr val="tx1"/>
                 </a:solidFill>
@@ -2865,7 +2865,7 @@
               </a14:hiddenLine>
             </a:ext>
             <a:ext uri="{AF507438-7753-43e0-B8FC-AC1667EBCBE1}">
-              <a14:hiddenEffects xmlns="" xmlns:a14="http://schemas.microsoft.com/office/drawing/2010/main">
+              <a14:hiddenEffects xmlns:a14="http://schemas.microsoft.com/office/drawing/2010/main" xmlns="">
                 <a:effectLst>
                   <a:outerShdw dist="35921" dir="2700000" algn="ctr" rotWithShape="0">
                     <a:schemeClr val="bg2"/>
@@ -2916,14 +2916,14 @@
           <a:effectLst/>
           <a:extLst>
             <a:ext uri="{909E8E84-426E-40dd-AFC4-6F175D3DCCD1}">
-              <a14:hiddenFill xmlns="" xmlns:a14="http://schemas.microsoft.com/office/drawing/2010/main">
+              <a14:hiddenFill xmlns:a14="http://schemas.microsoft.com/office/drawing/2010/main" xmlns="">
                 <a:solidFill>
                   <a:schemeClr val="accent1"/>
                 </a:solidFill>
               </a14:hiddenFill>
             </a:ext>
             <a:ext uri="{91240B29-F687-4f45-9708-019B960494DF}">
-              <a14:hiddenLine xmlns="" xmlns:a14="http://schemas.microsoft.com/office/drawing/2010/main" w="9525">
+              <a14:hiddenLine xmlns:a14="http://schemas.microsoft.com/office/drawing/2010/main" xmlns="" w="9525">
                 <a:solidFill>
                   <a:schemeClr val="tx1"/>
                 </a:solidFill>
@@ -2933,7 +2933,7 @@
               </a14:hiddenLine>
             </a:ext>
             <a:ext uri="{AF507438-7753-43e0-B8FC-AC1667EBCBE1}">
-              <a14:hiddenEffects xmlns="" xmlns:a14="http://schemas.microsoft.com/office/drawing/2010/main">
+              <a14:hiddenEffects xmlns:a14="http://schemas.microsoft.com/office/drawing/2010/main" xmlns="">
                 <a:effectLst>
                   <a:outerShdw dist="35921" dir="2700000" algn="ctr" rotWithShape="0">
                     <a:schemeClr val="bg2"/>
@@ -3012,14 +3012,14 @@
           <a:effectLst/>
           <a:extLst>
             <a:ext uri="{909E8E84-426E-40dd-AFC4-6F175D3DCCD1}">
-              <a14:hiddenFill xmlns="" xmlns:a14="http://schemas.microsoft.com/office/drawing/2010/main">
+              <a14:hiddenFill xmlns:a14="http://schemas.microsoft.com/office/drawing/2010/main" xmlns="">
                 <a:solidFill>
                   <a:schemeClr val="accent1"/>
                 </a:solidFill>
               </a14:hiddenFill>
             </a:ext>
             <a:ext uri="{91240B29-F687-4f45-9708-019B960494DF}">
-              <a14:hiddenLine xmlns="" xmlns:a14="http://schemas.microsoft.com/office/drawing/2010/main" w="9525">
+              <a14:hiddenLine xmlns:a14="http://schemas.microsoft.com/office/drawing/2010/main" xmlns="" w="9525">
                 <a:solidFill>
                   <a:schemeClr val="tx1"/>
                 </a:solidFill>
@@ -3029,7 +3029,7 @@
               </a14:hiddenLine>
             </a:ext>
             <a:ext uri="{AF507438-7753-43e0-B8FC-AC1667EBCBE1}">
-              <a14:hiddenEffects xmlns="" xmlns:a14="http://schemas.microsoft.com/office/drawing/2010/main">
+              <a14:hiddenEffects xmlns:a14="http://schemas.microsoft.com/office/drawing/2010/main" xmlns="">
                 <a:effectLst>
                   <a:outerShdw dist="35921" dir="2700000" algn="ctr" rotWithShape="0">
                     <a:schemeClr val="bg2"/>
@@ -3085,14 +3085,14 @@
           <a:effectLst/>
           <a:extLst>
             <a:ext uri="{909E8E84-426E-40dd-AFC4-6F175D3DCCD1}">
-              <a14:hiddenFill xmlns="" xmlns:a14="http://schemas.microsoft.com/office/drawing/2010/main">
+              <a14:hiddenFill xmlns:a14="http://schemas.microsoft.com/office/drawing/2010/main" xmlns="">
                 <a:solidFill>
                   <a:schemeClr val="accent1"/>
                 </a:solidFill>
               </a14:hiddenFill>
             </a:ext>
             <a:ext uri="{91240B29-F687-4f45-9708-019B960494DF}">
-              <a14:hiddenLine xmlns="" xmlns:a14="http://schemas.microsoft.com/office/drawing/2010/main" w="9525">
+              <a14:hiddenLine xmlns:a14="http://schemas.microsoft.com/office/drawing/2010/main" xmlns="" w="9525">
                 <a:solidFill>
                   <a:schemeClr val="tx1"/>
                 </a:solidFill>
@@ -3102,7 +3102,7 @@
               </a14:hiddenLine>
             </a:ext>
             <a:ext uri="{AF507438-7753-43e0-B8FC-AC1667EBCBE1}">
-              <a14:hiddenEffects xmlns="" xmlns:a14="http://schemas.microsoft.com/office/drawing/2010/main">
+              <a14:hiddenEffects xmlns:a14="http://schemas.microsoft.com/office/drawing/2010/main" xmlns="">
                 <a:effectLst>
                   <a:outerShdw dist="35921" dir="2700000" algn="ctr" rotWithShape="0">
                     <a:schemeClr val="bg2"/>
@@ -3158,14 +3158,14 @@
           <a:effectLst/>
           <a:extLst>
             <a:ext uri="{909E8E84-426E-40dd-AFC4-6F175D3DCCD1}">
-              <a14:hiddenFill xmlns="" xmlns:a14="http://schemas.microsoft.com/office/drawing/2010/main">
+              <a14:hiddenFill xmlns:a14="http://schemas.microsoft.com/office/drawing/2010/main" xmlns="">
                 <a:solidFill>
                   <a:schemeClr val="accent1"/>
                 </a:solidFill>
               </a14:hiddenFill>
             </a:ext>
             <a:ext uri="{91240B29-F687-4f45-9708-019B960494DF}">
-              <a14:hiddenLine xmlns="" xmlns:a14="http://schemas.microsoft.com/office/drawing/2010/main" w="9525">
+              <a14:hiddenLine xmlns:a14="http://schemas.microsoft.com/office/drawing/2010/main" xmlns="" w="9525">
                 <a:solidFill>
                   <a:schemeClr val="tx1"/>
                 </a:solidFill>
@@ -3175,7 +3175,7 @@
               </a14:hiddenLine>
             </a:ext>
             <a:ext uri="{AF507438-7753-43e0-B8FC-AC1667EBCBE1}">
-              <a14:hiddenEffects xmlns="" xmlns:a14="http://schemas.microsoft.com/office/drawing/2010/main">
+              <a14:hiddenEffects xmlns:a14="http://schemas.microsoft.com/office/drawing/2010/main" xmlns="">
                 <a:effectLst>
                   <a:outerShdw dist="35921" dir="2700000" algn="ctr" rotWithShape="0">
                     <a:schemeClr val="bg2"/>
@@ -3688,8 +3688,8 @@
         </p:blipFill>
         <p:spPr>
           <a:xfrm>
-            <a:off x="24224825" y="2487136"/>
-            <a:ext cx="6375828" cy="2551054"/>
+            <a:off x="27129793" y="3659835"/>
+            <a:ext cx="3403600" cy="1379611"/>
           </a:xfrm>
           <a:prstGeom prst="rect">
             <a:avLst/>
@@ -3706,8 +3706,8 @@
         </p:nvSpPr>
         <p:spPr bwMode="auto">
           <a:xfrm>
-            <a:off x="1688" y="-129580"/>
-            <a:ext cx="30555789" cy="3025420"/>
+            <a:off x="220547" y="436245"/>
+            <a:ext cx="30555789" cy="1775142"/>
           </a:xfrm>
           <a:prstGeom prst="rect">
             <a:avLst/>
@@ -3727,7 +3727,7 @@
               <a:defRPr/>
             </a:pPr>
             <a:r>
-              <a:rPr lang="en-US" sz="7363" b="1" dirty="0" smtClean="0">
+              <a:rPr lang="en-US" sz="6600" b="1" dirty="0" smtClean="0">
                 <a:solidFill>
                   <a:srgbClr val="FFFFFF"/>
                 </a:solidFill>
@@ -3739,9 +3739,39 @@
                 <a:latin typeface="Arial"/>
                 <a:cs typeface="Arial"/>
               </a:rPr>
-              <a:t>Solving Stable Marriage Problems using Answer Set Programming</a:t>
-            </a:r>
-            <a:endParaRPr lang="en-US" sz="7363" dirty="0">
+              <a:t>Solving Stable Marriage Problems using </a:t>
+            </a:r>
+            <a:r>
+              <a:rPr lang="en-US" sz="6600" b="1" dirty="0" smtClean="0">
+                <a:solidFill>
+                  <a:srgbClr val="FFFFFF"/>
+                </a:solidFill>
+                <a:effectLst>
+                  <a:outerShdw blurRad="38100" dist="38100" dir="2700000" algn="tl">
+                    <a:srgbClr val="000000"/>
+                  </a:outerShdw>
+                </a:effectLst>
+                <a:latin typeface="Arial"/>
+                <a:cs typeface="Arial"/>
+              </a:rPr>
+              <a:t>Answer </a:t>
+            </a:r>
+            <a:r>
+              <a:rPr lang="en-US" sz="6600" b="1" dirty="0" smtClean="0">
+                <a:solidFill>
+                  <a:srgbClr val="FFFFFF"/>
+                </a:solidFill>
+                <a:effectLst>
+                  <a:outerShdw blurRad="38100" dist="38100" dir="2700000" algn="tl">
+                    <a:srgbClr val="000000"/>
+                  </a:outerShdw>
+                </a:effectLst>
+                <a:latin typeface="Arial"/>
+                <a:cs typeface="Arial"/>
+              </a:rPr>
+              <a:t>Set Programming</a:t>
+            </a:r>
+            <a:endParaRPr lang="en-US" sz="6600" dirty="0">
               <a:solidFill>
                 <a:srgbClr val="001E78"/>
               </a:solidFill>
@@ -3776,8 +3806,8 @@
         </p:nvSpPr>
         <p:spPr bwMode="auto">
           <a:xfrm>
-            <a:off x="527900" y="2497698"/>
-            <a:ext cx="23004158" cy="2577561"/>
+            <a:off x="4446692" y="2190406"/>
+            <a:ext cx="23061508" cy="2577561"/>
           </a:xfrm>
           <a:prstGeom prst="rect">
             <a:avLst/>
@@ -3793,11 +3823,11 @@
           <a:bodyPr lIns="152956" tIns="76479" rIns="152956" bIns="76479" anchor="ctr"/>
           <a:lstStyle/>
           <a:p>
-            <a:pPr defTabSz="5244629">
+            <a:pPr algn="ctr" defTabSz="5244629">
               <a:defRPr/>
             </a:pPr>
             <a:r>
-              <a:rPr lang="en-US" sz="4532" dirty="0" smtClean="0">
+              <a:rPr lang="en-US" sz="4800" dirty="0" smtClean="0">
                 <a:solidFill>
                   <a:schemeClr val="bg1"/>
                 </a:solidFill>
@@ -3807,7 +3837,7 @@
               <a:t>Berkan Teber, </a:t>
             </a:r>
             <a:r>
-              <a:rPr lang="en-US" sz="4532" dirty="0" err="1" smtClean="0">
+              <a:rPr lang="en-US" sz="4800" dirty="0" err="1" smtClean="0">
                 <a:solidFill>
                   <a:schemeClr val="bg1"/>
                 </a:solidFill>
@@ -3817,7 +3847,7 @@
               <a:t>Özgün</a:t>
             </a:r>
             <a:r>
-              <a:rPr lang="en-US" sz="4532" dirty="0" smtClean="0">
+              <a:rPr lang="en-US" sz="4800" dirty="0" smtClean="0">
                 <a:solidFill>
                   <a:schemeClr val="bg1"/>
                 </a:solidFill>
@@ -3827,7 +3857,7 @@
               <a:t> </a:t>
             </a:r>
             <a:r>
-              <a:rPr lang="en-US" sz="4532" dirty="0" err="1" smtClean="0">
+              <a:rPr lang="en-US" sz="4800" dirty="0" err="1" smtClean="0">
                 <a:solidFill>
                   <a:schemeClr val="bg1"/>
                 </a:solidFill>
@@ -3837,7 +3867,7 @@
               <a:t>Özerk</a:t>
             </a:r>
             <a:r>
-              <a:rPr lang="en-US" sz="4532" dirty="0" smtClean="0">
+              <a:rPr lang="en-US" sz="4800" dirty="0" smtClean="0">
                 <a:solidFill>
                   <a:schemeClr val="bg1"/>
                 </a:solidFill>
@@ -3847,7 +3877,7 @@
               <a:t>, </a:t>
             </a:r>
             <a:r>
-              <a:rPr lang="en-US" sz="4532" dirty="0" err="1" smtClean="0">
+              <a:rPr lang="en-US" sz="4800" dirty="0" err="1" smtClean="0">
                 <a:solidFill>
                   <a:schemeClr val="bg1"/>
                 </a:solidFill>
@@ -3857,7 +3887,7 @@
               <a:t>Selin</a:t>
             </a:r>
             <a:r>
-              <a:rPr lang="en-US" sz="4532" dirty="0" smtClean="0">
+              <a:rPr lang="en-US" sz="4800" dirty="0" smtClean="0">
                 <a:solidFill>
                   <a:schemeClr val="bg1"/>
                 </a:solidFill>
@@ -3867,7 +3897,7 @@
               <a:t> </a:t>
             </a:r>
             <a:r>
-              <a:rPr lang="en-US" sz="4532" dirty="0" err="1" smtClean="0">
+              <a:rPr lang="en-US" sz="4800" dirty="0" err="1" smtClean="0">
                 <a:solidFill>
                   <a:schemeClr val="bg1"/>
                 </a:solidFill>
@@ -3877,7 +3907,7 @@
               <a:t>Eyüpoğlu</a:t>
             </a:r>
             <a:r>
-              <a:rPr lang="en-US" sz="4532" dirty="0" smtClean="0">
+              <a:rPr lang="en-US" sz="4800" dirty="0" smtClean="0">
                 <a:solidFill>
                   <a:schemeClr val="bg1"/>
                 </a:solidFill>
@@ -3887,7 +3917,7 @@
               <a:t>, </a:t>
             </a:r>
             <a:r>
-              <a:rPr lang="en-US" sz="4532" dirty="0" err="1" smtClean="0">
+              <a:rPr lang="en-US" sz="4800" dirty="0" err="1" smtClean="0">
                 <a:solidFill>
                   <a:schemeClr val="bg1"/>
                 </a:solidFill>
@@ -3897,7 +3927,7 @@
               <a:t>Talha</a:t>
             </a:r>
             <a:r>
-              <a:rPr lang="en-US" sz="4532" dirty="0" smtClean="0">
+              <a:rPr lang="en-US" sz="4800" dirty="0" smtClean="0">
                 <a:solidFill>
                   <a:schemeClr val="bg1"/>
                 </a:solidFill>
@@ -3907,7 +3937,7 @@
               <a:t> </a:t>
             </a:r>
             <a:r>
-              <a:rPr lang="en-US" sz="4532" dirty="0" err="1" smtClean="0">
+              <a:rPr lang="en-US" sz="4800" dirty="0" err="1" smtClean="0">
                 <a:solidFill>
                   <a:schemeClr val="bg1"/>
                 </a:solidFill>
@@ -3917,7 +3947,7 @@
               <a:t>Şamil</a:t>
             </a:r>
             <a:r>
-              <a:rPr lang="en-US" sz="4532" dirty="0" smtClean="0">
+              <a:rPr lang="en-US" sz="4800" dirty="0" smtClean="0">
                 <a:solidFill>
                   <a:schemeClr val="bg1"/>
                 </a:solidFill>
@@ -3927,7 +3957,7 @@
               <a:t> </a:t>
             </a:r>
             <a:r>
-              <a:rPr lang="en-US" sz="4532" dirty="0" err="1" smtClean="0">
+              <a:rPr lang="en-US" sz="4800" dirty="0" err="1" smtClean="0">
                 <a:solidFill>
                   <a:schemeClr val="bg1"/>
                 </a:solidFill>
@@ -3937,7 +3967,7 @@
               <a:t>Çakır</a:t>
             </a:r>
             <a:r>
-              <a:rPr lang="en-US" sz="4532" dirty="0" smtClean="0">
+              <a:rPr lang="en-US" sz="4800" dirty="0" smtClean="0">
                 <a:solidFill>
                   <a:schemeClr val="bg1"/>
                 </a:solidFill>
@@ -3947,7 +3977,7 @@
               <a:t>, </a:t>
             </a:r>
             <a:r>
-              <a:rPr lang="en-US" sz="4532" dirty="0" err="1" smtClean="0">
+              <a:rPr lang="en-US" sz="4800" dirty="0" err="1" smtClean="0">
                 <a:solidFill>
                   <a:schemeClr val="bg1"/>
                 </a:solidFill>
@@ -3957,7 +3987,7 @@
               <a:t>Zeynep</a:t>
             </a:r>
             <a:r>
-              <a:rPr lang="en-US" sz="4532" dirty="0" smtClean="0">
+              <a:rPr lang="en-US" sz="4800" dirty="0" smtClean="0">
                 <a:solidFill>
                   <a:schemeClr val="bg1"/>
                 </a:solidFill>
@@ -3967,7 +3997,7 @@
               <a:t> </a:t>
             </a:r>
             <a:r>
-              <a:rPr lang="en-US" sz="4532" dirty="0" err="1" smtClean="0">
+              <a:rPr lang="en-US" sz="4800" dirty="0" err="1" smtClean="0">
                 <a:solidFill>
                   <a:schemeClr val="bg1"/>
                 </a:solidFill>
@@ -3977,7 +4007,7 @@
               <a:t>Melis</a:t>
             </a:r>
             <a:r>
-              <a:rPr lang="en-US" sz="4532" dirty="0" smtClean="0">
+              <a:rPr lang="en-US" sz="4800" dirty="0" smtClean="0">
                 <a:solidFill>
                   <a:schemeClr val="bg1"/>
                 </a:solidFill>
@@ -3987,7 +4017,7 @@
               <a:t> </a:t>
             </a:r>
             <a:r>
-              <a:rPr lang="en-US" sz="4532" dirty="0" err="1" smtClean="0">
+              <a:rPr lang="en-US" sz="4800" dirty="0" err="1" smtClean="0">
                 <a:solidFill>
                   <a:schemeClr val="bg1"/>
                 </a:solidFill>
@@ -3996,7 +4026,7 @@
               </a:rPr>
               <a:t>Meriç</a:t>
             </a:r>
-            <a:endParaRPr lang="en-US" sz="4532" dirty="0" smtClean="0">
+            <a:endParaRPr lang="en-US" sz="4800" dirty="0" smtClean="0">
               <a:solidFill>
                 <a:schemeClr val="bg1"/>
               </a:solidFill>
@@ -4005,10 +4035,10 @@
             </a:endParaRPr>
           </a:p>
           <a:p>
-            <a:pPr defTabSz="5244629">
+            <a:pPr algn="ctr" defTabSz="5244629">
               <a:defRPr/>
             </a:pPr>
-            <a:endParaRPr lang="en-US" sz="4532" dirty="0">
+            <a:endParaRPr lang="en-US" sz="2000" dirty="0">
               <a:solidFill>
                 <a:schemeClr val="bg1"/>
               </a:solidFill>
@@ -4017,61 +4047,61 @@
             </a:endParaRPr>
           </a:p>
           <a:p>
-            <a:pPr defTabSz="5244629">
+            <a:pPr algn="ctr" defTabSz="5244629">
               <a:defRPr/>
             </a:pPr>
             <a:r>
-              <a:rPr lang="en-US" sz="4532" dirty="0" smtClean="0">
+              <a:rPr lang="en-US" sz="4800" dirty="0" smtClean="0">
                 <a:solidFill>
                   <a:schemeClr val="bg1"/>
                 </a:solidFill>
                 <a:latin typeface="Arial"/>
                 <a:cs typeface="Arial"/>
               </a:rPr>
-              <a:t>Supervised by Ahmet </a:t>
-            </a:r>
-            <a:r>
-              <a:rPr lang="en-US" sz="4532" dirty="0" err="1" smtClean="0">
+              <a:t>Supervised by </a:t>
+            </a:r>
+            <a:r>
+              <a:rPr lang="en-US" sz="4800" dirty="0" err="1" smtClean="0">
                 <a:solidFill>
                   <a:schemeClr val="bg1"/>
                 </a:solidFill>
                 <a:latin typeface="Arial"/>
                 <a:cs typeface="Arial"/>
               </a:rPr>
-              <a:t>Alkan</a:t>
-            </a:r>
-            <a:r>
-              <a:rPr lang="en-US" sz="4532" dirty="0" smtClean="0">
+              <a:t>Ahmet</a:t>
+            </a:r>
+            <a:r>
+              <a:rPr lang="en-US" sz="4800" dirty="0" smtClean="0">
                 <a:solidFill>
                   <a:schemeClr val="bg1"/>
                 </a:solidFill>
                 <a:latin typeface="Arial"/>
                 <a:cs typeface="Arial"/>
               </a:rPr>
-              <a:t>, </a:t>
-            </a:r>
-            <a:r>
-              <a:rPr lang="en-US" sz="4532" dirty="0" err="1" smtClean="0">
+              <a:t> </a:t>
+            </a:r>
+            <a:r>
+              <a:rPr lang="en-US" sz="4800" dirty="0" err="1" smtClean="0">
                 <a:solidFill>
                   <a:schemeClr val="bg1"/>
                 </a:solidFill>
                 <a:latin typeface="Arial"/>
                 <a:cs typeface="Arial"/>
               </a:rPr>
-              <a:t>Esra</a:t>
-            </a:r>
-            <a:r>
-              <a:rPr lang="en-US" sz="4532" dirty="0" smtClean="0">
+              <a:t>Alkan</a:t>
+            </a:r>
+            <a:r>
+              <a:rPr lang="en-US" sz="4800" dirty="0" smtClean="0">
                 <a:solidFill>
                   <a:schemeClr val="bg1"/>
                 </a:solidFill>
                 <a:latin typeface="Arial"/>
                 <a:cs typeface="Arial"/>
               </a:rPr>
-              <a:t> </a:t>
-            </a:r>
-            <a:r>
-              <a:rPr lang="en-US" sz="4532" dirty="0" err="1" smtClean="0">
+              <a:t> and Esra </a:t>
+            </a:r>
+            <a:r>
+              <a:rPr lang="en-US" sz="4800" dirty="0" smtClean="0">
                 <a:solidFill>
                   <a:schemeClr val="bg1"/>
                 </a:solidFill>
@@ -4080,7 +4110,7 @@
               </a:rPr>
               <a:t>Erdem</a:t>
             </a:r>
-            <a:endParaRPr lang="en-US" sz="4532" dirty="0">
+            <a:endParaRPr lang="en-US" sz="4800" dirty="0">
               <a:solidFill>
                 <a:schemeClr val="bg1"/>
               </a:solidFill>
@@ -4137,10 +4167,7 @@
           </a:bodyPr>
           <a:lstStyle/>
           <a:p>
-            <a:pPr marL="796653" indent="-796653" defTabSz="5244629">
-              <a:buFont typeface="Symbol" charset="0"/>
-              <a:buChar char="¨"/>
-            </a:pPr>
+            <a:pPr defTabSz="5244629"/>
             <a:r>
               <a:rPr lang="en-US" sz="5239" dirty="0" smtClean="0">
                 <a:solidFill>
@@ -4159,87 +4186,6 @@
               <a:latin typeface="Arial"/>
               <a:cs typeface="Arial"/>
               <a:sym typeface="Symbol" pitchFamily="18" charset="2"/>
-            </a:endParaRPr>
-          </a:p>
-        </p:txBody>
-      </p:sp>
-      <p:sp>
-        <p:nvSpPr>
-          <p:cNvPr id="48" name="Rectangle 7"/>
-          <p:cNvSpPr>
-            <a:spLocks noChangeArrowheads="1"/>
-          </p:cNvSpPr>
-          <p:nvPr/>
-        </p:nvSpPr>
-        <p:spPr bwMode="auto">
-          <a:xfrm>
-            <a:off x="551810" y="11124027"/>
-            <a:ext cx="14405159" cy="960698"/>
-          </a:xfrm>
-          <a:prstGeom prst="rect">
-            <a:avLst/>
-          </a:prstGeom>
-          <a:gradFill>
-            <a:gsLst>
-              <a:gs pos="5000">
-                <a:schemeClr val="accent6">
-                  <a:lumMod val="75000"/>
-                </a:schemeClr>
-              </a:gs>
-              <a:gs pos="100000">
-                <a:schemeClr val="accent5">
-                  <a:lumMod val="60000"/>
-                  <a:lumOff val="40000"/>
-                </a:schemeClr>
-              </a:gs>
-            </a:gsLst>
-            <a:lin ang="0" scaled="1"/>
-          </a:gradFill>
-          <a:ln>
-            <a:noFill/>
-          </a:ln>
-          <a:effectLst>
-            <a:outerShdw dist="107763" dir="2700000" algn="ctr" rotWithShape="0">
-              <a:schemeClr val="bg2"/>
-            </a:outerShdw>
-          </a:effectLst>
-        </p:spPr>
-        <p:txBody>
-          <a:bodyPr wrap="square" lIns="152956" tIns="76479" rIns="152956" bIns="76479" anchor="ctr">
-            <a:spAutoFit/>
-          </a:bodyPr>
-          <a:lstStyle/>
-          <a:p>
-            <a:pPr defTabSz="5244629"/>
-            <a:r>
-              <a:rPr lang="en-US" sz="5239" dirty="0">
-                <a:solidFill>
-                  <a:schemeClr val="bg1"/>
-                </a:solidFill>
-                <a:sym typeface="Symbol" pitchFamily="18" charset="2"/>
-              </a:rPr>
-              <a:t></a:t>
-            </a:r>
-            <a:r>
-              <a:rPr lang="en-US" sz="5239" dirty="0"/>
-              <a:t> </a:t>
-            </a:r>
-            <a:r>
-              <a:rPr lang="en-US" sz="5239" dirty="0" smtClean="0">
-                <a:solidFill>
-                  <a:schemeClr val="bg1"/>
-                </a:solidFill>
-                <a:latin typeface="Arial"/>
-                <a:cs typeface="Arial"/>
-              </a:rPr>
-              <a:t>Objectives</a:t>
-            </a:r>
-            <a:endParaRPr lang="en-US" sz="5239" dirty="0">
-              <a:solidFill>
-                <a:schemeClr val="bg1"/>
-              </a:solidFill>
-              <a:latin typeface="Arial"/>
-              <a:cs typeface="Arial"/>
             </a:endParaRPr>
           </a:p>
         </p:txBody>
@@ -4344,7 +4290,7 @@
         </p:nvSpPr>
         <p:spPr bwMode="auto">
           <a:xfrm>
-            <a:off x="527899" y="16883263"/>
+            <a:off x="551810" y="13977870"/>
             <a:ext cx="14429069" cy="960698"/>
           </a:xfrm>
           <a:prstGeom prst="rect">
@@ -4387,13 +4333,10 @@
                 <a:solidFill>
                   <a:schemeClr val="bg1"/>
                 </a:solidFill>
-                <a:sym typeface="Symbol" pitchFamily="18" charset="2"/>
-              </a:rPr>
-              <a:t></a:t>
-            </a:r>
-            <a:r>
-              <a:rPr lang="en-US" sz="5239" dirty="0" smtClean="0"/>
-              <a:t> </a:t>
+                <a:latin typeface="Arial"/>
+                <a:cs typeface="Arial"/>
+              </a:rPr>
+              <a:t>Stable </a:t>
             </a:r>
             <a:r>
               <a:rPr lang="en-US" sz="5239" dirty="0" smtClean="0">
@@ -4403,7 +4346,17 @@
                 <a:latin typeface="Arial"/>
                 <a:cs typeface="Arial"/>
               </a:rPr>
-              <a:t>Stable Marriage Problem</a:t>
+              <a:t>Marriage </a:t>
+            </a:r>
+            <a:r>
+              <a:rPr lang="en-US" sz="5239" dirty="0" smtClean="0">
+                <a:solidFill>
+                  <a:schemeClr val="bg1"/>
+                </a:solidFill>
+                <a:latin typeface="Arial"/>
+                <a:cs typeface="Arial"/>
+              </a:rPr>
+              <a:t>Problem (SMP)</a:t>
             </a:r>
             <a:endParaRPr lang="en-US" sz="5239" dirty="0">
               <a:solidFill>
@@ -4466,13 +4419,10 @@
                 <a:solidFill>
                   <a:schemeClr val="bg1"/>
                 </a:solidFill>
-                <a:sym typeface="Symbol" pitchFamily="18" charset="2"/>
-              </a:rPr>
-              <a:t></a:t>
-            </a:r>
-            <a:r>
-              <a:rPr lang="en-US" sz="5239" dirty="0" smtClean="0"/>
-              <a:t> </a:t>
+                <a:latin typeface="Arial"/>
+                <a:cs typeface="Arial"/>
+              </a:rPr>
+              <a:t>SMP </a:t>
             </a:r>
             <a:r>
               <a:rPr lang="en-US" sz="5239" dirty="0" smtClean="0">
@@ -4482,7 +4432,17 @@
                 <a:latin typeface="Arial"/>
                 <a:cs typeface="Arial"/>
               </a:rPr>
-              <a:t>SMP with Unacceptability</a:t>
+              <a:t>with </a:t>
+            </a:r>
+            <a:r>
+              <a:rPr lang="en-US" sz="5239" dirty="0" smtClean="0">
+                <a:solidFill>
+                  <a:schemeClr val="bg1"/>
+                </a:solidFill>
+                <a:latin typeface="Arial"/>
+                <a:cs typeface="Arial"/>
+              </a:rPr>
+              <a:t>Unacceptability and Ties (SMPTI)</a:t>
             </a:r>
             <a:endParaRPr lang="en-US" sz="5239" dirty="0">
               <a:solidFill>
@@ -4504,7 +4464,7 @@
         </p:nvSpPr>
         <p:spPr bwMode="auto">
           <a:xfrm>
-            <a:off x="15502758" y="16883263"/>
+            <a:off x="15502758" y="16680063"/>
             <a:ext cx="14405159" cy="960698"/>
           </a:xfrm>
           <a:prstGeom prst="rect">
@@ -4549,7 +4509,16 @@
                 </a:solidFill>
                 <a:sym typeface="Symbol" pitchFamily="18" charset="2"/>
               </a:rPr>
-              <a:t>Optimization Variants</a:t>
+              <a:t>Optimization </a:t>
+            </a:r>
+            <a:r>
+              <a:rPr lang="en-US" sz="5239" dirty="0" smtClean="0">
+                <a:solidFill>
+                  <a:schemeClr val="bg1"/>
+                </a:solidFill>
+                <a:sym typeface="Symbol" pitchFamily="18" charset="2"/>
+              </a:rPr>
+              <a:t>Variants</a:t>
             </a:r>
             <a:endParaRPr lang="en-US" sz="5239" dirty="0">
               <a:solidFill>
@@ -4571,7 +4540,7 @@
         </p:nvSpPr>
         <p:spPr bwMode="auto">
           <a:xfrm>
-            <a:off x="15502759" y="30279374"/>
+            <a:off x="15587334" y="32901881"/>
             <a:ext cx="14320583" cy="960698"/>
           </a:xfrm>
           <a:prstGeom prst="rect">
@@ -4614,19 +4583,6 @@
                 <a:solidFill>
                   <a:schemeClr val="bg1"/>
                 </a:solidFill>
-                <a:sym typeface="Symbol" pitchFamily="18" charset="2"/>
-              </a:rPr>
-              <a:t></a:t>
-            </a:r>
-            <a:r>
-              <a:rPr lang="en-US" sz="5239" dirty="0" smtClean="0"/>
-              <a:t> </a:t>
-            </a:r>
-            <a:r>
-              <a:rPr lang="en-US" sz="5239" dirty="0" smtClean="0">
-                <a:solidFill>
-                  <a:schemeClr val="bg1"/>
-                </a:solidFill>
                 <a:latin typeface="Arial"/>
                 <a:cs typeface="Arial"/>
               </a:rPr>
@@ -4652,8 +4608,8 @@
         </p:nvSpPr>
         <p:spPr bwMode="auto">
           <a:xfrm>
-            <a:off x="551810" y="37595011"/>
-            <a:ext cx="29356107" cy="960698"/>
+            <a:off x="15498442" y="36655211"/>
+            <a:ext cx="14409475" cy="960698"/>
           </a:xfrm>
           <a:prstGeom prst="rect">
             <a:avLst/>
@@ -4691,20 +4647,7 @@
           <a:p>
             <a:pPr defTabSz="5244629"/>
             <a:r>
-              <a:rPr lang="en-US" sz="5239" smtClean="0">
-                <a:solidFill>
-                  <a:schemeClr val="bg1"/>
-                </a:solidFill>
-                <a:sym typeface="Symbol" pitchFamily="18" charset="2"/>
-              </a:rPr>
-              <a:t></a:t>
-            </a:r>
-            <a:r>
-              <a:rPr lang="en-US" sz="5239" smtClean="0"/>
-              <a:t> </a:t>
-            </a:r>
-            <a:r>
-              <a:rPr lang="en-US" sz="5239" smtClean="0">
+              <a:rPr lang="en-US" sz="5239" dirty="0" smtClean="0">
                 <a:solidFill>
                   <a:schemeClr val="bg1"/>
                 </a:solidFill>
@@ -4731,8 +4674,8 @@
         </p:nvSpPr>
         <p:spPr>
           <a:xfrm>
-            <a:off x="15502758" y="31388547"/>
-            <a:ext cx="14320584" cy="6001643"/>
+            <a:off x="15498442" y="34244912"/>
+            <a:ext cx="14320584" cy="1938992"/>
           </a:xfrm>
           <a:prstGeom prst="rect">
             <a:avLst/>
@@ -4747,57 +4690,10 @@
           <a:p>
             <a:pPr algn="just"/>
             <a:r>
-              <a:rPr lang="en-US" sz="4800" dirty="0" smtClean="0"/>
-              <a:t>Our </a:t>
-            </a:r>
-            <a:r>
-              <a:rPr lang="en-US" sz="4800" dirty="0"/>
-              <a:t>main focus was on how matching as a real life problem can be interpreted and represented as a mathematical </a:t>
-            </a:r>
-            <a:r>
-              <a:rPr lang="en-US" sz="4800" dirty="0" smtClean="0"/>
-              <a:t>question. For this purpose, we </a:t>
-            </a:r>
-            <a:r>
-              <a:rPr lang="en-US" sz="4800" dirty="0"/>
-              <a:t>have designed programs to solve and </a:t>
-            </a:r>
-            <a:r>
-              <a:rPr lang="en-US" sz="4800" dirty="0" smtClean="0"/>
-              <a:t>optimize </a:t>
-            </a:r>
-            <a:r>
-              <a:rPr lang="en-US" sz="4800" dirty="0"/>
-              <a:t>variants of stable marriage problem with respect to equality of individuals and sexes</a:t>
-            </a:r>
-            <a:r>
-              <a:rPr lang="en-US" sz="4800" dirty="0" smtClean="0"/>
-              <a:t>.</a:t>
-            </a:r>
-          </a:p>
-          <a:p>
-            <a:pPr algn="just"/>
-            <a:r>
-              <a:rPr lang="en-US" sz="4800" dirty="0" smtClean="0"/>
-              <a:t>Our </a:t>
-            </a:r>
-            <a:r>
-              <a:rPr lang="en-US" sz="4800" dirty="0"/>
-              <a:t>work will be continued in Spring ’18 and </a:t>
-            </a:r>
-            <a:r>
-              <a:rPr lang="en-US" sz="4800" dirty="0" smtClean="0"/>
-              <a:t>we plan </a:t>
-            </a:r>
-            <a:r>
-              <a:rPr lang="en-US" sz="4800" dirty="0"/>
-              <a:t>to solve more real life </a:t>
-            </a:r>
-            <a:r>
-              <a:rPr lang="en-US" sz="4800" dirty="0" smtClean="0"/>
-              <a:t>problems in the future.</a:t>
-            </a:r>
-            <a:endParaRPr lang="en-US" sz="4800" dirty="0"/>
+              <a:rPr lang="en-US" sz="4000" dirty="0" smtClean="0"/>
+              <a:t>We have introduced a novel solution for SMP and its variants, using ASP.  We will continue our studies with the evaluation of our methods, and investigation of other matching problems.</a:t>
+            </a:r>
+            <a:endParaRPr lang="en-US" sz="4000" dirty="0"/>
           </a:p>
         </p:txBody>
       </p:sp>
@@ -4809,8 +4705,8 @@
         </p:nvSpPr>
         <p:spPr>
           <a:xfrm>
-            <a:off x="551810" y="38704184"/>
-            <a:ext cx="29380018" cy="4185761"/>
+            <a:off x="15442041" y="37812852"/>
+            <a:ext cx="14433385" cy="5016758"/>
           </a:xfrm>
           <a:prstGeom prst="rect">
             <a:avLst/>
@@ -4828,35 +4724,35 @@
               <a:buAutoNum type="arabicPeriod"/>
             </a:pPr>
             <a:r>
-              <a:rPr lang="en-US" sz="3800" dirty="0" smtClean="0"/>
+              <a:rPr lang="en-US" sz="4000" dirty="0" smtClean="0"/>
               <a:t>Gale</a:t>
             </a:r>
             <a:r>
-              <a:rPr lang="en-US" sz="3800" dirty="0"/>
+              <a:rPr lang="en-US" sz="4000" dirty="0"/>
               <a:t>, D., &amp; Shapley, L. (1962). </a:t>
             </a:r>
             <a:r>
-              <a:rPr lang="en-US" sz="3800" i="1" dirty="0"/>
+              <a:rPr lang="en-US" sz="4000" i="1" dirty="0"/>
               <a:t>College Admissions and the </a:t>
             </a:r>
             <a:r>
-              <a:rPr lang="en-US" sz="3800" i="1" dirty="0" smtClean="0"/>
+              <a:rPr lang="en-US" sz="4000" i="1" dirty="0" smtClean="0"/>
               <a:t>Stability </a:t>
             </a:r>
             <a:r>
-              <a:rPr lang="en-US" sz="3800" i="1" dirty="0"/>
+              <a:rPr lang="en-US" sz="4000" i="1" dirty="0"/>
               <a:t>of Marriage.</a:t>
             </a:r>
             <a:r>
-              <a:rPr lang="en-US" sz="3800" dirty="0"/>
+              <a:rPr lang="en-US" sz="4000" dirty="0"/>
               <a:t> </a:t>
             </a:r>
             <a:r>
-              <a:rPr lang="en-US" sz="3800" dirty="0" smtClean="0"/>
+              <a:rPr lang="en-US" sz="4000" dirty="0" smtClean="0"/>
               <a:t>The </a:t>
             </a:r>
             <a:r>
-              <a:rPr lang="en-US" sz="3800" dirty="0"/>
+              <a:rPr lang="en-US" sz="4000" dirty="0"/>
               <a:t>American Mathematical Monthly, 69(1), 9-15.</a:t>
             </a:r>
           </a:p>
@@ -4866,45 +4762,42 @@
               <a:buAutoNum type="arabicPeriod"/>
             </a:pPr>
             <a:r>
-              <a:rPr lang="en-US" sz="3800" dirty="0" err="1" smtClean="0"/>
+              <a:rPr lang="en-US" sz="4000" dirty="0" err="1" smtClean="0"/>
               <a:t>Gelfond</a:t>
             </a:r>
             <a:r>
-              <a:rPr lang="en-US" sz="3800" dirty="0"/>
+              <a:rPr lang="en-US" sz="4000" dirty="0"/>
               <a:t>, M., &amp; </a:t>
             </a:r>
             <a:r>
-              <a:rPr lang="en-US" sz="3800" dirty="0" err="1"/>
+              <a:rPr lang="en-US" sz="4000" dirty="0" err="1"/>
               <a:t>Lifschitz</a:t>
             </a:r>
             <a:r>
-              <a:rPr lang="en-US" sz="3800" dirty="0"/>
+              <a:rPr lang="en-US" sz="4000" dirty="0"/>
               <a:t>, V. (1988). </a:t>
             </a:r>
             <a:r>
-              <a:rPr lang="en-US" sz="3800" i="1" dirty="0"/>
+              <a:rPr lang="en-US" sz="4000" i="1" dirty="0"/>
               <a:t>The stable model semantics for logic </a:t>
             </a:r>
             <a:r>
-              <a:rPr lang="en-US" sz="3800" i="1" dirty="0" smtClean="0"/>
+              <a:rPr lang="en-US" sz="4000" i="1" dirty="0" smtClean="0"/>
               <a:t>programming</a:t>
             </a:r>
             <a:r>
-              <a:rPr lang="en-US" sz="3800" i="1" dirty="0"/>
+              <a:rPr lang="en-US" sz="4000" i="1" dirty="0"/>
               <a:t>. </a:t>
             </a:r>
             <a:r>
-              <a:rPr lang="en-US" sz="3800" dirty="0"/>
-              <a:t> In Proceedings of International Logic Programming </a:t>
-            </a:r>
-            <a:r>
-              <a:rPr lang="en-US" sz="3800" dirty="0" smtClean="0"/>
-              <a:t>Conference and </a:t>
-            </a:r>
-            <a:r>
-              <a:rPr lang="en-US" sz="3800" dirty="0"/>
-              <a:t>Symposium, pp. 1070-1080.</a:t>
-            </a:r>
+              <a:rPr lang="en-US" sz="4000" dirty="0"/>
+              <a:t> In </a:t>
+            </a:r>
+            <a:r>
+              <a:rPr lang="en-US" sz="4000" dirty="0" smtClean="0"/>
+              <a:t>Proc. of ICLP.</a:t>
+            </a:r>
+            <a:endParaRPr lang="en-US" sz="4000" dirty="0"/>
           </a:p>
           <a:p>
             <a:pPr marL="742950" indent="-742950" algn="just">
@@ -4912,128 +4805,38 @@
               <a:buAutoNum type="arabicPeriod"/>
             </a:pPr>
             <a:r>
-              <a:rPr lang="en-US" sz="3800" dirty="0" err="1" smtClean="0"/>
+              <a:rPr lang="en-US" sz="4000" dirty="0" err="1" smtClean="0"/>
               <a:t>Gebser</a:t>
             </a:r>
             <a:r>
-              <a:rPr lang="en-US" sz="3800" dirty="0"/>
+              <a:rPr lang="en-US" sz="4000" dirty="0"/>
               <a:t>, M., Kaminski, R., Kaufmann, B., &amp; Schaub, T. (2014). </a:t>
             </a:r>
             <a:r>
-              <a:rPr lang="en-US" sz="3800" i="1" dirty="0" err="1"/>
+              <a:rPr lang="en-US" sz="4000" i="1" dirty="0" err="1"/>
               <a:t>Clingo</a:t>
             </a:r>
             <a:r>
-              <a:rPr lang="en-US" sz="3800" i="1" dirty="0"/>
+              <a:rPr lang="en-US" sz="4000" i="1" dirty="0"/>
               <a:t> </a:t>
             </a:r>
             <a:r>
-              <a:rPr lang="en-US" sz="3800" i="1" dirty="0" smtClean="0"/>
+              <a:rPr lang="en-US" sz="4000" i="1" dirty="0" smtClean="0"/>
               <a:t>= ASP </a:t>
             </a:r>
             <a:r>
-              <a:rPr lang="en-US" sz="3800" i="1" dirty="0"/>
+              <a:rPr lang="en-US" sz="4000" i="1" dirty="0"/>
               <a:t>+ Control: Preliminary Report. </a:t>
             </a:r>
             <a:r>
-              <a:rPr lang="en-US" sz="3800" dirty="0"/>
-              <a:t> In proceedings of the 2014 </a:t>
-            </a:r>
-            <a:r>
-              <a:rPr lang="en-US" sz="3800" dirty="0" smtClean="0"/>
-              <a:t>Technical Communications </a:t>
-            </a:r>
-            <a:r>
-              <a:rPr lang="en-US" sz="3800" dirty="0"/>
-              <a:t>of the Thirtieth International Conference on Logic </a:t>
-            </a:r>
-            <a:r>
-              <a:rPr lang="en-US" sz="3800" dirty="0" smtClean="0"/>
-              <a:t>Programming</a:t>
-            </a:r>
-            <a:r>
-              <a:rPr lang="en-US" sz="3800" dirty="0"/>
-              <a:t>, 14(4-5).</a:t>
-            </a:r>
-          </a:p>
-          <a:p>
-            <a:pPr marL="742950" indent="-742950" algn="just">
-              <a:buFont typeface="+mj-lt"/>
-              <a:buAutoNum type="arabicPeriod"/>
-            </a:pPr>
-            <a:r>
-              <a:rPr lang="en-US" sz="3800" dirty="0" smtClean="0"/>
-              <a:t>Giannakopoulos</a:t>
-            </a:r>
-            <a:r>
-              <a:rPr lang="en-US" sz="3800" dirty="0"/>
-              <a:t>, I., </a:t>
-            </a:r>
-            <a:r>
-              <a:rPr lang="en-US" sz="3800" dirty="0" err="1"/>
-              <a:t>Karras</a:t>
-            </a:r>
-            <a:r>
-              <a:rPr lang="en-US" sz="3800" dirty="0"/>
-              <a:t>, P., </a:t>
-            </a:r>
-            <a:r>
-              <a:rPr lang="en-US" sz="3800" dirty="0" err="1"/>
-              <a:t>Tsoumakos</a:t>
-            </a:r>
-            <a:r>
-              <a:rPr lang="en-US" sz="3800" dirty="0"/>
-              <a:t>, D., Doka, K., &amp; </a:t>
-            </a:r>
-            <a:r>
-              <a:rPr lang="en-US" sz="3800" dirty="0" err="1"/>
-              <a:t>Koziris</a:t>
-            </a:r>
-            <a:r>
-              <a:rPr lang="en-US" sz="3800" dirty="0"/>
-              <a:t>, N</a:t>
-            </a:r>
-            <a:r>
-              <a:rPr lang="en-US" sz="3800" dirty="0" smtClean="0"/>
-              <a:t>. (</a:t>
-            </a:r>
-            <a:r>
-              <a:rPr lang="en-US" sz="3800" dirty="0"/>
-              <a:t>2015). </a:t>
-            </a:r>
-            <a:r>
-              <a:rPr lang="en-US" sz="3800" i="1" dirty="0"/>
-              <a:t>An Equitable Solution to the Stable Marriage Problem. </a:t>
-            </a:r>
-            <a:r>
-              <a:rPr lang="en-US" sz="3800" dirty="0"/>
+              <a:rPr lang="en-US" sz="4000" dirty="0"/>
               <a:t> In </a:t>
             </a:r>
             <a:r>
-              <a:rPr lang="en-US" sz="3800" dirty="0" smtClean="0"/>
-              <a:t>Proceedings </a:t>
-            </a:r>
-            <a:r>
-              <a:rPr lang="en-US" sz="3800" dirty="0"/>
-              <a:t>of the 2015 IEEE 27th International Conference on Tools with </a:t>
-            </a:r>
-            <a:r>
-              <a:rPr lang="en-US" sz="3800" dirty="0" err="1" smtClean="0"/>
-              <a:t>Articial</a:t>
-            </a:r>
-            <a:r>
-              <a:rPr lang="en-US" sz="3800" dirty="0" smtClean="0"/>
-              <a:t> Intelligence</a:t>
-            </a:r>
-            <a:r>
-              <a:rPr lang="en-US" sz="3800" dirty="0"/>
-              <a:t>, pp. 989-996</a:t>
-            </a:r>
-            <a:r>
-              <a:rPr lang="en-US" sz="3800" dirty="0" smtClean="0"/>
-              <a:t>.</a:t>
-            </a:r>
-            <a:endParaRPr lang="en-US" sz="3800" dirty="0"/>
+              <a:rPr lang="en-US" sz="4000" dirty="0" smtClean="0"/>
+              <a:t>Proc. of ICLP.</a:t>
+            </a:r>
+            <a:endParaRPr lang="en-US" sz="4000" dirty="0"/>
           </a:p>
         </p:txBody>
       </p:sp>
@@ -5045,8 +4848,8 @@
         </p:nvSpPr>
         <p:spPr>
           <a:xfrm>
-            <a:off x="551810" y="6539479"/>
-            <a:ext cx="14405158" cy="4524315"/>
+            <a:off x="527900" y="32977967"/>
+            <a:ext cx="14405158" cy="9694962"/>
           </a:xfrm>
           <a:prstGeom prst="rect">
             <a:avLst/>
@@ -5060,272 +4863,376 @@
           <a:p>
             <a:pPr algn="just"/>
             <a:r>
-              <a:rPr lang="en-US" sz="4800" dirty="0" smtClean="0">
-                <a:solidFill>
-                  <a:srgbClr val="222222"/>
-                </a:solidFill>
-                <a:latin typeface="arial" charset="0"/>
-              </a:rPr>
-              <a:t>Matching </a:t>
-            </a:r>
-            <a:r>
-              <a:rPr lang="en-US" sz="4800" dirty="0">
-                <a:solidFill>
-                  <a:srgbClr val="222222"/>
-                </a:solidFill>
-                <a:latin typeface="arial" charset="0"/>
-              </a:rPr>
-              <a:t>is a daily process for most individuals, </a:t>
-            </a:r>
-            <a:r>
-              <a:rPr lang="en-US" sz="4800" dirty="0" smtClean="0">
-                <a:solidFill>
-                  <a:srgbClr val="222222"/>
-                </a:solidFill>
-                <a:latin typeface="arial" charset="0"/>
-              </a:rPr>
-              <a:t>institutions, and </a:t>
-            </a:r>
-            <a:r>
-              <a:rPr lang="en-US" sz="4800" dirty="0">
-                <a:solidFill>
-                  <a:srgbClr val="222222"/>
-                </a:solidFill>
-                <a:latin typeface="arial" charset="0"/>
-              </a:rPr>
-              <a:t>within the last </a:t>
-            </a:r>
-            <a:r>
-              <a:rPr lang="en-US" sz="4800" dirty="0" smtClean="0">
-                <a:solidFill>
-                  <a:srgbClr val="222222"/>
-                </a:solidFill>
-                <a:latin typeface="arial" charset="0"/>
-              </a:rPr>
-              <a:t>century, robots</a:t>
-            </a:r>
-            <a:r>
-              <a:rPr lang="en-US" sz="4800" dirty="0">
-                <a:solidFill>
-                  <a:srgbClr val="222222"/>
-                </a:solidFill>
-                <a:latin typeface="arial" charset="0"/>
-              </a:rPr>
-              <a:t>. We match all sort of objects and individuals with other objects and individuals to </a:t>
-            </a:r>
-            <a:r>
-              <a:rPr lang="en-US" sz="4800" dirty="0" smtClean="0">
-                <a:solidFill>
-                  <a:srgbClr val="222222"/>
-                </a:solidFill>
-                <a:latin typeface="arial" charset="0"/>
-              </a:rPr>
-              <a:t>find answers </a:t>
-            </a:r>
-            <a:r>
-              <a:rPr lang="en-US" sz="4800" dirty="0">
-                <a:solidFill>
-                  <a:srgbClr val="222222"/>
-                </a:solidFill>
-                <a:latin typeface="arial" charset="0"/>
-              </a:rPr>
-              <a:t>for questions such as “who gets </a:t>
-            </a:r>
-            <a:r>
-              <a:rPr lang="en-US" sz="4800" dirty="0" smtClean="0">
-                <a:solidFill>
-                  <a:srgbClr val="222222"/>
-                </a:solidFill>
-                <a:latin typeface="arial" charset="0"/>
-              </a:rPr>
-              <a:t>what”, “who </a:t>
-            </a:r>
-            <a:r>
-              <a:rPr lang="en-US" sz="4800" dirty="0">
-                <a:solidFill>
-                  <a:srgbClr val="222222"/>
-                </a:solidFill>
-                <a:latin typeface="arial" charset="0"/>
-              </a:rPr>
-              <a:t>works </a:t>
-            </a:r>
-            <a:r>
-              <a:rPr lang="en-US" sz="4800" dirty="0" smtClean="0">
-                <a:solidFill>
-                  <a:srgbClr val="222222"/>
-                </a:solidFill>
-                <a:latin typeface="arial" charset="0"/>
-              </a:rPr>
-              <a:t>where” or  “who </a:t>
-            </a:r>
-            <a:r>
-              <a:rPr lang="en-US" sz="4800" dirty="0">
-                <a:solidFill>
-                  <a:srgbClr val="222222"/>
-                </a:solidFill>
-                <a:latin typeface="arial" charset="0"/>
-              </a:rPr>
-              <a:t>goes to which school</a:t>
-            </a:r>
-            <a:r>
-              <a:rPr lang="en-US" sz="4800" dirty="0" smtClean="0">
-                <a:solidFill>
-                  <a:srgbClr val="222222"/>
-                </a:solidFill>
-                <a:latin typeface="arial" charset="0"/>
-              </a:rPr>
-              <a:t>”.</a:t>
-            </a:r>
-            <a:endParaRPr lang="en-US" sz="4800" dirty="0">
-              <a:solidFill>
-                <a:srgbClr val="222222"/>
-              </a:solidFill>
-              <a:latin typeface="arial" charset="0"/>
+              <a:rPr lang="en-US" sz="4000" dirty="0" smtClean="0">
+                <a:latin typeface="+mn-lt"/>
+              </a:rPr>
+              <a:t>We have modeled SMP in Answer Set Programming (ASP) [2] and used the ASP solver </a:t>
+            </a:r>
+            <a:r>
+              <a:rPr lang="en-US" sz="4000" dirty="0" err="1" smtClean="0">
+                <a:latin typeface="+mn-lt"/>
+              </a:rPr>
+              <a:t>Clingo</a:t>
+            </a:r>
+            <a:r>
+              <a:rPr lang="en-US" sz="4000" dirty="0" smtClean="0">
+                <a:latin typeface="+mn-lt"/>
+              </a:rPr>
+              <a:t> [3] to compute solutions:</a:t>
+            </a:r>
+          </a:p>
+          <a:p>
+            <a:pPr algn="just"/>
+            <a:endParaRPr lang="en-US" sz="4000" dirty="0" smtClean="0">
+              <a:latin typeface="+mn-lt"/>
             </a:endParaRPr>
           </a:p>
-        </p:txBody>
-      </p:sp>
-      <p:sp>
-        <p:nvSpPr>
-          <p:cNvPr id="5" name="Rectangle 4"/>
-          <p:cNvSpPr/>
-          <p:nvPr/>
-        </p:nvSpPr>
-        <p:spPr>
-          <a:xfrm>
-            <a:off x="551810" y="12210473"/>
-            <a:ext cx="14405158" cy="4524315"/>
-          </a:xfrm>
-          <a:prstGeom prst="rect">
-            <a:avLst/>
-          </a:prstGeom>
-        </p:spPr>
-        <p:txBody>
-          <a:bodyPr wrap="square">
-            <a:spAutoFit/>
-          </a:bodyPr>
-          <a:lstStyle/>
           <a:p>
             <a:pPr algn="just"/>
             <a:r>
-              <a:rPr lang="en-US" sz="4800" dirty="0">
-                <a:solidFill>
-                  <a:srgbClr val="222222"/>
-                </a:solidFill>
-                <a:latin typeface="arial" charset="0"/>
-              </a:rPr>
-              <a:t>To </a:t>
-            </a:r>
-            <a:r>
-              <a:rPr lang="en-US" sz="4800" dirty="0" smtClean="0">
-                <a:solidFill>
-                  <a:srgbClr val="222222"/>
-                </a:solidFill>
-                <a:latin typeface="arial" charset="0"/>
-              </a:rPr>
-              <a:t>come </a:t>
-            </a:r>
-            <a:r>
-              <a:rPr lang="en-US" sz="4800" dirty="0">
-                <a:solidFill>
-                  <a:srgbClr val="222222"/>
-                </a:solidFill>
-                <a:latin typeface="arial" charset="0"/>
-              </a:rPr>
-              <a:t>up with an alternative method </a:t>
-            </a:r>
-            <a:r>
-              <a:rPr lang="en-US" sz="4800" dirty="0" smtClean="0">
-                <a:solidFill>
-                  <a:srgbClr val="222222"/>
-                </a:solidFill>
-                <a:latin typeface="arial" charset="0"/>
-              </a:rPr>
-              <a:t>to matching problems, we have used </a:t>
-            </a:r>
-            <a:r>
-              <a:rPr lang="en-US" sz="4800" dirty="0">
-                <a:solidFill>
-                  <a:srgbClr val="222222"/>
-                </a:solidFill>
-                <a:latin typeface="arial" charset="0"/>
-              </a:rPr>
-              <a:t>artificial intelligence methods </a:t>
-            </a:r>
-            <a:r>
-              <a:rPr lang="en-US" sz="4800" dirty="0" smtClean="0">
-                <a:solidFill>
-                  <a:srgbClr val="222222"/>
-                </a:solidFill>
-                <a:latin typeface="arial" charset="0"/>
-              </a:rPr>
-              <a:t>on matching problems, for </a:t>
-            </a:r>
-            <a:r>
-              <a:rPr lang="en-US" sz="4800" dirty="0">
-                <a:solidFill>
-                  <a:srgbClr val="222222"/>
-                </a:solidFill>
-                <a:latin typeface="arial" charset="0"/>
-              </a:rPr>
-              <a:t>the first time in </a:t>
-            </a:r>
-            <a:r>
-              <a:rPr lang="en-US" sz="4800" dirty="0" smtClean="0">
-                <a:solidFill>
-                  <a:srgbClr val="222222"/>
-                </a:solidFill>
-                <a:latin typeface="arial" charset="0"/>
-              </a:rPr>
-              <a:t>the literature as we are aware of. In this project, we have studied one </a:t>
-            </a:r>
-            <a:r>
-              <a:rPr lang="en-US" sz="4800" dirty="0">
-                <a:solidFill>
-                  <a:srgbClr val="222222"/>
-                </a:solidFill>
-                <a:latin typeface="arial" charset="0"/>
-              </a:rPr>
-              <a:t>of the most famous matching </a:t>
-            </a:r>
-            <a:r>
-              <a:rPr lang="en-US" sz="4800" dirty="0" smtClean="0">
-                <a:solidFill>
-                  <a:srgbClr val="222222"/>
-                </a:solidFill>
-                <a:latin typeface="arial" charset="0"/>
-              </a:rPr>
-              <a:t>problems, the stable </a:t>
-            </a:r>
-            <a:r>
-              <a:rPr lang="en-US" sz="4800" dirty="0">
-                <a:solidFill>
-                  <a:srgbClr val="222222"/>
-                </a:solidFill>
-                <a:latin typeface="arial" charset="0"/>
-              </a:rPr>
-              <a:t>marriage </a:t>
-            </a:r>
-            <a:r>
-              <a:rPr lang="en-US" sz="4800" dirty="0" smtClean="0">
-                <a:solidFill>
-                  <a:srgbClr val="222222"/>
-                </a:solidFill>
-                <a:latin typeface="arial" charset="0"/>
-              </a:rPr>
-              <a:t>problem.</a:t>
-            </a:r>
-            <a:endParaRPr lang="en-US" sz="4800" dirty="0">
-              <a:solidFill>
-                <a:srgbClr val="222222"/>
-              </a:solidFill>
-              <a:latin typeface="arial" charset="0"/>
+              <a:rPr lang="en-US" sz="3600" dirty="0">
+                <a:latin typeface="Courier" pitchFamily="49" charset="0"/>
+              </a:rPr>
+              <a:t>% GENERATE </a:t>
+            </a:r>
+            <a:r>
+              <a:rPr lang="en-US" sz="3600" dirty="0" smtClean="0">
+                <a:latin typeface="Courier" pitchFamily="49" charset="0"/>
+              </a:rPr>
+              <a:t>−− generate a matching</a:t>
+            </a:r>
+          </a:p>
+          <a:p>
+            <a:pPr algn="just"/>
+            <a:r>
+              <a:rPr lang="en-US" sz="3600" dirty="0" smtClean="0">
+                <a:latin typeface="Courier" pitchFamily="49" charset="0"/>
+              </a:rPr>
+              <a:t>{marry(M,F): woman(F)} = 1 :− man(M).</a:t>
+            </a:r>
+          </a:p>
+          <a:p>
+            <a:pPr algn="just"/>
+            <a:r>
+              <a:rPr lang="en-US" sz="3600" dirty="0" smtClean="0">
+                <a:latin typeface="Courier" pitchFamily="49" charset="0"/>
+              </a:rPr>
+              <a:t>:</a:t>
+            </a:r>
+            <a:r>
+              <a:rPr lang="en-US" sz="3600" dirty="0">
+                <a:latin typeface="Courier" pitchFamily="49" charset="0"/>
+              </a:rPr>
+              <a:t>− </a:t>
+            </a:r>
+            <a:r>
+              <a:rPr lang="en-US" sz="3600" dirty="0" smtClean="0">
+                <a:latin typeface="Courier" pitchFamily="49" charset="0"/>
+              </a:rPr>
+              <a:t>{marry(M,F): </a:t>
+            </a:r>
+            <a:r>
+              <a:rPr lang="en-US" sz="3600" dirty="0">
+                <a:latin typeface="Courier" pitchFamily="49" charset="0"/>
+              </a:rPr>
+              <a:t>man(M</a:t>
+            </a:r>
+            <a:r>
+              <a:rPr lang="en-US" sz="3600" dirty="0" smtClean="0">
+                <a:latin typeface="Courier" pitchFamily="49" charset="0"/>
+              </a:rPr>
+              <a:t>)} </a:t>
+            </a:r>
+            <a:r>
+              <a:rPr lang="en-US" sz="3600" dirty="0">
+                <a:latin typeface="Courier" pitchFamily="49" charset="0"/>
+              </a:rPr>
+              <a:t>&gt; </a:t>
+            </a:r>
+            <a:r>
+              <a:rPr lang="en-US" sz="3600" dirty="0" smtClean="0">
+                <a:latin typeface="Courier" pitchFamily="49" charset="0"/>
+              </a:rPr>
+              <a:t>1, </a:t>
+            </a:r>
+            <a:r>
+              <a:rPr lang="en-US" sz="3600" dirty="0">
+                <a:latin typeface="Courier" pitchFamily="49" charset="0"/>
+              </a:rPr>
+              <a:t>woman(F</a:t>
+            </a:r>
+            <a:r>
+              <a:rPr lang="en-US" sz="3600" dirty="0" smtClean="0">
+                <a:latin typeface="Courier" pitchFamily="49" charset="0"/>
+              </a:rPr>
+              <a:t>).</a:t>
+            </a:r>
+            <a:endParaRPr lang="en-US" sz="3600" dirty="0">
+              <a:latin typeface="Courier" pitchFamily="49" charset="0"/>
             </a:endParaRPr>
           </a:p>
-        </p:txBody>
-      </p:sp>
-      <mc:AlternateContent xmlns:mc="http://schemas.openxmlformats.org/markup-compatibility/2006" xmlns:a14="http://schemas.microsoft.com/office/drawing/2010/main">
-        <mc:Choice Requires="a14">
+          <a:p>
+            <a:pPr algn="just"/>
+            <a:endParaRPr lang="en-US" sz="3600" dirty="0">
+              <a:latin typeface="Courier" pitchFamily="49" charset="0"/>
+            </a:endParaRPr>
+          </a:p>
+          <a:p>
+            <a:pPr algn="just"/>
+            <a:r>
+              <a:rPr lang="en-US" sz="3600" dirty="0" smtClean="0">
+                <a:latin typeface="Courier" pitchFamily="49" charset="0"/>
+              </a:rPr>
+              <a:t>% </a:t>
+            </a:r>
+            <a:r>
+              <a:rPr lang="en-US" sz="3600" dirty="0">
+                <a:latin typeface="Courier" pitchFamily="49" charset="0"/>
+              </a:rPr>
+              <a:t>DEFINE </a:t>
+            </a:r>
+            <a:r>
+              <a:rPr lang="en-US" sz="3600" dirty="0" smtClean="0">
+                <a:latin typeface="Courier" pitchFamily="49" charset="0"/>
+              </a:rPr>
+              <a:t>–- define preferences qualitatively</a:t>
+            </a:r>
+            <a:endParaRPr lang="en-US" sz="3600" dirty="0">
+              <a:latin typeface="Courier" pitchFamily="49" charset="0"/>
+            </a:endParaRPr>
+          </a:p>
+          <a:p>
+            <a:pPr algn="just"/>
+            <a:r>
+              <a:rPr lang="en-US" sz="3600" dirty="0" err="1" smtClean="0">
+                <a:latin typeface="Courier" pitchFamily="49" charset="0"/>
+              </a:rPr>
+              <a:t>mprefer</a:t>
+            </a:r>
+            <a:r>
+              <a:rPr lang="en-US" sz="3600" dirty="0" smtClean="0">
+                <a:latin typeface="Courier" pitchFamily="49" charset="0"/>
+              </a:rPr>
+              <a:t>(M,DF,CF</a:t>
+            </a:r>
+            <a:r>
+              <a:rPr lang="en-US" sz="3600" dirty="0">
+                <a:latin typeface="Courier" pitchFamily="49" charset="0"/>
+              </a:rPr>
+              <a:t>) :− </a:t>
+            </a:r>
+            <a:r>
+              <a:rPr lang="en-US" sz="3600" dirty="0" err="1" smtClean="0">
+                <a:latin typeface="Courier" pitchFamily="49" charset="0"/>
+              </a:rPr>
+              <a:t>mpref</a:t>
+            </a:r>
+            <a:r>
+              <a:rPr lang="en-US" sz="3600" dirty="0" smtClean="0">
+                <a:latin typeface="Courier" pitchFamily="49" charset="0"/>
+              </a:rPr>
+              <a:t>(M,CF,CUR), </a:t>
+            </a:r>
+          </a:p>
+          <a:p>
+            <a:pPr algn="just"/>
+            <a:r>
+              <a:rPr lang="en-US" sz="3600" dirty="0">
+                <a:latin typeface="Courier" pitchFamily="49" charset="0"/>
+              </a:rPr>
+              <a:t> </a:t>
+            </a:r>
+            <a:r>
+              <a:rPr lang="en-US" sz="3600" dirty="0" smtClean="0">
+                <a:latin typeface="Courier" pitchFamily="49" charset="0"/>
+              </a:rPr>
+              <a:t>  </a:t>
+            </a:r>
+            <a:r>
+              <a:rPr lang="en-US" sz="3600" dirty="0" err="1" smtClean="0">
+                <a:latin typeface="Courier" pitchFamily="49" charset="0"/>
+              </a:rPr>
+              <a:t>mpref</a:t>
+            </a:r>
+            <a:r>
+              <a:rPr lang="en-US" sz="3600" dirty="0" smtClean="0">
+                <a:latin typeface="Courier" pitchFamily="49" charset="0"/>
+              </a:rPr>
+              <a:t>(M,DF,DEV), </a:t>
+            </a:r>
+            <a:r>
+              <a:rPr lang="en-US" sz="3600" dirty="0">
+                <a:latin typeface="Courier" pitchFamily="49" charset="0"/>
+              </a:rPr>
+              <a:t>DEV &lt; CUR.</a:t>
+            </a:r>
+          </a:p>
+          <a:p>
+            <a:pPr algn="just"/>
+            <a:r>
+              <a:rPr lang="en-US" sz="3600" dirty="0" err="1" smtClean="0">
+                <a:latin typeface="Courier" pitchFamily="49" charset="0"/>
+              </a:rPr>
+              <a:t>wprefer</a:t>
+            </a:r>
+            <a:r>
+              <a:rPr lang="en-US" sz="3600" dirty="0" smtClean="0">
+                <a:latin typeface="Courier" pitchFamily="49" charset="0"/>
+              </a:rPr>
+              <a:t>(F,DM,CM</a:t>
+            </a:r>
+            <a:r>
+              <a:rPr lang="en-US" sz="3600" dirty="0">
+                <a:latin typeface="Courier" pitchFamily="49" charset="0"/>
+              </a:rPr>
+              <a:t>) :− </a:t>
+            </a:r>
+            <a:r>
+              <a:rPr lang="en-US" sz="3600" dirty="0" err="1" smtClean="0">
+                <a:latin typeface="Courier" pitchFamily="49" charset="0"/>
+              </a:rPr>
+              <a:t>wpref</a:t>
+            </a:r>
+            <a:r>
+              <a:rPr lang="en-US" sz="3600" dirty="0" smtClean="0">
+                <a:latin typeface="Courier" pitchFamily="49" charset="0"/>
+              </a:rPr>
+              <a:t>(F,CM,CUR), </a:t>
+            </a:r>
+          </a:p>
+          <a:p>
+            <a:pPr algn="just"/>
+            <a:r>
+              <a:rPr lang="en-US" sz="3600" dirty="0">
+                <a:latin typeface="Courier" pitchFamily="49" charset="0"/>
+              </a:rPr>
+              <a:t> </a:t>
+            </a:r>
+            <a:r>
+              <a:rPr lang="en-US" sz="3600" dirty="0" smtClean="0">
+                <a:latin typeface="Courier" pitchFamily="49" charset="0"/>
+              </a:rPr>
+              <a:t>  </a:t>
+            </a:r>
+            <a:r>
+              <a:rPr lang="en-US" sz="3600" dirty="0" err="1" smtClean="0">
+                <a:latin typeface="Courier" pitchFamily="49" charset="0"/>
+              </a:rPr>
+              <a:t>wpref</a:t>
+            </a:r>
+            <a:r>
+              <a:rPr lang="en-US" sz="3600" dirty="0" smtClean="0">
+                <a:latin typeface="Courier" pitchFamily="49" charset="0"/>
+              </a:rPr>
+              <a:t>(F,DM,DEV), </a:t>
+            </a:r>
+            <a:r>
+              <a:rPr lang="en-US" sz="3600" dirty="0">
+                <a:latin typeface="Courier" pitchFamily="49" charset="0"/>
+              </a:rPr>
+              <a:t>DEV &lt; CUR.</a:t>
+            </a:r>
+          </a:p>
+          <a:p>
+            <a:pPr algn="just"/>
+            <a:endParaRPr lang="en-US" sz="3600" dirty="0">
+              <a:latin typeface="Courier" pitchFamily="49" charset="0"/>
+            </a:endParaRPr>
+          </a:p>
+          <a:p>
+            <a:pPr algn="just"/>
+            <a:r>
+              <a:rPr lang="en-US" sz="3600" dirty="0" smtClean="0">
+                <a:latin typeface="Courier" pitchFamily="49" charset="0"/>
+              </a:rPr>
+              <a:t>% </a:t>
+            </a:r>
+            <a:r>
+              <a:rPr lang="en-US" sz="3600" dirty="0">
+                <a:latin typeface="Courier" pitchFamily="49" charset="0"/>
+              </a:rPr>
+              <a:t>TEST </a:t>
+            </a:r>
+            <a:r>
+              <a:rPr lang="en-US" sz="3600" dirty="0" smtClean="0">
+                <a:latin typeface="Courier" pitchFamily="49" charset="0"/>
+              </a:rPr>
+              <a:t>– ensure nonexistence of a blocking pair</a:t>
+            </a:r>
+          </a:p>
+          <a:p>
+            <a:pPr algn="just"/>
+            <a:r>
+              <a:rPr lang="en-US" sz="3600" dirty="0" smtClean="0">
+                <a:latin typeface="Courier" pitchFamily="49" charset="0"/>
+              </a:rPr>
+              <a:t>:− marry(M1,F1), marry(M2,F2),</a:t>
+            </a:r>
+            <a:endParaRPr lang="en-US" sz="3600" dirty="0">
+              <a:latin typeface="Courier" pitchFamily="49" charset="0"/>
+            </a:endParaRPr>
+          </a:p>
+          <a:p>
+            <a:pPr algn="just"/>
+            <a:r>
+              <a:rPr lang="en-US" sz="3600" dirty="0" smtClean="0">
+                <a:latin typeface="Courier" pitchFamily="49" charset="0"/>
+              </a:rPr>
+              <a:t>   </a:t>
+            </a:r>
+            <a:r>
+              <a:rPr lang="en-US" sz="3600" dirty="0" err="1" smtClean="0">
+                <a:latin typeface="Courier" pitchFamily="49" charset="0"/>
+              </a:rPr>
+              <a:t>mprefer</a:t>
+            </a:r>
+            <a:r>
+              <a:rPr lang="en-US" sz="3600" dirty="0" smtClean="0">
+                <a:latin typeface="Courier" pitchFamily="49" charset="0"/>
+              </a:rPr>
+              <a:t>(M1,F2,F1), </a:t>
+            </a:r>
+            <a:r>
+              <a:rPr lang="en-US" sz="3600" dirty="0" err="1" smtClean="0">
+                <a:latin typeface="Courier" pitchFamily="49" charset="0"/>
+              </a:rPr>
+              <a:t>wprefer</a:t>
+            </a:r>
+            <a:r>
+              <a:rPr lang="en-US" sz="3600" dirty="0" smtClean="0">
+                <a:latin typeface="Courier" pitchFamily="49" charset="0"/>
+              </a:rPr>
+              <a:t>(F2,M1,M2),</a:t>
+            </a:r>
+          </a:p>
+          <a:p>
+            <a:pPr algn="just"/>
+            <a:r>
+              <a:rPr lang="en-US" sz="3600" dirty="0" smtClean="0">
+                <a:latin typeface="Courier" pitchFamily="49" charset="0"/>
+              </a:rPr>
+              <a:t>   man(M1;M2</a:t>
+            </a:r>
+            <a:r>
+              <a:rPr lang="en-US" sz="3600" dirty="0">
+                <a:latin typeface="Courier" pitchFamily="49" charset="0"/>
+              </a:rPr>
+              <a:t>), woman(F1;F2</a:t>
+            </a:r>
+            <a:r>
+              <a:rPr lang="en-US" sz="3600" dirty="0" smtClean="0">
+                <a:latin typeface="Courier" pitchFamily="49" charset="0"/>
+              </a:rPr>
+              <a:t>).</a:t>
+            </a:r>
+            <a:endParaRPr lang="en-US" sz="4000" dirty="0" smtClean="0">
+              <a:latin typeface="Courier" pitchFamily="49" charset="0"/>
+            </a:endParaRPr>
+          </a:p>
+        </p:txBody>
+      </p:sp>
+      <mc:AlternateContent xmlns:mc="http://schemas.openxmlformats.org/markup-compatibility/2006">
+        <mc:Choice xmlns:a14="http://schemas.microsoft.com/office/drawing/2010/main" Requires="a14">
           <p:sp>
             <p:nvSpPr>
               <p:cNvPr id="6" name="TextBox 5"/>
@@ -5334,8 +5241,8 @@
             </p:nvSpPr>
             <p:spPr>
               <a:xfrm>
-                <a:off x="551811" y="17975661"/>
-                <a:ext cx="14405158" cy="9694962"/>
+                <a:off x="547496" y="15187386"/>
+                <a:ext cx="14405158" cy="6863417"/>
               </a:xfrm>
               <a:prstGeom prst="rect">
                 <a:avLst/>
@@ -5350,35 +5257,51 @@
               <a:p>
                 <a:pPr algn="just"/>
                 <a:r>
-                  <a:rPr lang="en-US" sz="4800" dirty="0" smtClean="0"/>
+                  <a:rPr lang="en-US" sz="4000" dirty="0" smtClean="0"/>
                   <a:t>Stable </a:t>
                 </a:r>
                 <a:r>
-                  <a:rPr lang="en-US" sz="4800" dirty="0"/>
+                  <a:rPr lang="en-US" sz="4000" dirty="0"/>
                   <a:t>marriage </a:t>
                 </a:r>
                 <a:r>
-                  <a:rPr lang="en-US" sz="4800" dirty="0" smtClean="0"/>
-                  <a:t>problem (SMP) is one of the earliest and the most famous problem in matching theory. </a:t>
+                  <a:rPr lang="en-US" sz="4000" dirty="0" smtClean="0"/>
+                  <a:t>problem (SMP) is one of the earliest </a:t>
                 </a:r>
                 <a:r>
-                  <a:rPr lang="en-US" sz="4800" dirty="0"/>
-                  <a:t> </a:t>
+                  <a:rPr lang="en-US" sz="4000" dirty="0" smtClean="0"/>
+                  <a:t>problems studied </a:t>
                 </a:r>
                 <a:r>
-                  <a:rPr lang="en-US" sz="4800" dirty="0" smtClean="0"/>
-                  <a:t>In SMP, the objective is to find stable marriages given a list of </a:t>
+                  <a:rPr lang="en-US" sz="4000" dirty="0" smtClean="0"/>
+                  <a:t>in matching </a:t>
+                </a:r>
+                <a:r>
+                  <a:rPr lang="en-US" sz="4000" dirty="0" smtClean="0"/>
+                  <a:t>theory [1</a:t>
+                </a:r>
+                <a:r>
+                  <a:rPr lang="en-US" sz="4000" dirty="0"/>
+                  <a:t>]. </a:t>
+                </a:r>
+                <a:r>
+                  <a:rPr lang="en-US" sz="4000" dirty="0" smtClean="0"/>
+                  <a:t>In SMP, the </a:t>
+                </a:r>
+                <a:r>
+                  <a:rPr lang="en-US" sz="4000" dirty="0"/>
+                  <a:t>objective is to find stable marriages between </a:t>
                 </a:r>
                 <a14:m>
                   <m:oMath xmlns:m="http://schemas.openxmlformats.org/officeDocument/2006/math">
                     <m:r>
-                      <a:rPr lang="tr-TR" sz="4800" b="0" i="1" smtClean="0">
+                      <a:rPr lang="tr-TR" sz="4000" i="1">
                         <a:latin typeface="Cambria Math" charset="0"/>
                       </a:rPr>
                       <m:t>𝑛</m:t>
                     </m:r>
                     <m:r>
-                      <a:rPr lang="tr-TR" sz="4800" b="0" i="1" smtClean="0">
+                      <a:rPr lang="tr-TR" sz="4000" i="1">
                         <a:latin typeface="Cambria Math" charset="0"/>
                       </a:rPr>
                       <m:t> </m:t>
@@ -5386,25 +5309,25 @@
                   </m:oMath>
                 </a14:m>
                 <a:r>
-                  <a:rPr lang="en-US" sz="4800" dirty="0" smtClean="0"/>
+                  <a:rPr lang="en-US" sz="4000" dirty="0"/>
                   <a:t>men and </a:t>
                 </a:r>
                 <a14:m>
                   <m:oMath xmlns:m="http://schemas.openxmlformats.org/officeDocument/2006/math">
                     <m:r>
-                      <a:rPr lang="tr-TR" sz="4800" i="1">
+                      <a:rPr lang="tr-TR" sz="4000" i="1">
                         <a:latin typeface="Cambria Math" charset="0"/>
                       </a:rPr>
                       <m:t>𝑛</m:t>
                     </m:r>
                     <m:r>
-                      <a:rPr lang="tr-TR" sz="4800" i="1">
+                      <a:rPr lang="tr-TR" sz="4000" i="1">
                         <a:latin typeface="Cambria Math" charset="0"/>
                       </a:rPr>
                       <m:t> </m:t>
                     </m:r>
                     <m:r>
-                      <a:rPr lang="tr-TR" sz="4800" b="0" i="0" smtClean="0">
+                      <a:rPr lang="tr-TR" sz="4000">
                         <a:latin typeface="Cambria Math" charset="0"/>
                       </a:rPr>
                       <m:t> </m:t>
@@ -5412,69 +5335,54 @@
                   </m:oMath>
                 </a14:m>
                 <a:r>
-                  <a:rPr lang="en-US" sz="4800" dirty="0" smtClean="0"/>
-                  <a:t>women with the complete preference lists of each men and women. </a:t>
+                  <a:rPr lang="en-US" sz="4000" dirty="0"/>
+                  <a:t>women, given the complete preference lists for each man and woman. </a:t>
                 </a:r>
               </a:p>
               <a:p>
                 <a:pPr algn="just"/>
-                <a:r>
-                  <a:rPr lang="en-US" sz="4800" dirty="0" smtClean="0"/>
-                  <a:t>In SMP, a marriage </a:t>
-                </a:r>
-                <a:r>
-                  <a:rPr lang="en-US" sz="4800" dirty="0"/>
-                  <a:t>is stable if and only if there is no</a:t>
-                </a:r>
+                <a:endParaRPr lang="en-US" sz="4000" dirty="0"/>
               </a:p>
               <a:p>
                 <a:pPr algn="just"/>
                 <a:r>
-                  <a:rPr lang="en-US" sz="4800" dirty="0"/>
-                  <a:t>blocking pair. A blocking pair is </a:t>
+                  <a:rPr lang="en-US" sz="4000" dirty="0"/>
+                  <a:t>A </a:t>
                 </a:r>
                 <a:r>
-                  <a:rPr lang="en-US" sz="4800" dirty="0" smtClean="0"/>
-                  <a:t>defined as a </a:t>
+                  <a:rPr lang="en-US" sz="4000" dirty="0" smtClean="0"/>
+                  <a:t>set of marriages is </a:t>
                 </a:r>
                 <a:r>
-                  <a:rPr lang="en-US" sz="4800" dirty="0"/>
-                  <a:t>pair of man and woman that are not </a:t>
+                  <a:rPr lang="en-US" sz="4000" dirty="0"/>
+                  <a:t>stable if </a:t>
                 </a:r>
                 <a:r>
-                  <a:rPr lang="en-US" sz="4800" dirty="0" smtClean="0"/>
-                  <a:t>married together</a:t>
+                  <a:rPr lang="en-US" sz="4000" dirty="0" smtClean="0"/>
+                  <a:t>there </a:t>
                 </a:r>
                 <a:r>
-                  <a:rPr lang="en-US" sz="4800" dirty="0"/>
-                  <a:t>, but they both prefer each other to their spouses. In case there </a:t>
+                  <a:rPr lang="en-US" sz="4000" dirty="0"/>
+                  <a:t>is no blocking pair, i.e., a pair of man and woman who are not married but prefer each other to their spouses. Intuitively, if there is a blocking pair, then this pair of man and woman would divorce from their spouses to marry with each other; therefore, the matching </a:t>
                 </a:r>
                 <a:r>
-                  <a:rPr lang="en-US" sz="4800" dirty="0" smtClean="0"/>
-                  <a:t>exists a </a:t>
+                  <a:rPr lang="en-US" sz="4000" dirty="0" smtClean="0"/>
+                  <a:t>would not </a:t>
                 </a:r>
                 <a:r>
-                  <a:rPr lang="en-US" sz="4800" dirty="0"/>
-                  <a:t>blocking pair, this pair of man and woman would divorce from their </a:t>
+                  <a:rPr lang="en-US" sz="4000" dirty="0"/>
+                  <a:t>be stable</a:t>
                 </a:r>
                 <a:r>
-                  <a:rPr lang="en-US" sz="4800" dirty="0" smtClean="0"/>
-                  <a:t>spouses to </a:t>
-                </a:r>
-                <a:r>
-                  <a:rPr lang="en-US" sz="4800" dirty="0"/>
-                  <a:t>marry with each other, therefore the matching wouldn't be stable</a:t>
-                </a:r>
-                <a:r>
-                  <a:rPr lang="en-US" sz="4800" dirty="0" smtClean="0"/>
+                  <a:rPr lang="en-US" sz="4000" dirty="0" smtClean="0"/>
                   <a:t>.</a:t>
                 </a:r>
-                <a:endParaRPr lang="en-US" sz="4800" dirty="0"/>
+                <a:endParaRPr lang="en-US" sz="4000" dirty="0"/>
               </a:p>
             </p:txBody>
           </p:sp>
         </mc:Choice>
-        <mc:Fallback xmlns="">
+        <mc:Fallback>
           <p:sp>
             <p:nvSpPr>
               <p:cNvPr id="6" name="TextBox 5"/>
@@ -5485,8 +5393,8 @@
             </p:nvSpPr>
             <p:spPr>
               <a:xfrm>
-                <a:off x="551811" y="17975661"/>
-                <a:ext cx="14405158" cy="9694962"/>
+                <a:off x="547496" y="15187386"/>
+                <a:ext cx="14405158" cy="6863417"/>
               </a:xfrm>
               <a:prstGeom prst="rect">
                 <a:avLst/>
@@ -5494,7 +5402,7 @@
               <a:blipFill rotWithShape="0">
                 <a:blip r:embed="rId3"/>
                 <a:stretch>
-                  <a:fillRect l="-1947" t="-1509" r="-1904" b="-2327"/>
+                  <a:fillRect l="-1523" t="-1599" r="-1481" b="-2842"/>
                 </a:stretch>
               </a:blipFill>
             </p:spPr>
@@ -5535,7 +5443,7 @@
         </p:blipFill>
         <p:spPr>
           <a:xfrm>
-            <a:off x="551810" y="28083777"/>
+            <a:off x="499674" y="22437689"/>
             <a:ext cx="14400844" cy="8086628"/>
           </a:xfrm>
           <a:prstGeom prst="rect">
@@ -5551,8 +5459,8 @@
         </p:nvSpPr>
         <p:spPr>
           <a:xfrm>
-            <a:off x="551810" y="36574080"/>
-            <a:ext cx="14400844" cy="677108"/>
+            <a:off x="551810" y="30559150"/>
+            <a:ext cx="14400844" cy="584775"/>
           </a:xfrm>
           <a:prstGeom prst="rect">
             <a:avLst/>
@@ -5567,40 +5475,225 @@
           <a:p>
             <a:pPr algn="ctr"/>
             <a:r>
-              <a:rPr lang="en-US" sz="3600" dirty="0"/>
+              <a:rPr lang="en-US" sz="2800" dirty="0"/>
               <a:t>Source: https://</a:t>
             </a:r>
             <a:r>
-              <a:rPr lang="en-US" sz="3800" dirty="0" err="1"/>
+              <a:rPr lang="en-US" sz="3200" dirty="0" err="1"/>
               <a:t>www.youtube.com</a:t>
             </a:r>
             <a:r>
-              <a:rPr lang="en-US" sz="3800" dirty="0"/>
+              <a:rPr lang="en-US" sz="3200" dirty="0"/>
               <a:t>/</a:t>
             </a:r>
             <a:r>
-              <a:rPr lang="en-US" sz="3800" dirty="0" err="1"/>
+              <a:rPr lang="en-US" sz="3200" dirty="0" err="1"/>
               <a:t>watch?v</a:t>
             </a:r>
             <a:r>
-              <a:rPr lang="en-US" sz="3800" dirty="0"/>
+              <a:rPr lang="en-US" sz="3200" dirty="0"/>
               <a:t>=Dm7OQr53xKY</a:t>
             </a:r>
           </a:p>
         </p:txBody>
       </p:sp>
-      <mc:AlternateContent xmlns:mc="http://schemas.openxmlformats.org/markup-compatibility/2006" xmlns:a14="http://schemas.microsoft.com/office/drawing/2010/main">
-        <mc:Choice Requires="a14">
+      <p:sp>
+        <p:nvSpPr>
+          <p:cNvPr id="12" name="TextBox 11"/>
+          <p:cNvSpPr txBox="1"/>
+          <p:nvPr/>
+        </p:nvSpPr>
+        <p:spPr>
+          <a:xfrm>
+            <a:off x="15498442" y="6828500"/>
+            <a:ext cx="14320584" cy="9325630"/>
+          </a:xfrm>
+          <a:prstGeom prst="rect">
+            <a:avLst/>
+          </a:prstGeom>
+          <a:noFill/>
+        </p:spPr>
+        <p:txBody>
+          <a:bodyPr wrap="square" rtlCol="0">
+            <a:spAutoFit/>
+          </a:bodyPr>
+          <a:lstStyle/>
+          <a:p>
+            <a:pPr algn="just"/>
+            <a:r>
+              <a:rPr lang="en-US" sz="4000" dirty="0" smtClean="0"/>
+              <a:t>Stable marriage problem with </a:t>
+            </a:r>
+            <a:r>
+              <a:rPr lang="en-US" sz="4000" dirty="0"/>
+              <a:t>unacceptability and ties (SMPTI) is a </a:t>
+            </a:r>
+            <a:r>
+              <a:rPr lang="en-US" sz="4000" dirty="0" smtClean="0"/>
+              <a:t>variant of </a:t>
+            </a:r>
+            <a:r>
+              <a:rPr lang="en-US" sz="4000" dirty="0" smtClean="0"/>
+              <a:t>SMP, where </a:t>
+            </a:r>
+          </a:p>
+          <a:p>
+            <a:pPr marL="685800" indent="-685800" algn="just">
+              <a:buFont typeface="Arial" panose="020B0604020202020204" pitchFamily="34" charset="0"/>
+              <a:buChar char="•"/>
+            </a:pPr>
+            <a:r>
+              <a:rPr lang="en-US" sz="4000" dirty="0"/>
+              <a:t>t</a:t>
+            </a:r>
+            <a:r>
+              <a:rPr lang="en-US" sz="4000" dirty="0" smtClean="0"/>
+              <a:t>here can be different numbers of men, and </a:t>
+            </a:r>
+          </a:p>
+          <a:p>
+            <a:pPr marL="685800" indent="-685800" algn="just">
+              <a:buFont typeface="Arial" panose="020B0604020202020204" pitchFamily="34" charset="0"/>
+              <a:buChar char="•"/>
+            </a:pPr>
+            <a:r>
+              <a:rPr lang="en-US" sz="4000" dirty="0"/>
+              <a:t>t</a:t>
+            </a:r>
+            <a:r>
+              <a:rPr lang="en-US" sz="4000" dirty="0" smtClean="0"/>
+              <a:t>he preferences </a:t>
+            </a:r>
+            <a:r>
+              <a:rPr lang="en-US" sz="4000" dirty="0"/>
+              <a:t>of men and women do not have to be complete and </a:t>
+            </a:r>
+            <a:r>
+              <a:rPr lang="en-US" sz="4000" dirty="0" smtClean="0"/>
+              <a:t>may </a:t>
+            </a:r>
+            <a:r>
+              <a:rPr lang="en-US" sz="4000" dirty="0"/>
+              <a:t>include </a:t>
+            </a:r>
+            <a:r>
+              <a:rPr lang="en-US" sz="4000" dirty="0" smtClean="0"/>
+              <a:t>ties. </a:t>
+            </a:r>
+            <a:endParaRPr lang="en-US" sz="4000" dirty="0"/>
+          </a:p>
+          <a:p>
+            <a:pPr algn="just"/>
+            <a:r>
+              <a:rPr lang="en-US" sz="4000" dirty="0" smtClean="0"/>
+              <a:t>As </a:t>
+            </a:r>
+            <a:r>
+              <a:rPr lang="en-US" sz="4000" dirty="0"/>
+              <a:t>a </a:t>
+            </a:r>
+            <a:r>
+              <a:rPr lang="en-US" sz="4000" dirty="0" smtClean="0"/>
+              <a:t>result, in </a:t>
+            </a:r>
+            <a:r>
+              <a:rPr lang="en-US" sz="4000" dirty="0"/>
+              <a:t>SMPTI, </a:t>
+            </a:r>
+            <a:r>
+              <a:rPr lang="en-US" sz="4000" dirty="0" smtClean="0"/>
+              <a:t>some men </a:t>
+            </a:r>
+            <a:r>
+              <a:rPr lang="en-US" sz="4000" dirty="0"/>
+              <a:t>and </a:t>
+            </a:r>
+            <a:r>
+              <a:rPr lang="en-US" sz="4000" dirty="0" smtClean="0"/>
+              <a:t>women may </a:t>
+            </a:r>
+            <a:r>
+              <a:rPr lang="en-US" sz="4000" dirty="0"/>
+              <a:t>be </a:t>
+            </a:r>
+            <a:r>
+              <a:rPr lang="en-US" sz="4000" dirty="0" smtClean="0"/>
+              <a:t>single</a:t>
+            </a:r>
+            <a:r>
+              <a:rPr lang="en-US" sz="4000" dirty="0" smtClean="0"/>
+              <a:t>.</a:t>
+            </a:r>
+          </a:p>
+          <a:p>
+            <a:pPr algn="just"/>
+            <a:endParaRPr lang="en-US" sz="4000" dirty="0"/>
+          </a:p>
+          <a:p>
+            <a:pPr algn="just"/>
+            <a:r>
+              <a:rPr lang="en-US" sz="4000" dirty="0" smtClean="0"/>
+              <a:t>In SMPTI, </a:t>
+            </a:r>
+            <a:r>
+              <a:rPr lang="en-US" sz="4000" dirty="0" smtClean="0"/>
+              <a:t>a </a:t>
+            </a:r>
+            <a:r>
+              <a:rPr lang="en-US" sz="4000" dirty="0" smtClean="0"/>
+              <a:t>pair of man and woman </a:t>
+            </a:r>
+            <a:r>
+              <a:rPr lang="en-US" sz="4000" dirty="0" smtClean="0"/>
+              <a:t>is a </a:t>
+            </a:r>
+            <a:r>
+              <a:rPr lang="en-US" sz="4000" dirty="0"/>
+              <a:t>blocking pair </a:t>
+            </a:r>
+            <a:r>
+              <a:rPr lang="en-US" sz="4000" dirty="0" smtClean="0"/>
+              <a:t>if they </a:t>
+            </a:r>
+            <a:r>
+              <a:rPr lang="en-US" sz="4000" dirty="0" smtClean="0"/>
+              <a:t>are not married and each of them is either single and finds the other one acceptable, or  married and prefers the other one to his/her actual partner</a:t>
+            </a:r>
+            <a:r>
+              <a:rPr lang="en-US" sz="4000" dirty="0" smtClean="0"/>
+              <a:t>.</a:t>
+            </a:r>
+          </a:p>
+          <a:p>
+            <a:pPr algn="just"/>
+            <a:endParaRPr lang="en-US" sz="4000" dirty="0"/>
+          </a:p>
+          <a:p>
+            <a:pPr algn="just"/>
+            <a:r>
+              <a:rPr lang="en-US" sz="4000" dirty="0" smtClean="0"/>
+              <a:t>To solve SMPTI, w</a:t>
+            </a:r>
+            <a:r>
+              <a:rPr lang="en-US" sz="4000" dirty="0" smtClean="0"/>
+              <a:t>e have extended our ASP model with a definition of acceptability, and added relevant constraints to avoid blocking pairs.</a:t>
+            </a:r>
+            <a:endParaRPr lang="en-US" sz="4000" dirty="0"/>
+          </a:p>
+        </p:txBody>
+      </p:sp>
+      <mc:AlternateContent xmlns:mc="http://schemas.openxmlformats.org/markup-compatibility/2006">
+        <mc:Choice xmlns:a14="http://schemas.microsoft.com/office/drawing/2010/main" Requires="a14">
           <p:sp>
             <p:nvSpPr>
-              <p:cNvPr id="12" name="TextBox 11"/>
+              <p:cNvPr id="13" name="TextBox 12"/>
               <p:cNvSpPr txBox="1"/>
               <p:nvPr/>
             </p:nvSpPr>
             <p:spPr>
               <a:xfrm>
-                <a:off x="15502759" y="6533431"/>
-                <a:ext cx="14320584" cy="10433625"/>
+                <a:off x="15498443" y="17972921"/>
+                <a:ext cx="14324900" cy="14316227"/>
               </a:xfrm>
               <a:prstGeom prst="rect">
                 <a:avLst/>
@@ -5615,65 +5708,19 @@
               <a:p>
                 <a:pPr algn="just"/>
                 <a:r>
-                  <a:rPr lang="en-US" sz="4800" dirty="0" smtClean="0"/>
-                  <a:t>Stable marriage </a:t>
-                </a:r>
-                <a:r>
-                  <a:rPr lang="en-US" sz="4800" dirty="0"/>
-                  <a:t>problem with unacceptability and ties (SMPTI) is a </a:t>
-                </a:r>
-                <a:r>
-                  <a:rPr lang="en-US" sz="4800" dirty="0" smtClean="0"/>
-                  <a:t>variant of </a:t>
-                </a:r>
-                <a:r>
-                  <a:rPr lang="en-US" sz="4800" dirty="0"/>
-                  <a:t>the stable </a:t>
-                </a:r>
-                <a:r>
-                  <a:rPr lang="en-US" sz="4800" dirty="0" smtClean="0"/>
-                  <a:t>marriage problem </a:t>
-                </a:r>
-                <a:r>
-                  <a:rPr lang="en-US" sz="4800" dirty="0"/>
-                  <a:t>with a few </a:t>
-                </a:r>
-                <a:r>
-                  <a:rPr lang="en-US" sz="4800" dirty="0" smtClean="0"/>
-                  <a:t>differences. On </a:t>
-                </a:r>
-                <a:r>
-                  <a:rPr lang="en-US" sz="4800" dirty="0"/>
-                  <a:t>the contrary to an SMP instance </a:t>
-                </a:r>
-                <a:r>
-                  <a:rPr lang="en-US" sz="4800" dirty="0" smtClean="0"/>
-                  <a:t>consisting of </a:t>
+                  <a:rPr lang="en-US" sz="4000" dirty="0" smtClean="0"/>
+                  <a:t>Let </a:t>
                 </a:r>
                 <a14:m>
                   <m:oMath xmlns:m="http://schemas.openxmlformats.org/officeDocument/2006/math">
                     <m:r>
-                      <a:rPr lang="tr-TR" sz="4800" b="0" i="1" smtClean="0">
+                      <a:rPr lang="tr-TR" sz="4000" i="1">
                         <a:latin typeface="Cambria Math" charset="0"/>
                       </a:rPr>
-                      <m:t>𝑛</m:t>
-                    </m:r>
-                  </m:oMath>
-                </a14:m>
-                <a:r>
-                  <a:rPr lang="en-US" sz="4800" dirty="0"/>
-                  <a:t> men and </a:t>
-                </a:r>
-                <a14:m>
-                  <m:oMath xmlns:m="http://schemas.openxmlformats.org/officeDocument/2006/math">
-                    <m:r>
-                      <a:rPr lang="tr-TR" sz="4800" i="1">
-                        <a:latin typeface="Cambria Math" charset="0"/>
-                      </a:rPr>
-                      <m:t>𝑛</m:t>
+                      <m:t>𝑆</m:t>
                     </m:r>
                     <m:r>
-                      <a:rPr lang="tr-TR" sz="4800" i="1">
+                      <a:rPr lang="tr-TR" sz="4000" i="1">
                         <a:latin typeface="Cambria Math" charset="0"/>
                       </a:rPr>
                       <m:t> </m:t>
@@ -5681,98 +5728,983 @@
                   </m:oMath>
                 </a14:m>
                 <a:r>
-                  <a:rPr lang="en-US" sz="4800" dirty="0" smtClean="0"/>
+                  <a:rPr lang="en-US" sz="4000" dirty="0" smtClean="0"/>
+                  <a:t>be a stable </a:t>
+                </a:r>
+                <a:r>
+                  <a:rPr lang="en-US" sz="4000" dirty="0"/>
+                  <a:t>set </a:t>
+                </a:r>
+                <a:r>
+                  <a:rPr lang="en-US" sz="4000" dirty="0" smtClean="0"/>
+                  <a:t>of </a:t>
+                </a:r>
+                <a:r>
+                  <a:rPr lang="en-US" sz="4000" dirty="0"/>
+                  <a:t>marriages </a:t>
+                </a:r>
+                <a:r>
+                  <a:rPr lang="en-US" sz="4000" dirty="0" smtClean="0"/>
+                  <a:t>between </a:t>
+                </a:r>
+                <a:r>
+                  <a:rPr lang="en-US" sz="4000" dirty="0"/>
+                  <a:t>a set </a:t>
+                </a:r>
+                <a:r>
+                  <a:rPr lang="en-US" sz="4000" dirty="0">
+                    <a:latin typeface="Cambria Math" panose="02040503050406030204" pitchFamily="18" charset="0"/>
+                    <a:ea typeface="Cambria Math" panose="02040503050406030204" pitchFamily="18" charset="0"/>
+                  </a:rPr>
+                  <a:t>M</a:t>
+                </a:r>
+                <a:r>
+                  <a:rPr lang="en-US" sz="4000" dirty="0"/>
+                  <a:t> of men and a set </a:t>
+                </a:r>
+                <a:r>
+                  <a:rPr lang="en-US" sz="4000" dirty="0">
+                    <a:latin typeface="Cambria Math" panose="02040503050406030204" pitchFamily="18" charset="0"/>
+                    <a:ea typeface="Cambria Math" panose="02040503050406030204" pitchFamily="18" charset="0"/>
+                  </a:rPr>
+                  <a:t>W</a:t>
+                </a:r>
+                <a:r>
+                  <a:rPr lang="en-US" sz="4000" dirty="0"/>
+                  <a:t> of </a:t>
+                </a:r>
+                <a:r>
+                  <a:rPr lang="en-US" sz="4000" dirty="0" smtClean="0"/>
+                  <a:t>women. T</a:t>
+                </a:r>
+                <a:r>
+                  <a:rPr lang="en-US" sz="4000" dirty="0" smtClean="0"/>
+                  <a:t>he cost </a:t>
+                </a:r>
+                <a14:m>
+                  <m:oMath xmlns:m="http://schemas.openxmlformats.org/officeDocument/2006/math">
+                    <m:sSub>
+                      <m:sSubPr>
+                        <m:ctrlPr>
+                          <a:rPr lang="en-US" sz="4000" i="1">
+                            <a:latin typeface="Cambria Math" panose="02040503050406030204" pitchFamily="18" charset="0"/>
+                          </a:rPr>
+                        </m:ctrlPr>
+                      </m:sSubPr>
+                      <m:e>
+                        <m:r>
+                          <a:rPr lang="en-US" sz="4000" i="1">
+                            <a:latin typeface="Cambria Math" panose="02040503050406030204" pitchFamily="18" charset="0"/>
+                          </a:rPr>
+                          <m:t>𝑐</m:t>
+                        </m:r>
+                      </m:e>
+                      <m:sub>
+                        <m:r>
+                          <a:rPr lang="tr-TR" sz="4000" i="1">
+                            <a:latin typeface="Cambria Math" charset="0"/>
+                          </a:rPr>
+                          <m:t>𝑖</m:t>
+                        </m:r>
+                      </m:sub>
+                    </m:sSub>
+                    <m:r>
+                      <a:rPr lang="tr-TR" sz="4000" i="1">
+                        <a:latin typeface="Cambria Math" charset="0"/>
+                      </a:rPr>
+                      <m:t>(</m:t>
+                    </m:r>
+                    <m:r>
+                      <a:rPr lang="tr-TR" sz="4000" i="1">
+                        <a:latin typeface="Cambria Math" charset="0"/>
+                      </a:rPr>
+                      <m:t>𝑆</m:t>
+                    </m:r>
+                    <m:r>
+                      <a:rPr lang="tr-TR" sz="4000" i="1">
+                        <a:latin typeface="Cambria Math" charset="0"/>
+                      </a:rPr>
+                      <m:t>)</m:t>
+                    </m:r>
+                  </m:oMath>
+                </a14:m>
+                <a:r>
+                  <a:rPr lang="en-US" sz="4000" dirty="0" smtClean="0"/>
+                  <a:t> of </a:t>
+                </a:r>
+                <a14:m>
+                  <m:oMath xmlns:m="http://schemas.openxmlformats.org/officeDocument/2006/math">
+                    <m:r>
+                      <a:rPr lang="tr-TR" sz="4000" i="1">
+                        <a:latin typeface="Cambria Math" charset="0"/>
+                      </a:rPr>
+                      <m:t>𝑆</m:t>
+                    </m:r>
+                    <m:r>
+                      <a:rPr lang="tr-TR" sz="4000" i="1">
+                        <a:latin typeface="Cambria Math" charset="0"/>
+                      </a:rPr>
+                      <m:t> </m:t>
+                    </m:r>
+                  </m:oMath>
+                </a14:m>
+                <a:r>
+                  <a:rPr lang="en-US" sz="4000" dirty="0" smtClean="0"/>
+                  <a:t>for an individual </a:t>
+                </a:r>
+                <a14:m>
+                  <m:oMath xmlns:m="http://schemas.openxmlformats.org/officeDocument/2006/math">
+                    <m:r>
+                      <a:rPr lang="tr-TR" sz="4000" i="1">
+                        <a:latin typeface="Cambria Math" charset="0"/>
+                      </a:rPr>
+                      <m:t>𝑖</m:t>
+                    </m:r>
+                  </m:oMath>
+                </a14:m>
+                <a:r>
+                  <a:rPr lang="en-US" sz="4000" dirty="0" smtClean="0"/>
+                  <a:t> is a positive integer</a:t>
+                </a:r>
+                <a14:m>
+                  <m:oMath xmlns:m="http://schemas.openxmlformats.org/officeDocument/2006/math">
+                    <m:r>
+                      <a:rPr lang="en-US" sz="4000" b="0" i="0" smtClean="0">
+                        <a:latin typeface="Cambria Math" panose="02040503050406030204" pitchFamily="18" charset="0"/>
+                      </a:rPr>
+                      <m:t> </m:t>
+                    </m:r>
+                    <m:r>
+                      <a:rPr lang="tr-TR" sz="4000" b="0" i="1" smtClean="0">
+                        <a:latin typeface="Cambria Math" charset="0"/>
+                      </a:rPr>
+                      <m:t>𝑘</m:t>
+                    </m:r>
+                  </m:oMath>
+                </a14:m>
+                <a:r>
+                  <a:rPr lang="en-US" sz="4000" dirty="0" smtClean="0"/>
                   <a:t> </a:t>
                 </a:r>
                 <a:r>
-                  <a:rPr lang="en-US" sz="4800" dirty="0"/>
-                  <a:t>women, </a:t>
+                  <a:rPr lang="en-US" sz="4000" dirty="0" smtClean="0"/>
+                  <a:t>i</a:t>
+                </a:r>
+                <a14:m>
+                  <m:oMath xmlns:m="http://schemas.openxmlformats.org/officeDocument/2006/math">
+                    <m:r>
+                      <m:rPr>
+                        <m:sty m:val="p"/>
+                      </m:rPr>
+                      <a:rPr lang="en-US" sz="4000" b="0" i="0" smtClean="0">
+                        <a:latin typeface="Cambria Math" panose="02040503050406030204" pitchFamily="18" charset="0"/>
+                      </a:rPr>
+                      <m:t>f</m:t>
+                    </m:r>
+                    <m:r>
+                      <a:rPr lang="en-US" sz="4000" b="0" i="0" smtClean="0">
+                        <a:latin typeface="Cambria Math" panose="02040503050406030204" pitchFamily="18" charset="0"/>
+                      </a:rPr>
+                      <m:t> </m:t>
+                    </m:r>
+                    <m:r>
+                      <a:rPr lang="tr-TR" sz="4000" b="0" i="1" smtClean="0">
+                        <a:latin typeface="Cambria Math" charset="0"/>
+                      </a:rPr>
+                      <m:t>𝑖</m:t>
+                    </m:r>
+                  </m:oMath>
+                </a14:m>
+                <a:r>
+                  <a:rPr lang="en-US" sz="4000" dirty="0" smtClean="0"/>
+                  <a:t> is </a:t>
                 </a:r>
                 <a:r>
-                  <a:rPr lang="en-US" sz="4800" dirty="0" smtClean="0"/>
-                  <a:t>SMPTI can </a:t>
+                  <a:rPr lang="en-US" sz="4000" dirty="0" smtClean="0"/>
+                  <a:t>matched </a:t>
                 </a:r>
                 <a:r>
-                  <a:rPr lang="en-US" sz="4800" dirty="0"/>
-                  <a:t>have </a:t>
+                  <a:rPr lang="en-US" sz="4000" dirty="0" smtClean="0"/>
+                  <a:t>with his/her </a:t>
+                </a:r>
+                <a14:m>
+                  <m:oMath xmlns:m="http://schemas.openxmlformats.org/officeDocument/2006/math">
+                    <m:sSup>
+                      <m:sSupPr>
+                        <m:ctrlPr>
+                          <a:rPr lang="en-US" sz="4000" i="1" smtClean="0">
+                            <a:latin typeface="Cambria Math" panose="02040503050406030204" pitchFamily="18" charset="0"/>
+                          </a:rPr>
+                        </m:ctrlPr>
+                      </m:sSupPr>
+                      <m:e>
+                        <m:r>
+                          <a:rPr lang="tr-TR" sz="4000" b="0" i="1" smtClean="0">
+                            <a:latin typeface="Cambria Math" charset="0"/>
+                          </a:rPr>
+                          <m:t>𝑘</m:t>
+                        </m:r>
+                      </m:e>
+                      <m:sup>
+                        <m:r>
+                          <a:rPr lang="tr-TR" sz="4000" b="0" i="1" smtClean="0">
+                            <a:latin typeface="Cambria Math" charset="0"/>
+                          </a:rPr>
+                          <m:t>𝑡h</m:t>
+                        </m:r>
+                      </m:sup>
+                    </m:sSup>
+                  </m:oMath>
+                </a14:m>
+                <a:r>
+                  <a:rPr lang="en-US" sz="4000" dirty="0" smtClean="0"/>
+                  <a:t> </a:t>
                 </a:r>
                 <a:r>
-                  <a:rPr lang="en-US" sz="4800" dirty="0" smtClean="0"/>
-                  <a:t>different </a:t>
+                  <a:rPr lang="en-US" sz="4000" dirty="0" smtClean="0"/>
+                  <a:t>preference.</a:t>
                 </a:r>
-                <a:r>
-                  <a:rPr lang="en-US" sz="4800" dirty="0"/>
-                  <a:t>numbers of men and women. In addition to that, in </a:t>
-                </a:r>
-                <a:r>
-                  <a:rPr lang="en-US" sz="4800" dirty="0" smtClean="0"/>
-                  <a:t>SMPTI, preferences </a:t>
-                </a:r>
-                <a:r>
-                  <a:rPr lang="en-US" sz="4800" dirty="0"/>
-                  <a:t>of men and women do not have to be complete and may include </a:t>
-                </a:r>
-                <a:r>
-                  <a:rPr lang="en-US" sz="4800" dirty="0" smtClean="0"/>
-                  <a:t>ties. As </a:t>
-                </a:r>
-                <a:r>
-                  <a:rPr lang="en-US" sz="4800" dirty="0"/>
-                  <a:t>a result of </a:t>
-                </a:r>
-                <a:r>
-                  <a:rPr lang="en-US" sz="4800" dirty="0" smtClean="0"/>
-                  <a:t>this change, </a:t>
-                </a:r>
-                <a:r>
-                  <a:rPr lang="en-US" sz="4800" dirty="0"/>
-                  <a:t>in SMPTI, </a:t>
-                </a:r>
-                <a:r>
-                  <a:rPr lang="en-US" sz="4800" dirty="0" smtClean="0"/>
-                  <a:t>men </a:t>
-                </a:r>
-                <a:r>
-                  <a:rPr lang="en-US" sz="4800" dirty="0"/>
-                  <a:t>and </a:t>
-                </a:r>
-                <a:r>
-                  <a:rPr lang="en-US" sz="4800" dirty="0" smtClean="0"/>
-                  <a:t>women may </a:t>
-                </a:r>
-                <a:r>
-                  <a:rPr lang="en-US" sz="4800" dirty="0"/>
-                  <a:t>be </a:t>
-                </a:r>
-                <a:r>
-                  <a:rPr lang="en-US" sz="4800" dirty="0" smtClean="0"/>
-                  <a:t>single.</a:t>
-                </a:r>
-                <a:endParaRPr lang="en-US" sz="4800" dirty="0"/>
+                <a:endParaRPr lang="en-US" sz="4000" dirty="0" smtClean="0"/>
+              </a:p>
+              <a:p>
+                <a:pPr algn="just"/>
+                <a:endParaRPr lang="en-US" sz="4000" dirty="0" smtClean="0"/>
               </a:p>
               <a:p>
                 <a:pPr algn="just"/>
                 <a:r>
-                  <a:rPr lang="en-US" sz="4800" dirty="0" smtClean="0"/>
-                  <a:t>In SMPTI, a pair of man and woman are said to form </a:t>
+                  <a:rPr lang="en-US" sz="4000" dirty="0"/>
+                  <a:t>An egalitarian stable </a:t>
                 </a:r>
                 <a:r>
-                  <a:rPr lang="en-US" sz="4800" dirty="0"/>
-                  <a:t>a blocking pair </a:t>
+                  <a:rPr lang="en-US" sz="4000" dirty="0" smtClean="0"/>
+                  <a:t>set of marriages considers preferences </a:t>
                 </a:r>
                 <a:r>
-                  <a:rPr lang="en-US" sz="4800" dirty="0" smtClean="0"/>
-                  <a:t>they are not married and each of them is either single and finds the other one acceptable, or  married and prefers the other one to his/her actual partner.</a:t>
+                  <a:rPr lang="en-US" sz="4000" dirty="0"/>
+                  <a:t>of </a:t>
                 </a:r>
-                <a:endParaRPr lang="en-US" sz="4800" dirty="0"/>
+                <a:r>
+                  <a:rPr lang="en-US" sz="4000" dirty="0" smtClean="0"/>
+                  <a:t>every individual equally important, and aims to minimize the</a:t>
+                </a:r>
+                <a:r>
+                  <a:rPr lang="en-US" sz="4000" dirty="0"/>
+                  <a:t> </a:t>
+                </a:r>
+                <a:r>
+                  <a:rPr lang="en-US" sz="4000" dirty="0" smtClean="0"/>
+                  <a:t>total cost:</a:t>
+                </a:r>
+              </a:p>
+              <a:p>
+                <a:pPr algn="just"/>
+                <a14:m>
+                  <m:oMathPara xmlns:m="http://schemas.openxmlformats.org/officeDocument/2006/math">
+                    <m:oMathParaPr>
+                      <m:jc m:val="centerGroup"/>
+                    </m:oMathParaPr>
+                    <m:oMath xmlns:m="http://schemas.openxmlformats.org/officeDocument/2006/math">
+                      <m:r>
+                        <a:rPr lang="en-US" sz="4000" b="0" i="1" smtClean="0">
+                          <a:latin typeface="Cambria Math" panose="02040503050406030204" pitchFamily="18" charset="0"/>
+                        </a:rPr>
+                        <m:t>𝑐</m:t>
+                      </m:r>
+                      <m:d>
+                        <m:dPr>
+                          <m:ctrlPr>
+                            <a:rPr lang="tr-TR" sz="4000" i="1">
+                              <a:latin typeface="Cambria Math" panose="02040503050406030204" pitchFamily="18" charset="0"/>
+                            </a:rPr>
+                          </m:ctrlPr>
+                        </m:dPr>
+                        <m:e>
+                          <m:r>
+                            <a:rPr lang="tr-TR" sz="4000" i="1">
+                              <a:latin typeface="Cambria Math" charset="0"/>
+                            </a:rPr>
+                            <m:t>𝑆</m:t>
+                          </m:r>
+                        </m:e>
+                      </m:d>
+                      <m:r>
+                        <a:rPr lang="tr-TR" sz="4000" i="1">
+                          <a:latin typeface="Cambria Math" charset="0"/>
+                        </a:rPr>
+                        <m:t>= </m:t>
+                      </m:r>
+                      <m:nary>
+                        <m:naryPr>
+                          <m:chr m:val="∑"/>
+                          <m:supHide m:val="on"/>
+                          <m:ctrlPr>
+                            <a:rPr lang="tr-TR" sz="4000" i="1">
+                              <a:latin typeface="Cambria Math" panose="02040503050406030204" pitchFamily="18" charset="0"/>
+                            </a:rPr>
+                          </m:ctrlPr>
+                        </m:naryPr>
+                        <m:sub>
+                          <m:r>
+                            <m:rPr>
+                              <m:brk m:alnAt="7"/>
+                            </m:rPr>
+                            <a:rPr lang="tr-TR" sz="4000" i="1">
+                              <a:latin typeface="Cambria Math" charset="0"/>
+                            </a:rPr>
+                            <m:t>𝑖</m:t>
+                          </m:r>
+                          <m:r>
+                            <a:rPr lang="tr-TR" sz="4000" i="1">
+                              <a:latin typeface="Cambria Math" charset="0"/>
+                            </a:rPr>
+                            <m:t> ∈</m:t>
+                          </m:r>
+                          <m:r>
+                            <a:rPr lang="tr-TR" sz="4000" i="1">
+                              <a:latin typeface="Cambria Math" charset="0"/>
+                              <a:ea typeface="Cambria Math" charset="0"/>
+                              <a:cs typeface="Cambria Math" charset="0"/>
+                            </a:rPr>
+                            <m:t>𝑀</m:t>
+                          </m:r>
+                        </m:sub>
+                        <m:sup/>
+                        <m:e>
+                          <m:sSub>
+                            <m:sSubPr>
+                              <m:ctrlPr>
+                                <a:rPr lang="en-US" sz="4000" i="1">
+                                  <a:latin typeface="Cambria Math" panose="02040503050406030204" pitchFamily="18" charset="0"/>
+                                </a:rPr>
+                              </m:ctrlPr>
+                            </m:sSubPr>
+                            <m:e>
+                              <m:r>
+                                <a:rPr lang="en-US" sz="4000" b="0" i="1" smtClean="0">
+                                  <a:latin typeface="Cambria Math" panose="02040503050406030204" pitchFamily="18" charset="0"/>
+                                </a:rPr>
+                                <m:t>𝑐</m:t>
+                              </m:r>
+                            </m:e>
+                            <m:sub>
+                              <m:r>
+                                <a:rPr lang="tr-TR" sz="4000" i="1">
+                                  <a:latin typeface="Cambria Math" charset="0"/>
+                                </a:rPr>
+                                <m:t>𝑖</m:t>
+                              </m:r>
+                            </m:sub>
+                          </m:sSub>
+                          <m:r>
+                            <a:rPr lang="tr-TR" sz="4000" i="1">
+                              <a:latin typeface="Cambria Math" charset="0"/>
+                            </a:rPr>
+                            <m:t>(</m:t>
+                          </m:r>
+                          <m:r>
+                            <a:rPr lang="tr-TR" sz="4000" i="1">
+                              <a:latin typeface="Cambria Math" charset="0"/>
+                            </a:rPr>
+                            <m:t>𝑆</m:t>
+                          </m:r>
+                          <m:r>
+                            <a:rPr lang="tr-TR" sz="4000" i="1">
+                              <a:latin typeface="Cambria Math" charset="0"/>
+                            </a:rPr>
+                            <m:t>)</m:t>
+                          </m:r>
+                        </m:e>
+                      </m:nary>
+                      <m:r>
+                        <a:rPr lang="tr-TR" sz="4000" i="1">
+                          <a:latin typeface="Cambria Math" charset="0"/>
+                        </a:rPr>
+                        <m:t>+ </m:t>
+                      </m:r>
+                      <m:nary>
+                        <m:naryPr>
+                          <m:chr m:val="∑"/>
+                          <m:supHide m:val="on"/>
+                          <m:ctrlPr>
+                            <a:rPr lang="tr-TR" sz="4000" i="1">
+                              <a:latin typeface="Cambria Math" panose="02040503050406030204" pitchFamily="18" charset="0"/>
+                            </a:rPr>
+                          </m:ctrlPr>
+                        </m:naryPr>
+                        <m:sub>
+                          <m:r>
+                            <m:rPr>
+                              <m:brk m:alnAt="7"/>
+                            </m:rPr>
+                            <a:rPr lang="tr-TR" sz="4000" i="1">
+                              <a:latin typeface="Cambria Math" charset="0"/>
+                            </a:rPr>
+                            <m:t>𝑖</m:t>
+                          </m:r>
+                          <m:r>
+                            <a:rPr lang="tr-TR" sz="4000" i="1">
+                              <a:latin typeface="Cambria Math" charset="0"/>
+                            </a:rPr>
+                            <m:t> ∈</m:t>
+                          </m:r>
+                          <m:r>
+                            <a:rPr lang="tr-TR" sz="4000" i="1">
+                              <a:latin typeface="Cambria Math" charset="0"/>
+                              <a:ea typeface="Cambria Math" charset="0"/>
+                              <a:cs typeface="Cambria Math" charset="0"/>
+                            </a:rPr>
+                            <m:t>𝑊</m:t>
+                          </m:r>
+                        </m:sub>
+                        <m:sup/>
+                        <m:e>
+                          <m:sSub>
+                            <m:sSubPr>
+                              <m:ctrlPr>
+                                <a:rPr lang="en-US" sz="4000" i="1">
+                                  <a:latin typeface="Cambria Math" panose="02040503050406030204" pitchFamily="18" charset="0"/>
+                                </a:rPr>
+                              </m:ctrlPr>
+                            </m:sSubPr>
+                            <m:e>
+                              <m:r>
+                                <a:rPr lang="en-US" sz="4000" b="0" i="1" smtClean="0">
+                                  <a:latin typeface="Cambria Math" panose="02040503050406030204" pitchFamily="18" charset="0"/>
+                                </a:rPr>
+                                <m:t>𝑐</m:t>
+                              </m:r>
+                            </m:e>
+                            <m:sub>
+                              <m:r>
+                                <a:rPr lang="tr-TR" sz="4000" i="1">
+                                  <a:latin typeface="Cambria Math" charset="0"/>
+                                </a:rPr>
+                                <m:t>𝑖</m:t>
+                              </m:r>
+                            </m:sub>
+                          </m:sSub>
+                          <m:r>
+                            <a:rPr lang="en-US" sz="4000" i="1">
+                              <a:latin typeface="Cambria Math" charset="0"/>
+                            </a:rPr>
+                            <m:t> </m:t>
+                          </m:r>
+                          <m:r>
+                            <a:rPr lang="tr-TR" sz="4000" i="1">
+                              <a:latin typeface="Cambria Math" charset="0"/>
+                            </a:rPr>
+                            <m:t>(</m:t>
+                          </m:r>
+                          <m:r>
+                            <a:rPr lang="tr-TR" sz="4000" i="1">
+                              <a:latin typeface="Cambria Math" charset="0"/>
+                            </a:rPr>
+                            <m:t>𝑆</m:t>
+                          </m:r>
+                          <m:r>
+                            <a:rPr lang="tr-TR" sz="4000" i="1">
+                              <a:latin typeface="Cambria Math" charset="0"/>
+                            </a:rPr>
+                            <m:t>)</m:t>
+                          </m:r>
+                        </m:e>
+                      </m:nary>
+                    </m:oMath>
+                  </m:oMathPara>
+                </a14:m>
+                <a:endParaRPr lang="en-US" sz="4000" dirty="0" smtClean="0"/>
+              </a:p>
+              <a:p>
+                <a:pPr algn="just"/>
+                <a:endParaRPr lang="en-US" sz="4000" dirty="0" smtClean="0"/>
+              </a:p>
+              <a:p>
+                <a:pPr algn="just"/>
+                <a:r>
+                  <a:rPr lang="en-US" sz="4000" dirty="0" smtClean="0"/>
+                  <a:t>A </a:t>
+                </a:r>
+                <a:r>
+                  <a:rPr lang="en-US" sz="4000" dirty="0"/>
+                  <a:t>sex-equal stable set </a:t>
+                </a:r>
+                <a:r>
+                  <a:rPr lang="en-US" sz="4000" dirty="0" smtClean="0"/>
+                  <a:t>of marriages assigns equal </a:t>
+                </a:r>
+                <a:r>
+                  <a:rPr lang="en-US" sz="4000" dirty="0"/>
+                  <a:t>importance to the preferences of </a:t>
+                </a:r>
+                <a:r>
+                  <a:rPr lang="en-US" sz="4000" dirty="0" smtClean="0"/>
+                  <a:t>men </a:t>
+                </a:r>
+                <a:r>
+                  <a:rPr lang="en-US" sz="4000" dirty="0"/>
+                  <a:t>and </a:t>
+                </a:r>
+                <a:r>
+                  <a:rPr lang="en-US" sz="4000" dirty="0" smtClean="0"/>
+                  <a:t>women, and aims to minimize the cost difference:</a:t>
+                </a:r>
+                <a:endParaRPr lang="en-US" sz="4000" i="1" dirty="0" smtClean="0">
+                  <a:latin typeface="Cambria Math" charset="0"/>
+                </a:endParaRPr>
+              </a:p>
+              <a:p>
+                <a:pPr algn="just"/>
+                <a14:m>
+                  <m:oMathPara xmlns:m="http://schemas.openxmlformats.org/officeDocument/2006/math">
+                    <m:oMathParaPr>
+                      <m:jc m:val="centerGroup"/>
+                    </m:oMathParaPr>
+                    <m:oMath xmlns:m="http://schemas.openxmlformats.org/officeDocument/2006/math">
+                      <m:r>
+                        <a:rPr lang="en-US" sz="4000" i="1">
+                          <a:latin typeface="Cambria Math" panose="02040503050406030204" pitchFamily="18" charset="0"/>
+                        </a:rPr>
+                        <m:t>𝑐</m:t>
+                      </m:r>
+                      <m:d>
+                        <m:dPr>
+                          <m:ctrlPr>
+                            <a:rPr lang="tr-TR" sz="4000" i="1">
+                              <a:latin typeface="Cambria Math" panose="02040503050406030204" pitchFamily="18" charset="0"/>
+                            </a:rPr>
+                          </m:ctrlPr>
+                        </m:dPr>
+                        <m:e>
+                          <m:r>
+                            <a:rPr lang="tr-TR" sz="4000" i="1">
+                              <a:latin typeface="Cambria Math" charset="0"/>
+                            </a:rPr>
+                            <m:t>𝑆</m:t>
+                          </m:r>
+                        </m:e>
+                      </m:d>
+                      <m:r>
+                        <a:rPr lang="tr-TR" sz="4000" i="1">
+                          <a:latin typeface="Cambria Math" charset="0"/>
+                        </a:rPr>
+                        <m:t>= </m:t>
+                      </m:r>
+                      <m:d>
+                        <m:dPr>
+                          <m:begChr m:val="|"/>
+                          <m:endChr m:val="|"/>
+                          <m:ctrlPr>
+                            <a:rPr lang="hr-HR" sz="4000" i="1">
+                              <a:latin typeface="Cambria Math" panose="02040503050406030204" pitchFamily="18" charset="0"/>
+                            </a:rPr>
+                          </m:ctrlPr>
+                        </m:dPr>
+                        <m:e>
+                          <m:nary>
+                            <m:naryPr>
+                              <m:chr m:val="∑"/>
+                              <m:supHide m:val="on"/>
+                              <m:ctrlPr>
+                                <a:rPr lang="hr-HR" sz="4000" i="1">
+                                  <a:latin typeface="Cambria Math" panose="02040503050406030204" pitchFamily="18" charset="0"/>
+                                </a:rPr>
+                              </m:ctrlPr>
+                            </m:naryPr>
+                            <m:sub>
+                              <m:r>
+                                <m:rPr>
+                                  <m:brk m:alnAt="7"/>
+                                </m:rPr>
+                                <a:rPr lang="tr-TR" sz="4000" i="1">
+                                  <a:latin typeface="Cambria Math" charset="0"/>
+                                </a:rPr>
+                                <m:t>𝑖</m:t>
+                              </m:r>
+                              <m:r>
+                                <a:rPr lang="tr-TR" sz="4000" i="1">
+                                  <a:latin typeface="Cambria Math" charset="0"/>
+                                </a:rPr>
+                                <m:t> ∈</m:t>
+                              </m:r>
+                              <m:r>
+                                <a:rPr lang="tr-TR" sz="4000" i="1">
+                                  <a:latin typeface="Cambria Math" charset="0"/>
+                                  <a:ea typeface="Cambria Math" charset="0"/>
+                                  <a:cs typeface="Cambria Math" charset="0"/>
+                                </a:rPr>
+                                <m:t>𝑀</m:t>
+                              </m:r>
+                            </m:sub>
+                            <m:sup/>
+                            <m:e>
+                              <m:sSub>
+                                <m:sSubPr>
+                                  <m:ctrlPr>
+                                    <a:rPr lang="en-US" sz="4000" i="1">
+                                      <a:latin typeface="Cambria Math" panose="02040503050406030204" pitchFamily="18" charset="0"/>
+                                    </a:rPr>
+                                  </m:ctrlPr>
+                                </m:sSubPr>
+                                <m:e>
+                                  <m:r>
+                                    <a:rPr lang="en-US" sz="4000" i="1">
+                                      <a:latin typeface="Cambria Math" panose="02040503050406030204" pitchFamily="18" charset="0"/>
+                                    </a:rPr>
+                                    <m:t>𝑐</m:t>
+                                  </m:r>
+                                </m:e>
+                                <m:sub>
+                                  <m:r>
+                                    <a:rPr lang="tr-TR" sz="4000" i="1">
+                                      <a:latin typeface="Cambria Math" charset="0"/>
+                                    </a:rPr>
+                                    <m:t>𝑖</m:t>
+                                  </m:r>
+                                </m:sub>
+                              </m:sSub>
+                              <m:d>
+                                <m:dPr>
+                                  <m:ctrlPr>
+                                    <a:rPr lang="tr-TR" sz="4000" i="1">
+                                      <a:latin typeface="Cambria Math" panose="02040503050406030204" pitchFamily="18" charset="0"/>
+                                    </a:rPr>
+                                  </m:ctrlPr>
+                                </m:dPr>
+                                <m:e>
+                                  <m:r>
+                                    <a:rPr lang="tr-TR" sz="4000" i="1">
+                                      <a:latin typeface="Cambria Math" charset="0"/>
+                                    </a:rPr>
+                                    <m:t>𝑆</m:t>
+                                  </m:r>
+                                </m:e>
+                              </m:d>
+                              <m:r>
+                                <a:rPr lang="tr-TR" sz="4000" i="1">
+                                  <a:latin typeface="Cambria Math" charset="0"/>
+                                </a:rPr>
+                                <m:t>− </m:t>
+                              </m:r>
+                              <m:nary>
+                                <m:naryPr>
+                                  <m:chr m:val="∑"/>
+                                  <m:supHide m:val="on"/>
+                                  <m:ctrlPr>
+                                    <a:rPr lang="tr-TR" sz="4000" i="1">
+                                      <a:latin typeface="Cambria Math" panose="02040503050406030204" pitchFamily="18" charset="0"/>
+                                    </a:rPr>
+                                  </m:ctrlPr>
+                                </m:naryPr>
+                                <m:sub>
+                                  <m:r>
+                                    <m:rPr>
+                                      <m:brk m:alnAt="7"/>
+                                    </m:rPr>
+                                    <a:rPr lang="tr-TR" sz="4000" i="1">
+                                      <a:latin typeface="Cambria Math" charset="0"/>
+                                    </a:rPr>
+                                    <m:t>𝑖</m:t>
+                                  </m:r>
+                                  <m:r>
+                                    <a:rPr lang="tr-TR" sz="4000" i="1">
+                                      <a:latin typeface="Cambria Math" charset="0"/>
+                                    </a:rPr>
+                                    <m:t> ∈</m:t>
+                                  </m:r>
+                                  <m:r>
+                                    <a:rPr lang="tr-TR" sz="4000" i="1">
+                                      <a:latin typeface="Cambria Math" charset="0"/>
+                                      <a:ea typeface="Cambria Math" charset="0"/>
+                                      <a:cs typeface="Cambria Math" charset="0"/>
+                                    </a:rPr>
+                                    <m:t>𝑊</m:t>
+                                  </m:r>
+                                </m:sub>
+                                <m:sup/>
+                                <m:e>
+                                  <m:sSub>
+                                    <m:sSubPr>
+                                      <m:ctrlPr>
+                                        <a:rPr lang="en-US" sz="4000" i="1">
+                                          <a:latin typeface="Cambria Math" panose="02040503050406030204" pitchFamily="18" charset="0"/>
+                                        </a:rPr>
+                                      </m:ctrlPr>
+                                    </m:sSubPr>
+                                    <m:e>
+                                      <m:r>
+                                        <a:rPr lang="en-US" sz="4000" i="1">
+                                          <a:latin typeface="Cambria Math" panose="02040503050406030204" pitchFamily="18" charset="0"/>
+                                        </a:rPr>
+                                        <m:t>𝑐</m:t>
+                                      </m:r>
+                                    </m:e>
+                                    <m:sub>
+                                      <m:r>
+                                        <a:rPr lang="tr-TR" sz="4000" i="1">
+                                          <a:latin typeface="Cambria Math" charset="0"/>
+                                        </a:rPr>
+                                        <m:t>𝑖</m:t>
+                                      </m:r>
+                                    </m:sub>
+                                  </m:sSub>
+                                  <m:r>
+                                    <a:rPr lang="tr-TR" sz="4000" i="1">
+                                      <a:latin typeface="Cambria Math" charset="0"/>
+                                    </a:rPr>
+                                    <m:t>(</m:t>
+                                  </m:r>
+                                  <m:r>
+                                    <a:rPr lang="tr-TR" sz="4000" i="1">
+                                      <a:latin typeface="Cambria Math" charset="0"/>
+                                    </a:rPr>
+                                    <m:t>𝑆</m:t>
+                                  </m:r>
+                                  <m:r>
+                                    <a:rPr lang="tr-TR" sz="4000" i="1">
+                                      <a:latin typeface="Cambria Math" charset="0"/>
+                                    </a:rPr>
+                                    <m:t>)</m:t>
+                                  </m:r>
+                                </m:e>
+                              </m:nary>
+                            </m:e>
+                          </m:nary>
+                        </m:e>
+                      </m:d>
+                    </m:oMath>
+                  </m:oMathPara>
+                </a14:m>
+                <a:endParaRPr lang="en-US" sz="4000" dirty="0" smtClean="0"/>
+              </a:p>
+              <a:p>
+                <a:pPr algn="just"/>
+                <a:endParaRPr lang="en-US" sz="4000" dirty="0" smtClean="0"/>
+              </a:p>
+              <a:p>
+                <a:pPr algn="just"/>
+                <a:r>
+                  <a:rPr lang="en-US" sz="4000" dirty="0" smtClean="0"/>
+                  <a:t>A </a:t>
+                </a:r>
+                <a:r>
+                  <a:rPr lang="en-US" sz="4000" dirty="0"/>
+                  <a:t>minimum regret </a:t>
+                </a:r>
+                <a:r>
+                  <a:rPr lang="en-US" sz="4000" dirty="0"/>
+                  <a:t>stable set of marriages</a:t>
+                </a:r>
+                <a:r>
+                  <a:rPr lang="en-US" sz="4000" dirty="0" smtClean="0"/>
+                  <a:t> </a:t>
+                </a:r>
+                <a:r>
+                  <a:rPr lang="en-US" sz="4000" dirty="0"/>
+                  <a:t>aims to </a:t>
+                </a:r>
+                <a:r>
+                  <a:rPr lang="en-US" sz="4000" dirty="0" smtClean="0"/>
+                  <a:t>minimize </a:t>
+                </a:r>
+                <a:r>
+                  <a:rPr lang="en-US" sz="4000" dirty="0" smtClean="0"/>
+                  <a:t>the maximum regret:</a:t>
+                </a:r>
+                <a:endParaRPr lang="en-US" sz="4000" dirty="0" smtClean="0"/>
+              </a:p>
+              <a:p>
+                <a:pPr algn="just"/>
+                <a14:m>
+                  <m:oMathPara xmlns:m="http://schemas.openxmlformats.org/officeDocument/2006/math">
+                    <m:oMathParaPr>
+                      <m:jc m:val="centerGroup"/>
+                    </m:oMathParaPr>
+                    <m:oMath xmlns:m="http://schemas.openxmlformats.org/officeDocument/2006/math">
+                      <m:r>
+                        <a:rPr lang="en-US" sz="4000" b="0" i="1" smtClean="0">
+                          <a:latin typeface="Cambria Math" panose="02040503050406030204" pitchFamily="18" charset="0"/>
+                        </a:rPr>
+                        <m:t>𝑐</m:t>
+                      </m:r>
+                      <m:d>
+                        <m:dPr>
+                          <m:ctrlPr>
+                            <a:rPr lang="tr-TR" sz="4000" b="0" i="1" smtClean="0">
+                              <a:latin typeface="Cambria Math" panose="02040503050406030204" pitchFamily="18" charset="0"/>
+                            </a:rPr>
+                          </m:ctrlPr>
+                        </m:dPr>
+                        <m:e>
+                          <m:r>
+                            <a:rPr lang="tr-TR" sz="4000" b="0" i="1" smtClean="0">
+                              <a:latin typeface="Cambria Math" charset="0"/>
+                            </a:rPr>
+                            <m:t>𝑆</m:t>
+                          </m:r>
+                        </m:e>
+                      </m:d>
+                      <m:r>
+                        <a:rPr lang="tr-TR" sz="4000" b="0" i="1" smtClean="0">
+                          <a:latin typeface="Cambria Math" charset="0"/>
+                        </a:rPr>
+                        <m:t>=</m:t>
+                      </m:r>
+                      <m:r>
+                        <a:rPr lang="tr-TR" sz="4000" b="0" i="1" smtClean="0">
+                          <a:latin typeface="Cambria Math" charset="0"/>
+                        </a:rPr>
+                        <m:t>𝑚𝑎𝑥</m:t>
+                      </m:r>
+                      <m:sSub>
+                        <m:sSubPr>
+                          <m:ctrlPr>
+                            <a:rPr lang="en-US" sz="4000" b="0" i="1" smtClean="0">
+                              <a:latin typeface="Cambria Math" panose="02040503050406030204" pitchFamily="18" charset="0"/>
+                            </a:rPr>
+                          </m:ctrlPr>
+                        </m:sSubPr>
+                        <m:e>
+                          <m:d>
+                            <m:dPr>
+                              <m:begChr m:val="{"/>
+                              <m:endChr m:val="}"/>
+                              <m:ctrlPr>
+                                <a:rPr lang="en-US" sz="4000" b="0" i="1" smtClean="0">
+                                  <a:latin typeface="Cambria Math" panose="02040503050406030204" pitchFamily="18" charset="0"/>
+                                </a:rPr>
+                              </m:ctrlPr>
+                            </m:dPr>
+                            <m:e>
+                              <m:sSub>
+                                <m:sSubPr>
+                                  <m:ctrlPr>
+                                    <a:rPr lang="en-US" sz="4000" b="0" i="1" smtClean="0">
+                                      <a:latin typeface="Cambria Math" panose="02040503050406030204" pitchFamily="18" charset="0"/>
+                                    </a:rPr>
+                                  </m:ctrlPr>
+                                </m:sSubPr>
+                                <m:e>
+                                  <m:r>
+                                    <a:rPr lang="en-US" sz="4000" b="0" i="1" smtClean="0">
+                                      <a:latin typeface="Cambria Math" panose="02040503050406030204" pitchFamily="18" charset="0"/>
+                                    </a:rPr>
+                                    <m:t>𝑐</m:t>
+                                  </m:r>
+                                </m:e>
+                                <m:sub>
+                                  <m:r>
+                                    <a:rPr lang="tr-TR" sz="4000" b="0" i="1" smtClean="0">
+                                      <a:latin typeface="Cambria Math" charset="0"/>
+                                    </a:rPr>
+                                    <m:t>𝑖</m:t>
+                                  </m:r>
+                                </m:sub>
+                              </m:sSub>
+                              <m:r>
+                                <a:rPr lang="tr-TR" sz="4000" b="0" i="1" smtClean="0">
+                                  <a:latin typeface="Cambria Math" charset="0"/>
+                                </a:rPr>
+                                <m:t>(</m:t>
+                              </m:r>
+                              <m:r>
+                                <a:rPr lang="tr-TR" sz="4000" b="0" i="1" smtClean="0">
+                                  <a:latin typeface="Cambria Math" charset="0"/>
+                                </a:rPr>
+                                <m:t>𝑆</m:t>
+                              </m:r>
+                              <m:r>
+                                <a:rPr lang="tr-TR" sz="4000" b="0" i="1" smtClean="0">
+                                  <a:latin typeface="Cambria Math" charset="0"/>
+                                </a:rPr>
+                                <m:t>)</m:t>
+                              </m:r>
+                            </m:e>
+                          </m:d>
+                        </m:e>
+                        <m:sub>
+                          <m:r>
+                            <a:rPr lang="tr-TR" sz="4000" b="0" i="1" smtClean="0">
+                              <a:latin typeface="Cambria Math" charset="0"/>
+                            </a:rPr>
+                            <m:t>𝑖</m:t>
+                          </m:r>
+                          <m:r>
+                            <a:rPr lang="tr-TR" sz="4000" b="0" i="1" smtClean="0">
+                              <a:latin typeface="Cambria Math" charset="0"/>
+                            </a:rPr>
+                            <m:t> ∈</m:t>
+                          </m:r>
+                          <m:r>
+                            <a:rPr lang="tr-TR" sz="4000" b="0" i="1" smtClean="0">
+                              <a:latin typeface="Cambria Math" charset="0"/>
+                              <a:ea typeface="Cambria Math" charset="0"/>
+                              <a:cs typeface="Cambria Math" charset="0"/>
+                            </a:rPr>
+                            <m:t>𝑀</m:t>
+                          </m:r>
+                          <m:r>
+                            <a:rPr lang="tr-TR" sz="4000" b="0" i="1" smtClean="0">
+                              <a:latin typeface="Cambria Math" charset="0"/>
+                              <a:ea typeface="Cambria Math" charset="0"/>
+                              <a:cs typeface="Cambria Math" charset="0"/>
+                            </a:rPr>
+                            <m:t>∪</m:t>
+                          </m:r>
+                          <m:r>
+                            <a:rPr lang="tr-TR" sz="4000" b="0" i="1" smtClean="0">
+                              <a:latin typeface="Cambria Math" charset="0"/>
+                              <a:ea typeface="Cambria Math" charset="0"/>
+                              <a:cs typeface="Cambria Math" charset="0"/>
+                            </a:rPr>
+                            <m:t>𝑊</m:t>
+                          </m:r>
+                        </m:sub>
+                      </m:sSub>
+                    </m:oMath>
+                  </m:oMathPara>
+                </a14:m>
+                <a:endParaRPr lang="en-US" sz="4000" dirty="0" smtClean="0"/>
+              </a:p>
+              <a:p>
+                <a:pPr algn="just"/>
+                <a:endParaRPr lang="en-US" sz="4000" dirty="0" smtClean="0"/>
+              </a:p>
+              <a:p>
+                <a:pPr algn="just"/>
+                <a:r>
+                  <a:rPr lang="en-US" sz="4000" dirty="0"/>
+                  <a:t>To solve </a:t>
+                </a:r>
+                <a:r>
+                  <a:rPr lang="en-US" sz="4000" dirty="0" smtClean="0"/>
+                  <a:t>each variant, </a:t>
+                </a:r>
+                <a:r>
+                  <a:rPr lang="en-US" sz="4000" dirty="0"/>
+                  <a:t>we </a:t>
+                </a:r>
+                <a:r>
+                  <a:rPr lang="en-US" sz="4000" dirty="0" smtClean="0"/>
+                  <a:t>have extended </a:t>
+                </a:r>
+                <a:r>
+                  <a:rPr lang="en-US" sz="4000" dirty="0"/>
+                  <a:t>our ASP model with </a:t>
+                </a:r>
+                <a:r>
+                  <a:rPr lang="en-US" sz="4000" dirty="0" smtClean="0"/>
+                  <a:t>a relevant optimization statement.</a:t>
+                </a:r>
+                <a:endParaRPr lang="en-US" sz="4000" dirty="0"/>
               </a:p>
             </p:txBody>
           </p:sp>
         </mc:Choice>
-        <mc:Fallback xmlns="">
+        <mc:Fallback>
           <p:sp>
             <p:nvSpPr>
-              <p:cNvPr id="12" name="TextBox 11"/>
+              <p:cNvPr id="13" name="TextBox 12"/>
               <p:cNvSpPr txBox="1">
                 <a:spLocks noRot="1" noChangeAspect="1" noMove="1" noResize="1" noEditPoints="1" noAdjustHandles="1" noChangeArrowheads="1" noChangeShapeType="1" noTextEdit="1"/>
               </p:cNvSpPr>
@@ -5780,8 +6712,8 @@
             </p:nvSpPr>
             <p:spPr>
               <a:xfrm>
-                <a:off x="15502759" y="6533431"/>
-                <a:ext cx="14320584" cy="10433625"/>
+                <a:off x="15498443" y="17972921"/>
+                <a:ext cx="14324900" cy="14316227"/>
               </a:xfrm>
               <a:prstGeom prst="rect">
                 <a:avLst/>
@@ -5789,7 +6721,7 @@
               <a:blipFill rotWithShape="0">
                 <a:blip r:embed="rId5"/>
                 <a:stretch>
-                  <a:fillRect l="-1916" t="-1403" r="-1958" b="-2104"/>
+                  <a:fillRect l="-1489" t="-766" r="-1532" b="-851"/>
                 </a:stretch>
               </a:blipFill>
             </p:spPr>
@@ -5808,841 +6740,148 @@
           </p:sp>
         </mc:Fallback>
       </mc:AlternateContent>
-      <mc:AlternateContent xmlns:mc="http://schemas.openxmlformats.org/markup-compatibility/2006">
-        <mc:Choice xmlns:a14="http://schemas.microsoft.com/office/drawing/2010/main" Requires="a14">
-          <p:sp>
-            <p:nvSpPr>
-              <p:cNvPr id="13" name="TextBox 12"/>
-              <p:cNvSpPr txBox="1"/>
-              <p:nvPr/>
-            </p:nvSpPr>
-            <p:spPr>
-              <a:xfrm>
-                <a:off x="15498443" y="17972921"/>
-                <a:ext cx="14324900" cy="11990398"/>
-              </a:xfrm>
-              <a:prstGeom prst="rect">
-                <a:avLst/>
-              </a:prstGeom>
-              <a:noFill/>
-            </p:spPr>
-            <p:txBody>
-              <a:bodyPr wrap="square" rtlCol="0">
-                <a:spAutoFit/>
-              </a:bodyPr>
-              <a:lstStyle/>
-              <a:p>
-                <a:pPr algn="just"/>
-                <a:r>
-                  <a:rPr lang="en-US" sz="4800" dirty="0" smtClean="0"/>
-                  <a:t>Optimization is making the most effective use of a situation or resource. While solving SMP, </a:t>
-                </a:r>
-                <a:r>
-                  <a:rPr lang="en-US" sz="4800" dirty="0"/>
-                  <a:t>we </a:t>
-                </a:r>
-                <a:r>
-                  <a:rPr lang="en-US" sz="4800" dirty="0" smtClean="0"/>
-                  <a:t>have used </a:t>
-                </a:r>
-                <a:r>
-                  <a:rPr lang="en-US" sz="4800" dirty="0"/>
-                  <a:t>optimization to get the </a:t>
-                </a:r>
-                <a:r>
-                  <a:rPr lang="en-US" sz="4800" dirty="0" smtClean="0"/>
-                  <a:t>most effective answer set among all stable marriages. In this optimization process, we have used 3 different cost function.</a:t>
-                </a:r>
-              </a:p>
-              <a:p>
-                <a:pPr algn="just"/>
-                <a:r>
-                  <a:rPr lang="en-US" sz="4800" dirty="0" smtClean="0"/>
-                  <a:t>Let us define </a:t>
-                </a:r>
-                <a14:m>
-                  <m:oMath xmlns:m="http://schemas.openxmlformats.org/officeDocument/2006/math">
-                    <m:sSub>
-                      <m:sSubPr>
-                        <m:ctrlPr>
-                          <a:rPr lang="en-US" sz="4800" b="0" i="1" smtClean="0">
-                            <a:latin typeface="Cambria Math" charset="0"/>
-                          </a:rPr>
-                        </m:ctrlPr>
-                      </m:sSubPr>
-                      <m:e>
-                        <m:r>
-                          <a:rPr lang="tr-TR" sz="4800" b="0" i="1" smtClean="0">
-                            <a:latin typeface="Cambria Math" charset="0"/>
-                          </a:rPr>
-                          <m:t>𝐶</m:t>
-                        </m:r>
-                      </m:e>
-                      <m:sub>
-                        <m:r>
-                          <a:rPr lang="tr-TR" sz="4800" b="0" i="1" smtClean="0">
-                            <a:latin typeface="Cambria Math" charset="0"/>
-                          </a:rPr>
-                          <m:t>𝑖</m:t>
-                        </m:r>
-                      </m:sub>
-                    </m:sSub>
-                    <m:r>
-                      <a:rPr lang="tr-TR" sz="4800" b="0" i="1" smtClean="0">
-                        <a:latin typeface="Cambria Math" charset="0"/>
-                      </a:rPr>
-                      <m:t>(</m:t>
-                    </m:r>
-                    <m:r>
-                      <a:rPr lang="tr-TR" sz="4800" b="0" i="1" smtClean="0">
-                        <a:latin typeface="Cambria Math" charset="0"/>
-                      </a:rPr>
-                      <m:t>𝑆</m:t>
-                    </m:r>
-                    <m:r>
-                      <a:rPr lang="tr-TR" sz="4800" b="0" i="1" smtClean="0">
-                        <a:latin typeface="Cambria Math" charset="0"/>
-                      </a:rPr>
-                      <m:t>)=</m:t>
-                    </m:r>
-                    <m:r>
-                      <a:rPr lang="tr-TR" sz="4800" b="0" i="1" smtClean="0">
-                        <a:latin typeface="Cambria Math" charset="0"/>
-                      </a:rPr>
-                      <m:t>𝑘</m:t>
-                    </m:r>
-                  </m:oMath>
-                </a14:m>
-                <a:r>
-                  <a:rPr lang="en-US" sz="4800" dirty="0" smtClean="0"/>
-                  <a:t> when agent </a:t>
-                </a:r>
-                <a14:m>
-                  <m:oMath xmlns:m="http://schemas.openxmlformats.org/officeDocument/2006/math">
-                    <m:r>
-                      <a:rPr lang="tr-TR" sz="4800" b="0" i="1" smtClean="0">
-                        <a:latin typeface="Cambria Math" charset="0"/>
-                      </a:rPr>
-                      <m:t>𝑖</m:t>
-                    </m:r>
-                  </m:oMath>
-                </a14:m>
-                <a:r>
-                  <a:rPr lang="en-US" sz="4800" dirty="0" smtClean="0"/>
-                  <a:t> is matched with his/her </a:t>
-                </a:r>
-                <a14:m>
-                  <m:oMath xmlns:m="http://schemas.openxmlformats.org/officeDocument/2006/math">
-                    <m:sSup>
-                      <m:sSupPr>
-                        <m:ctrlPr>
-                          <a:rPr lang="en-US" sz="4800" i="1" smtClean="0">
-                            <a:latin typeface="Cambria Math" charset="0"/>
-                          </a:rPr>
-                        </m:ctrlPr>
-                      </m:sSupPr>
-                      <m:e>
-                        <m:r>
-                          <a:rPr lang="tr-TR" sz="4800" b="0" i="1" smtClean="0">
-                            <a:latin typeface="Cambria Math" charset="0"/>
-                          </a:rPr>
-                          <m:t>𝑘</m:t>
-                        </m:r>
-                      </m:e>
-                      <m:sup>
-                        <m:r>
-                          <a:rPr lang="tr-TR" sz="4800" b="0" i="1" smtClean="0">
-                            <a:latin typeface="Cambria Math" charset="0"/>
-                          </a:rPr>
-                          <m:t>𝑡h</m:t>
-                        </m:r>
-                      </m:sup>
-                    </m:sSup>
-                  </m:oMath>
-                </a14:m>
-                <a:r>
-                  <a:rPr lang="en-US" sz="4800" dirty="0" smtClean="0"/>
-                  <a:t> preference in the stable marriage </a:t>
-                </a:r>
-                <a14:m>
-                  <m:oMath xmlns:m="http://schemas.openxmlformats.org/officeDocument/2006/math">
-                    <m:r>
-                      <a:rPr lang="tr-TR" sz="4800" b="0" i="1" smtClean="0">
-                        <a:latin typeface="Cambria Math" charset="0"/>
-                      </a:rPr>
-                      <m:t>𝑆</m:t>
-                    </m:r>
-                  </m:oMath>
-                </a14:m>
-                <a:r>
-                  <a:rPr lang="en-US" sz="4800" dirty="0" smtClean="0"/>
-                  <a:t>.</a:t>
-                </a:r>
-              </a:p>
-              <a:p>
-                <a:pPr algn="just"/>
-                <a:r>
-                  <a:rPr lang="en-US" sz="4800" dirty="0" smtClean="0"/>
-                  <a:t>Egalitarian SMPTI minimizes the cost function</a:t>
-                </a:r>
-              </a:p>
-              <a:p>
-                <a:pPr algn="just"/>
-                <a14:m>
-                  <m:oMathPara xmlns:m="http://schemas.openxmlformats.org/officeDocument/2006/math">
-                    <m:oMathParaPr>
-                      <m:jc m:val="centerGroup"/>
-                    </m:oMathParaPr>
-                    <m:oMath xmlns:m="http://schemas.openxmlformats.org/officeDocument/2006/math">
-                      <m:r>
-                        <a:rPr lang="tr-TR" sz="4800" b="0" i="1" smtClean="0">
-                          <a:latin typeface="Cambria Math" charset="0"/>
-                        </a:rPr>
-                        <m:t>𝐶</m:t>
-                      </m:r>
-                      <m:d>
-                        <m:dPr>
-                          <m:ctrlPr>
-                            <a:rPr lang="tr-TR" sz="4800" b="0" i="1" smtClean="0">
-                              <a:latin typeface="Cambria Math" charset="0"/>
-                            </a:rPr>
-                          </m:ctrlPr>
-                        </m:dPr>
-                        <m:e>
-                          <m:r>
-                            <a:rPr lang="tr-TR" sz="4800" b="0" i="1" smtClean="0">
-                              <a:latin typeface="Cambria Math" charset="0"/>
-                            </a:rPr>
-                            <m:t>𝑆</m:t>
-                          </m:r>
-                        </m:e>
-                      </m:d>
-                      <m:r>
-                        <a:rPr lang="tr-TR" sz="4800" b="0" i="1" smtClean="0">
-                          <a:latin typeface="Cambria Math" charset="0"/>
-                        </a:rPr>
-                        <m:t>= </m:t>
-                      </m:r>
-                      <m:d>
-                        <m:dPr>
-                          <m:begChr m:val="|"/>
-                          <m:endChr m:val="|"/>
-                          <m:ctrlPr>
-                            <a:rPr lang="hr-HR" sz="4800" b="0" i="1" smtClean="0">
-                              <a:latin typeface="Cambria Math" charset="0"/>
-                            </a:rPr>
-                          </m:ctrlPr>
-                        </m:dPr>
-                        <m:e>
-                          <m:nary>
-                            <m:naryPr>
-                              <m:chr m:val="∑"/>
-                              <m:supHide m:val="on"/>
-                              <m:ctrlPr>
-                                <a:rPr lang="hr-HR" sz="4800" b="0" i="1" smtClean="0">
-                                  <a:latin typeface="Cambria Math" charset="0"/>
-                                </a:rPr>
-                              </m:ctrlPr>
-                            </m:naryPr>
-                            <m:sub>
-                              <m:r>
-                                <m:rPr>
-                                  <m:brk m:alnAt="7"/>
-                                </m:rPr>
-                                <a:rPr lang="tr-TR" sz="4800" b="0" i="1" smtClean="0">
-                                  <a:latin typeface="Cambria Math" charset="0"/>
-                                </a:rPr>
-                                <m:t>𝑖</m:t>
-                              </m:r>
-                              <m:r>
-                                <a:rPr lang="tr-TR" sz="4800" b="0" i="1" smtClean="0">
-                                  <a:latin typeface="Cambria Math" charset="0"/>
-                                </a:rPr>
-                                <m:t> ∈</m:t>
-                              </m:r>
-                              <m:r>
-                                <a:rPr lang="tr-TR" sz="4800" b="0" i="1" smtClean="0">
-                                  <a:latin typeface="Cambria Math" charset="0"/>
-                                  <a:ea typeface="Cambria Math" charset="0"/>
-                                  <a:cs typeface="Cambria Math" charset="0"/>
-                                </a:rPr>
-                                <m:t>𝑀</m:t>
-                              </m:r>
-                            </m:sub>
-                            <m:sup/>
-                            <m:e>
-                              <m:sSub>
-                                <m:sSubPr>
-                                  <m:ctrlPr>
-                                    <a:rPr lang="en-US" sz="4800" b="0" i="1" smtClean="0">
-                                      <a:latin typeface="Cambria Math" charset="0"/>
-                                    </a:rPr>
-                                  </m:ctrlPr>
-                                </m:sSubPr>
-                                <m:e>
-                                  <m:r>
-                                    <a:rPr lang="tr-TR" sz="4800" b="0" i="1" smtClean="0">
-                                      <a:latin typeface="Cambria Math" charset="0"/>
-                                    </a:rPr>
-                                    <m:t>𝐶</m:t>
-                                  </m:r>
-                                </m:e>
-                                <m:sub>
-                                  <m:r>
-                                    <a:rPr lang="tr-TR" sz="4800" b="0" i="1" smtClean="0">
-                                      <a:latin typeface="Cambria Math" charset="0"/>
-                                    </a:rPr>
-                                    <m:t>𝑖</m:t>
-                                  </m:r>
-                                </m:sub>
-                              </m:sSub>
-                              <m:d>
-                                <m:dPr>
-                                  <m:ctrlPr>
-                                    <a:rPr lang="tr-TR" sz="4800" b="0" i="1" smtClean="0">
-                                      <a:latin typeface="Cambria Math" charset="0"/>
-                                    </a:rPr>
-                                  </m:ctrlPr>
-                                </m:dPr>
-                                <m:e>
-                                  <m:r>
-                                    <a:rPr lang="tr-TR" sz="4800" b="0" i="1" smtClean="0">
-                                      <a:latin typeface="Cambria Math" charset="0"/>
-                                    </a:rPr>
-                                    <m:t>𝑆</m:t>
-                                  </m:r>
-                                </m:e>
-                              </m:d>
-                              <m:r>
-                                <a:rPr lang="tr-TR" sz="4800" b="0" i="1" smtClean="0">
-                                  <a:latin typeface="Cambria Math" charset="0"/>
-                                </a:rPr>
-                                <m:t>− </m:t>
-                              </m:r>
-                              <m:nary>
-                                <m:naryPr>
-                                  <m:chr m:val="∑"/>
-                                  <m:supHide m:val="on"/>
-                                  <m:ctrlPr>
-                                    <a:rPr lang="tr-TR" sz="4800" b="0" i="1" smtClean="0">
-                                      <a:latin typeface="Cambria Math" charset="0"/>
-                                    </a:rPr>
-                                  </m:ctrlPr>
-                                </m:naryPr>
-                                <m:sub>
-                                  <m:r>
-                                    <m:rPr>
-                                      <m:brk m:alnAt="7"/>
-                                    </m:rPr>
-                                    <a:rPr lang="tr-TR" sz="4800" b="0" i="1" smtClean="0">
-                                      <a:latin typeface="Cambria Math" charset="0"/>
-                                    </a:rPr>
-                                    <m:t>𝑖</m:t>
-                                  </m:r>
-                                  <m:r>
-                                    <a:rPr lang="tr-TR" sz="4800" b="0" i="1" smtClean="0">
-                                      <a:latin typeface="Cambria Math" charset="0"/>
-                                    </a:rPr>
-                                    <m:t> ∈</m:t>
-                                  </m:r>
-                                  <m:r>
-                                    <a:rPr lang="tr-TR" sz="4800" b="0" i="1" smtClean="0">
-                                      <a:latin typeface="Cambria Math" charset="0"/>
-                                      <a:ea typeface="Cambria Math" charset="0"/>
-                                      <a:cs typeface="Cambria Math" charset="0"/>
-                                    </a:rPr>
-                                    <m:t>𝑊</m:t>
-                                  </m:r>
-                                </m:sub>
-                                <m:sup/>
-                                <m:e>
-                                  <m:sSub>
-                                    <m:sSubPr>
-                                      <m:ctrlPr>
-                                        <a:rPr lang="en-US" sz="4800" b="0" i="1" smtClean="0">
-                                          <a:latin typeface="Cambria Math" charset="0"/>
-                                        </a:rPr>
-                                      </m:ctrlPr>
-                                    </m:sSubPr>
-                                    <m:e>
-                                      <m:r>
-                                        <a:rPr lang="tr-TR" sz="4800" b="0" i="1" smtClean="0">
-                                          <a:latin typeface="Cambria Math" charset="0"/>
-                                        </a:rPr>
-                                        <m:t>𝐶</m:t>
-                                      </m:r>
-                                    </m:e>
-                                    <m:sub>
-                                      <m:r>
-                                        <a:rPr lang="tr-TR" sz="4800" b="0" i="1" smtClean="0">
-                                          <a:latin typeface="Cambria Math" charset="0"/>
-                                        </a:rPr>
-                                        <m:t>𝑖</m:t>
-                                      </m:r>
-                                    </m:sub>
-                                  </m:sSub>
-                                  <m:r>
-                                    <a:rPr lang="tr-TR" sz="4800" b="0" i="1" smtClean="0">
-                                      <a:latin typeface="Cambria Math" charset="0"/>
-                                    </a:rPr>
-                                    <m:t>(</m:t>
-                                  </m:r>
-                                  <m:r>
-                                    <a:rPr lang="tr-TR" sz="4800" b="0" i="1" smtClean="0">
-                                      <a:latin typeface="Cambria Math" charset="0"/>
-                                    </a:rPr>
-                                    <m:t>𝑆</m:t>
-                                  </m:r>
-                                  <m:r>
-                                    <a:rPr lang="tr-TR" sz="4800" b="0" i="1" smtClean="0">
-                                      <a:latin typeface="Cambria Math" charset="0"/>
-                                    </a:rPr>
-                                    <m:t>)</m:t>
-                                  </m:r>
-                                </m:e>
-                              </m:nary>
-                            </m:e>
-                          </m:nary>
-                        </m:e>
-                      </m:d>
-                    </m:oMath>
-                  </m:oMathPara>
-                </a14:m>
-                <a:endParaRPr lang="en-US" sz="4800" dirty="0" smtClean="0"/>
-              </a:p>
-              <a:p>
-                <a:pPr algn="just"/>
-                <a:r>
-                  <a:rPr lang="en-US" sz="4800" dirty="0" smtClean="0"/>
-                  <a:t>Sex equal SMPTI minimizes the cost function</a:t>
-                </a:r>
-              </a:p>
-              <a:p>
-                <a:pPr algn="just"/>
-                <a14:m>
-                  <m:oMathPara xmlns:m="http://schemas.openxmlformats.org/officeDocument/2006/math">
-                    <m:oMathParaPr>
-                      <m:jc m:val="centerGroup"/>
-                    </m:oMathParaPr>
-                    <m:oMath xmlns:m="http://schemas.openxmlformats.org/officeDocument/2006/math">
-                      <m:r>
-                        <a:rPr lang="tr-TR" sz="4800" i="1" smtClean="0">
-                          <a:latin typeface="Cambria Math" charset="0"/>
-                        </a:rPr>
-                        <m:t>𝐶</m:t>
-                      </m:r>
-                      <m:d>
-                        <m:dPr>
-                          <m:ctrlPr>
-                            <a:rPr lang="tr-TR" sz="4800" i="1">
-                              <a:latin typeface="Cambria Math" charset="0"/>
-                            </a:rPr>
-                          </m:ctrlPr>
-                        </m:dPr>
-                        <m:e>
-                          <m:r>
-                            <a:rPr lang="tr-TR" sz="4800" i="1">
-                              <a:latin typeface="Cambria Math" charset="0"/>
-                            </a:rPr>
-                            <m:t>𝑆</m:t>
-                          </m:r>
-                        </m:e>
-                      </m:d>
-                      <m:r>
-                        <a:rPr lang="tr-TR" sz="4800" b="0" i="1" smtClean="0">
-                          <a:latin typeface="Cambria Math" charset="0"/>
-                        </a:rPr>
-                        <m:t>= </m:t>
-                      </m:r>
-                      <m:nary>
-                        <m:naryPr>
-                          <m:chr m:val="∑"/>
-                          <m:supHide m:val="on"/>
-                          <m:ctrlPr>
-                            <a:rPr lang="tr-TR" sz="4800" b="0" i="1" smtClean="0">
-                              <a:latin typeface="Cambria Math" charset="0"/>
-                            </a:rPr>
-                          </m:ctrlPr>
-                        </m:naryPr>
-                        <m:sub>
-                          <m:r>
-                            <m:rPr>
-                              <m:brk m:alnAt="7"/>
-                            </m:rPr>
-                            <a:rPr lang="tr-TR" sz="4800" b="0" i="1" smtClean="0">
-                              <a:latin typeface="Cambria Math" charset="0"/>
-                            </a:rPr>
-                            <m:t>𝑖</m:t>
-                          </m:r>
-                          <m:r>
-                            <a:rPr lang="tr-TR" sz="4800" b="0" i="1" smtClean="0">
-                              <a:latin typeface="Cambria Math" charset="0"/>
-                            </a:rPr>
-                            <m:t> ∈</m:t>
-                          </m:r>
-                          <m:r>
-                            <a:rPr lang="tr-TR" sz="4800" b="0" i="1" smtClean="0">
-                              <a:latin typeface="Cambria Math" charset="0"/>
-                              <a:ea typeface="Cambria Math" charset="0"/>
-                              <a:cs typeface="Cambria Math" charset="0"/>
-                            </a:rPr>
-                            <m:t>𝑀</m:t>
-                          </m:r>
-                        </m:sub>
-                        <m:sup/>
-                        <m:e>
-                          <m:sSub>
-                            <m:sSubPr>
-                              <m:ctrlPr>
-                                <a:rPr lang="en-US" sz="4800" b="0" i="1" smtClean="0">
-                                  <a:latin typeface="Cambria Math" charset="0"/>
-                                </a:rPr>
-                              </m:ctrlPr>
-                            </m:sSubPr>
-                            <m:e>
-                              <m:r>
-                                <a:rPr lang="tr-TR" sz="4800" b="0" i="1" smtClean="0">
-                                  <a:latin typeface="Cambria Math" charset="0"/>
-                                </a:rPr>
-                                <m:t>𝐶</m:t>
-                              </m:r>
-                            </m:e>
-                            <m:sub>
-                              <m:r>
-                                <a:rPr lang="tr-TR" sz="4800" b="0" i="1" smtClean="0">
-                                  <a:latin typeface="Cambria Math" charset="0"/>
-                                </a:rPr>
-                                <m:t>𝑖</m:t>
-                              </m:r>
-                            </m:sub>
-                          </m:sSub>
-                          <m:r>
-                            <a:rPr lang="tr-TR" sz="4800" b="0" i="1" smtClean="0">
-                              <a:latin typeface="Cambria Math" charset="0"/>
-                            </a:rPr>
-                            <m:t>(</m:t>
-                          </m:r>
-                          <m:r>
-                            <a:rPr lang="tr-TR" sz="4800" b="0" i="1" smtClean="0">
-                              <a:latin typeface="Cambria Math" charset="0"/>
-                            </a:rPr>
-                            <m:t>𝑆</m:t>
-                          </m:r>
-                          <m:r>
-                            <a:rPr lang="tr-TR" sz="4800" b="0" i="1" smtClean="0">
-                              <a:latin typeface="Cambria Math" charset="0"/>
-                            </a:rPr>
-                            <m:t>)</m:t>
-                          </m:r>
-                        </m:e>
-                      </m:nary>
-                      <m:r>
-                        <a:rPr lang="tr-TR" sz="4800" b="0" i="1" smtClean="0">
-                          <a:latin typeface="Cambria Math" charset="0"/>
-                        </a:rPr>
-                        <m:t>+ </m:t>
-                      </m:r>
-                      <m:nary>
-                        <m:naryPr>
-                          <m:chr m:val="∑"/>
-                          <m:supHide m:val="on"/>
-                          <m:ctrlPr>
-                            <a:rPr lang="tr-TR" sz="4800" b="0" i="1" smtClean="0">
-                              <a:latin typeface="Cambria Math" charset="0"/>
-                            </a:rPr>
-                          </m:ctrlPr>
-                        </m:naryPr>
-                        <m:sub>
-                          <m:r>
-                            <m:rPr>
-                              <m:brk m:alnAt="7"/>
-                            </m:rPr>
-                            <a:rPr lang="tr-TR" sz="4800" b="0" i="1" smtClean="0">
-                              <a:latin typeface="Cambria Math" charset="0"/>
-                            </a:rPr>
-                            <m:t>𝑖</m:t>
-                          </m:r>
-                          <m:r>
-                            <a:rPr lang="tr-TR" sz="4800" b="0" i="1" smtClean="0">
-                              <a:latin typeface="Cambria Math" charset="0"/>
-                            </a:rPr>
-                            <m:t> ∈</m:t>
-                          </m:r>
-                          <m:r>
-                            <a:rPr lang="tr-TR" sz="4800" b="0" i="1" smtClean="0">
-                              <a:latin typeface="Cambria Math" charset="0"/>
-                              <a:ea typeface="Cambria Math" charset="0"/>
-                              <a:cs typeface="Cambria Math" charset="0"/>
-                            </a:rPr>
-                            <m:t>𝑊</m:t>
-                          </m:r>
-                        </m:sub>
-                        <m:sup/>
-                        <m:e>
-                          <m:sSub>
-                            <m:sSubPr>
-                              <m:ctrlPr>
-                                <a:rPr lang="en-US" sz="4800" b="0" i="1" smtClean="0">
-                                  <a:latin typeface="Cambria Math" charset="0"/>
-                                </a:rPr>
-                              </m:ctrlPr>
-                            </m:sSubPr>
-                            <m:e>
-                              <m:r>
-                                <a:rPr lang="tr-TR" sz="4800" b="0" i="1" smtClean="0">
-                                  <a:latin typeface="Cambria Math" charset="0"/>
-                                </a:rPr>
-                                <m:t>𝐶</m:t>
-                              </m:r>
-                            </m:e>
-                            <m:sub>
-                              <m:r>
-                                <a:rPr lang="tr-TR" sz="4800" b="0" i="1" smtClean="0">
-                                  <a:latin typeface="Cambria Math" charset="0"/>
-                                </a:rPr>
-                                <m:t>𝑖</m:t>
-                              </m:r>
-                            </m:sub>
-                          </m:sSub>
-                          <m:r>
-                            <a:rPr lang="en-US" sz="4800" b="0" i="1" smtClean="0">
-                              <a:latin typeface="Cambria Math" charset="0"/>
-                            </a:rPr>
-                            <m:t> </m:t>
-                          </m:r>
-                          <m:r>
-                            <a:rPr lang="tr-TR" sz="4800" b="0" i="1" smtClean="0">
-                              <a:latin typeface="Cambria Math" charset="0"/>
-                            </a:rPr>
-                            <m:t>(</m:t>
-                          </m:r>
-                          <m:r>
-                            <a:rPr lang="tr-TR" sz="4800" b="0" i="1" smtClean="0">
-                              <a:latin typeface="Cambria Math" charset="0"/>
-                            </a:rPr>
-                            <m:t>𝑆</m:t>
-                          </m:r>
-                          <m:r>
-                            <a:rPr lang="tr-TR" sz="4800" b="0" i="1" smtClean="0">
-                              <a:latin typeface="Cambria Math" charset="0"/>
-                            </a:rPr>
-                            <m:t>)</m:t>
-                          </m:r>
-                        </m:e>
-                      </m:nary>
-                      <m:r>
-                        <a:rPr lang="tr-TR" sz="4800" b="0" i="1" smtClean="0">
-                          <a:latin typeface="Cambria Math" charset="0"/>
-                        </a:rPr>
-                        <m:t> </m:t>
-                      </m:r>
-                    </m:oMath>
-                  </m:oMathPara>
-                </a14:m>
-                <a:endParaRPr lang="en-US" sz="4800" dirty="0"/>
-              </a:p>
-              <a:p>
-                <a:pPr algn="just"/>
-                <a:r>
-                  <a:rPr lang="en-US" sz="4800" dirty="0" smtClean="0"/>
-                  <a:t>Minimum regret SMPTI minimizes the cost function</a:t>
-                </a:r>
-              </a:p>
-              <a:p>
-                <a:pPr algn="just"/>
-                <a14:m>
-                  <m:oMathPara xmlns:m="http://schemas.openxmlformats.org/officeDocument/2006/math">
-                    <m:oMathParaPr>
-                      <m:jc m:val="centerGroup"/>
-                    </m:oMathParaPr>
-                    <m:oMath xmlns:m="http://schemas.openxmlformats.org/officeDocument/2006/math">
-                      <m:r>
-                        <a:rPr lang="tr-TR" sz="4800" b="0" i="1" smtClean="0">
-                          <a:latin typeface="Cambria Math" charset="0"/>
-                        </a:rPr>
-                        <m:t>𝐶</m:t>
-                      </m:r>
-                      <m:d>
-                        <m:dPr>
-                          <m:ctrlPr>
-                            <a:rPr lang="tr-TR" sz="4800" b="0" i="1" smtClean="0">
-                              <a:latin typeface="Cambria Math" charset="0"/>
-                            </a:rPr>
-                          </m:ctrlPr>
-                        </m:dPr>
-                        <m:e>
-                          <m:r>
-                            <a:rPr lang="tr-TR" sz="4800" b="0" i="1" smtClean="0">
-                              <a:latin typeface="Cambria Math" charset="0"/>
-                            </a:rPr>
-                            <m:t>𝑆</m:t>
-                          </m:r>
-                        </m:e>
-                      </m:d>
-                      <m:r>
-                        <a:rPr lang="tr-TR" sz="4800" b="0" i="1" smtClean="0">
-                          <a:latin typeface="Cambria Math" charset="0"/>
-                        </a:rPr>
-                        <m:t>=</m:t>
-                      </m:r>
-                      <m:r>
-                        <a:rPr lang="tr-TR" sz="4800" b="0" i="1" smtClean="0">
-                          <a:latin typeface="Cambria Math" charset="0"/>
-                        </a:rPr>
-                        <m:t>𝑚𝑎𝑥</m:t>
-                      </m:r>
-                      <m:sSub>
-                        <m:sSubPr>
-                          <m:ctrlPr>
-                            <a:rPr lang="en-US" sz="4800" b="0" i="1" smtClean="0">
-                              <a:latin typeface="Cambria Math" charset="0"/>
-                            </a:rPr>
-                          </m:ctrlPr>
-                        </m:sSubPr>
-                        <m:e>
-                          <m:d>
-                            <m:dPr>
-                              <m:begChr m:val="{"/>
-                              <m:endChr m:val="}"/>
-                              <m:ctrlPr>
-                                <a:rPr lang="en-US" sz="4800" b="0" i="1" smtClean="0">
-                                  <a:latin typeface="Cambria Math" charset="0"/>
-                                </a:rPr>
-                              </m:ctrlPr>
-                            </m:dPr>
-                            <m:e>
-                              <m:sSub>
-                                <m:sSubPr>
-                                  <m:ctrlPr>
-                                    <a:rPr lang="en-US" sz="4800" b="0" i="1" smtClean="0">
-                                      <a:latin typeface="Cambria Math" charset="0"/>
-                                    </a:rPr>
-                                  </m:ctrlPr>
-                                </m:sSubPr>
-                                <m:e>
-                                  <m:r>
-                                    <a:rPr lang="tr-TR" sz="4800" b="0" i="1" smtClean="0">
-                                      <a:latin typeface="Cambria Math" charset="0"/>
-                                    </a:rPr>
-                                    <m:t>𝐶</m:t>
-                                  </m:r>
-                                </m:e>
-                                <m:sub>
-                                  <m:r>
-                                    <a:rPr lang="tr-TR" sz="4800" b="0" i="1" smtClean="0">
-                                      <a:latin typeface="Cambria Math" charset="0"/>
-                                    </a:rPr>
-                                    <m:t>𝑖</m:t>
-                                  </m:r>
-                                </m:sub>
-                              </m:sSub>
-                              <m:r>
-                                <a:rPr lang="tr-TR" sz="4800" b="0" i="1" smtClean="0">
-                                  <a:latin typeface="Cambria Math" charset="0"/>
-                                </a:rPr>
-                                <m:t>(</m:t>
-                              </m:r>
-                              <m:r>
-                                <a:rPr lang="tr-TR" sz="4800" b="0" i="1" smtClean="0">
-                                  <a:latin typeface="Cambria Math" charset="0"/>
-                                </a:rPr>
-                                <m:t>𝑆</m:t>
-                              </m:r>
-                              <m:r>
-                                <a:rPr lang="tr-TR" sz="4800" b="0" i="1" smtClean="0">
-                                  <a:latin typeface="Cambria Math" charset="0"/>
-                                </a:rPr>
-                                <m:t>)</m:t>
-                              </m:r>
-                            </m:e>
-                          </m:d>
-                        </m:e>
-                        <m:sub>
-                          <m:r>
-                            <a:rPr lang="tr-TR" sz="4800" b="0" i="1" smtClean="0">
-                              <a:latin typeface="Cambria Math" charset="0"/>
-                            </a:rPr>
-                            <m:t>𝑖</m:t>
-                          </m:r>
-                          <m:r>
-                            <a:rPr lang="tr-TR" sz="4800" b="0" i="1" smtClean="0">
-                              <a:latin typeface="Cambria Math" charset="0"/>
-                            </a:rPr>
-                            <m:t> ∈</m:t>
-                          </m:r>
-                          <m:r>
-                            <a:rPr lang="tr-TR" sz="4800" b="0" i="1" smtClean="0">
-                              <a:latin typeface="Cambria Math" charset="0"/>
-                              <a:ea typeface="Cambria Math" charset="0"/>
-                              <a:cs typeface="Cambria Math" charset="0"/>
-                            </a:rPr>
-                            <m:t>𝑀</m:t>
-                          </m:r>
-                          <m:r>
-                            <a:rPr lang="tr-TR" sz="4800" b="0" i="1" smtClean="0">
-                              <a:latin typeface="Cambria Math" charset="0"/>
-                              <a:ea typeface="Cambria Math" charset="0"/>
-                              <a:cs typeface="Cambria Math" charset="0"/>
-                            </a:rPr>
-                            <m:t>∪</m:t>
-                          </m:r>
-                          <m:r>
-                            <a:rPr lang="tr-TR" sz="4800" b="0" i="1" smtClean="0">
-                              <a:latin typeface="Cambria Math" charset="0"/>
-                              <a:ea typeface="Cambria Math" charset="0"/>
-                              <a:cs typeface="Cambria Math" charset="0"/>
-                            </a:rPr>
-                            <m:t>𝑊</m:t>
-                          </m:r>
-                        </m:sub>
-                      </m:sSub>
-                    </m:oMath>
-                  </m:oMathPara>
-                </a14:m>
-                <a:endParaRPr lang="en-US" sz="4800" dirty="0"/>
-              </a:p>
-            </p:txBody>
-          </p:sp>
-        </mc:Choice>
-        <mc:Fallback>
-          <p:sp>
-            <p:nvSpPr>
-              <p:cNvPr id="13" name="TextBox 12"/>
-              <p:cNvSpPr txBox="1">
-                <a:spLocks noRot="1" noChangeAspect="1" noMove="1" noResize="1" noEditPoints="1" noAdjustHandles="1" noChangeArrowheads="1" noChangeShapeType="1" noTextEdit="1"/>
-              </p:cNvSpPr>
-              <p:nvPr/>
-            </p:nvSpPr>
-            <p:spPr>
-              <a:xfrm>
-                <a:off x="15498443" y="17972921"/>
-                <a:ext cx="14324900" cy="11990398"/>
-              </a:xfrm>
-              <a:prstGeom prst="rect">
-                <a:avLst/>
-              </a:prstGeom>
-              <a:blipFill rotWithShape="0">
-                <a:blip r:embed="rId6"/>
-                <a:stretch>
-                  <a:fillRect l="-1915" t="-1220" r="-1957"/>
-                </a:stretch>
-              </a:blipFill>
-            </p:spPr>
-            <p:txBody>
-              <a:bodyPr/>
-              <a:lstStyle/>
-              <a:p>
-                <a:r>
-                  <a:rPr lang="en-US">
-                    <a:noFill/>
-                  </a:rPr>
-                  <a:t> </a:t>
-                </a:r>
-              </a:p>
-            </p:txBody>
-          </p:sp>
-        </mc:Fallback>
-      </mc:AlternateContent>
+      <p:sp>
+        <p:nvSpPr>
+          <p:cNvPr id="25" name="Rectangle 7"/>
+          <p:cNvSpPr>
+            <a:spLocks noChangeArrowheads="1"/>
+          </p:cNvSpPr>
+          <p:nvPr/>
+        </p:nvSpPr>
+        <p:spPr bwMode="auto">
+          <a:xfrm>
+            <a:off x="499674" y="31707857"/>
+            <a:ext cx="14429069" cy="960698"/>
+          </a:xfrm>
+          <a:prstGeom prst="rect">
+            <a:avLst/>
+          </a:prstGeom>
+          <a:gradFill>
+            <a:gsLst>
+              <a:gs pos="5000">
+                <a:schemeClr val="accent6">
+                  <a:lumMod val="75000"/>
+                </a:schemeClr>
+              </a:gs>
+              <a:gs pos="100000">
+                <a:schemeClr val="accent5">
+                  <a:lumMod val="60000"/>
+                  <a:lumOff val="40000"/>
+                </a:schemeClr>
+              </a:gs>
+            </a:gsLst>
+            <a:lin ang="0" scaled="1"/>
+          </a:gradFill>
+          <a:ln>
+            <a:noFill/>
+          </a:ln>
+          <a:effectLst>
+            <a:outerShdw dist="107763" dir="2700000" algn="ctr" rotWithShape="0">
+              <a:schemeClr val="bg2"/>
+            </a:outerShdw>
+          </a:effectLst>
+        </p:spPr>
+        <p:txBody>
+          <a:bodyPr wrap="square" lIns="152956" tIns="76479" rIns="152956" bIns="76479" anchor="ctr">
+            <a:spAutoFit/>
+          </a:bodyPr>
+          <a:lstStyle/>
+          <a:p>
+            <a:pPr defTabSz="5244629"/>
+            <a:r>
+              <a:rPr lang="en-US" sz="5239" dirty="0" smtClean="0">
+                <a:solidFill>
+                  <a:schemeClr val="bg1"/>
+                </a:solidFill>
+                <a:latin typeface="Arial"/>
+                <a:cs typeface="Arial"/>
+              </a:rPr>
+              <a:t>Solving SMP in Answer Set Programming</a:t>
+            </a:r>
+            <a:endParaRPr lang="en-US" sz="5239" dirty="0">
+              <a:solidFill>
+                <a:schemeClr val="bg1"/>
+              </a:solidFill>
+              <a:latin typeface="Arial"/>
+              <a:cs typeface="Arial"/>
+            </a:endParaRPr>
+          </a:p>
+        </p:txBody>
+      </p:sp>
+      <p:sp>
+        <p:nvSpPr>
+          <p:cNvPr id="26" name="Rectangle 25"/>
+          <p:cNvSpPr/>
+          <p:nvPr/>
+        </p:nvSpPr>
+        <p:spPr>
+          <a:xfrm>
+            <a:off x="680299" y="6837858"/>
+            <a:ext cx="14405158" cy="6863417"/>
+          </a:xfrm>
+          <a:prstGeom prst="rect">
+            <a:avLst/>
+          </a:prstGeom>
+        </p:spPr>
+        <p:txBody>
+          <a:bodyPr wrap="square">
+            <a:spAutoFit/>
+          </a:bodyPr>
+          <a:lstStyle/>
+          <a:p>
+            <a:pPr algn="just"/>
+            <a:r>
+              <a:rPr lang="en-US" sz="4000" dirty="0"/>
+              <a:t>Matching problems are about markets where individuals are matched with individuals or firms or items, typically across two </a:t>
+            </a:r>
+            <a:r>
+              <a:rPr lang="en-US" sz="4000" dirty="0" smtClean="0"/>
+              <a:t>sides</a:t>
+            </a:r>
+            <a:r>
+              <a:rPr lang="en-US" sz="4000" dirty="0"/>
+              <a:t>, as in employment (e.g., who works at which job), university entrance (e.g., which students go to which school), and kidney donation (e.g., who receives </a:t>
+            </a:r>
+            <a:r>
+              <a:rPr lang="en-US" sz="4000" dirty="0" smtClean="0"/>
+              <a:t>which transplantable </a:t>
+            </a:r>
+            <a:r>
+              <a:rPr lang="en-US" sz="4000" dirty="0"/>
+              <a:t>organ</a:t>
+            </a:r>
+            <a:r>
+              <a:rPr lang="en-US" sz="4000" dirty="0" smtClean="0"/>
+              <a:t>).</a:t>
+            </a:r>
+          </a:p>
+          <a:p>
+            <a:pPr algn="just"/>
+            <a:endParaRPr lang="en-US" sz="4000" dirty="0"/>
+          </a:p>
+          <a:p>
+            <a:pPr algn="just"/>
+            <a:r>
+              <a:rPr lang="en-US" sz="4000" dirty="0" smtClean="0"/>
+              <a:t>In this project, we have studied a matching problem, called </a:t>
+            </a:r>
+            <a:r>
+              <a:rPr lang="en-US" sz="4000" dirty="0"/>
+              <a:t>Stable </a:t>
+            </a:r>
+            <a:r>
+              <a:rPr lang="en-US" sz="4000" dirty="0" smtClean="0"/>
+              <a:t>Marriage Problem, and its variants. We have introduced a generic method to solve them using an Artificial Intelligence paradigm, called Answer Set Programming. </a:t>
+            </a:r>
+            <a:endParaRPr lang="en-US" sz="4000" dirty="0">
+              <a:solidFill>
+                <a:srgbClr val="222222"/>
+              </a:solidFill>
+              <a:latin typeface="arial" charset="0"/>
+            </a:endParaRPr>
+          </a:p>
+        </p:txBody>
+      </p:sp>
     </p:spTree>
   </p:cSld>
   <p:clrMapOvr>
@@ -6908,7 +7147,7 @@
         <a:effectLst/>
         <a:extLst>
           <a:ext uri="{AF507438-7753-43e0-B8FC-AC1667EBCBE1}">
-            <a14:hiddenEffects xmlns="" xmlns:a14="http://schemas.microsoft.com/office/drawing/2010/main">
+            <a14:hiddenEffects xmlns:a14="http://schemas.microsoft.com/office/drawing/2010/main" xmlns="">
               <a:effectLst>
                 <a:outerShdw dist="35921" dir="2700000" algn="ctr" rotWithShape="0">
                   <a:schemeClr val="bg2"/>
@@ -6981,7 +7220,7 @@
         <a:effectLst/>
         <a:extLst>
           <a:ext uri="{AF507438-7753-43e0-B8FC-AC1667EBCBE1}">
-            <a14:hiddenEffects xmlns="" xmlns:a14="http://schemas.microsoft.com/office/drawing/2010/main">
+            <a14:hiddenEffects xmlns:a14="http://schemas.microsoft.com/office/drawing/2010/main" xmlns="">
               <a:effectLst>
                 <a:outerShdw dist="35921" dir="2700000" algn="ctr" rotWithShape="0">
                   <a:schemeClr val="bg2"/>
